--- a/Function apps Research story.pptx
+++ b/Function apps Research story.pptx
@@ -5,20 +5,32 @@
     <p:sldMasterId id="2147483738" r:id="rId1"/>
   </p:sldMasterIdLst>
   <p:notesMasterIdLst>
-    <p:notesMasterId r:id="rId10"/>
+    <p:notesMasterId r:id="rId22"/>
   </p:notesMasterIdLst>
   <p:handoutMasterIdLst>
-    <p:handoutMasterId r:id="rId11"/>
+    <p:handoutMasterId r:id="rId23"/>
   </p:handoutMasterIdLst>
   <p:sldIdLst>
     <p:sldId id="256" r:id="rId2"/>
     <p:sldId id="276" r:id="rId3"/>
     <p:sldId id="277" r:id="rId4"/>
     <p:sldId id="289" r:id="rId5"/>
-    <p:sldId id="290" r:id="rId6"/>
-    <p:sldId id="278" r:id="rId7"/>
-    <p:sldId id="288" r:id="rId8"/>
-    <p:sldId id="285" r:id="rId9"/>
+    <p:sldId id="299" r:id="rId6"/>
+    <p:sldId id="301" r:id="rId7"/>
+    <p:sldId id="300" r:id="rId8"/>
+    <p:sldId id="302" r:id="rId9"/>
+    <p:sldId id="303" r:id="rId10"/>
+    <p:sldId id="296" r:id="rId11"/>
+    <p:sldId id="298" r:id="rId12"/>
+    <p:sldId id="278" r:id="rId13"/>
+    <p:sldId id="288" r:id="rId14"/>
+    <p:sldId id="295" r:id="rId15"/>
+    <p:sldId id="290" r:id="rId16"/>
+    <p:sldId id="291" r:id="rId17"/>
+    <p:sldId id="292" r:id="rId18"/>
+    <p:sldId id="293" r:id="rId19"/>
+    <p:sldId id="294" r:id="rId20"/>
+    <p:sldId id="285" r:id="rId21"/>
   </p:sldIdLst>
   <p:sldSz cx="12192000" cy="6858000"/>
   <p:notesSz cx="6858000" cy="9144000"/>
@@ -1031,7 +1043,7 @@
             <a:pPr rtl="0"/>
             <a:fld id="{BE60DC36-8EFA-4378-9855-E019C55AC472}" type="slidenum">
               <a:rPr lang="nl-NL" smtClean="0"/>
-              <a:t>6</a:t>
+              <a:t>12</a:t>
             </a:fld>
             <a:endParaRPr lang="nl-NL" dirty="0"/>
           </a:p>
@@ -1117,7 +1129,7 @@
             <a:pPr rtl="0"/>
             <a:fld id="{BE60DC36-8EFA-4378-9855-E019C55AC472}" type="slidenum">
               <a:rPr lang="nl-NL" smtClean="0"/>
-              <a:t>8</a:t>
+              <a:t>20</a:t>
             </a:fld>
             <a:endParaRPr lang="nl-NL" dirty="0"/>
           </a:p>
@@ -6949,7 +6961,7 @@
         </p:nvSpPr>
         <p:spPr>
           <a:xfrm>
-            <a:off x="1524000" y="4376036"/>
+            <a:off x="1524000" y="3846646"/>
             <a:ext cx="9144000" cy="1354217"/>
           </a:xfrm>
         </p:spPr>
@@ -7113,6 +7125,3084 @@
     <p:extLst>
       <p:ext uri="{BB962C8B-B14F-4D97-AF65-F5344CB8AC3E}">
         <p14:creationId xmlns:p14="http://schemas.microsoft.com/office/powerpoint/2010/main" val="2387849042"/>
+      </p:ext>
+    </p:extLst>
+  </p:cSld>
+  <p:clrMapOvr>
+    <a:masterClrMapping/>
+  </p:clrMapOvr>
+</p:sld>
+</file>
+
+<file path=ppt/slides/slide10.xml><?xml version="1.0" encoding="utf-8"?>
+<p:sld xmlns:a="http://schemas.openxmlformats.org/drawingml/2006/main" xmlns:r="http://schemas.openxmlformats.org/officeDocument/2006/relationships" xmlns:p="http://schemas.openxmlformats.org/presentationml/2006/main">
+  <p:cSld>
+    <p:spTree>
+      <p:nvGrpSpPr>
+        <p:cNvPr id="1" name=""/>
+        <p:cNvGrpSpPr/>
+        <p:nvPr/>
+      </p:nvGrpSpPr>
+      <p:grpSpPr>
+        <a:xfrm>
+          <a:off x="0" y="0"/>
+          <a:ext cx="0" cy="0"/>
+          <a:chOff x="0" y="0"/>
+          <a:chExt cx="0" cy="0"/>
+        </a:xfrm>
+      </p:grpSpPr>
+      <p:cxnSp>
+        <p:nvCxnSpPr>
+          <p:cNvPr id="2" name="Rechte verbindingslijn 1">
+            <a:extLst>
+              <a:ext uri="{FF2B5EF4-FFF2-40B4-BE49-F238E27FC236}">
+                <a16:creationId xmlns:a16="http://schemas.microsoft.com/office/drawing/2014/main" id="{C8F4A39C-605C-4750-9A01-9D98CEB5B890}"/>
+              </a:ext>
+              <a:ext uri="{C183D7F6-B498-43B3-948B-1728B52AA6E4}">
+                <adec:decorative xmlns:adec="http://schemas.microsoft.com/office/drawing/2017/decorative" val="1"/>
+              </a:ext>
+            </a:extLst>
+          </p:cNvPr>
+          <p:cNvCxnSpPr>
+            <a:cxnSpLocks/>
+          </p:cNvCxnSpPr>
+          <p:nvPr/>
+        </p:nvCxnSpPr>
+        <p:spPr>
+          <a:xfrm>
+            <a:off x="8105775" y="522898"/>
+            <a:ext cx="4086225" cy="0"/>
+          </a:xfrm>
+          <a:prstGeom prst="line">
+            <a:avLst/>
+          </a:prstGeom>
+          <a:ln>
+            <a:solidFill>
+              <a:schemeClr val="accent3">
+                <a:lumMod val="50000"/>
+              </a:schemeClr>
+            </a:solidFill>
+            <a:headEnd type="oval"/>
+          </a:ln>
+        </p:spPr>
+        <p:style>
+          <a:lnRef idx="1">
+            <a:schemeClr val="accent1"/>
+          </a:lnRef>
+          <a:fillRef idx="0">
+            <a:schemeClr val="accent1"/>
+          </a:fillRef>
+          <a:effectRef idx="0">
+            <a:schemeClr val="accent1"/>
+          </a:effectRef>
+          <a:fontRef idx="minor">
+            <a:schemeClr val="tx1"/>
+          </a:fontRef>
+        </p:style>
+      </p:cxnSp>
+      <p:sp>
+        <p:nvSpPr>
+          <p:cNvPr id="3" name="Titel 1">
+            <a:extLst>
+              <a:ext uri="{FF2B5EF4-FFF2-40B4-BE49-F238E27FC236}">
+                <a16:creationId xmlns:a16="http://schemas.microsoft.com/office/drawing/2014/main" id="{F535E11B-2748-4A2A-A465-9297750CA706}"/>
+              </a:ext>
+            </a:extLst>
+          </p:cNvPr>
+          <p:cNvSpPr txBox="1">
+            <a:spLocks/>
+          </p:cNvSpPr>
+          <p:nvPr/>
+        </p:nvSpPr>
+        <p:spPr>
+          <a:xfrm>
+            <a:off x="228600" y="190500"/>
+            <a:ext cx="11734800" cy="775597"/>
+          </a:xfrm>
+          <a:prstGeom prst="rect">
+            <a:avLst/>
+          </a:prstGeom>
+        </p:spPr>
+        <p:txBody>
+          <a:bodyPr vert="horz" wrap="square" lIns="0" tIns="0" rIns="0" bIns="0" rtlCol="0" anchor="t">
+            <a:spAutoFit/>
+          </a:bodyPr>
+          <a:lstStyle>
+            <a:lvl1pPr algn="l" defTabSz="914400" rtl="0" eaLnBrk="1" latinLnBrk="0" hangingPunct="1">
+              <a:lnSpc>
+                <a:spcPct val="90000"/>
+              </a:lnSpc>
+              <a:spcBef>
+                <a:spcPct val="0"/>
+              </a:spcBef>
+              <a:buNone/>
+              <a:defRPr sz="4400" kern="1200">
+                <a:solidFill>
+                  <a:schemeClr val="tx1"/>
+                </a:solidFill>
+                <a:latin typeface="+mj-lt"/>
+                <a:ea typeface="+mj-ea"/>
+                <a:cs typeface="+mj-cs"/>
+              </a:defRPr>
+            </a:lvl1pPr>
+          </a:lstStyle>
+          <a:p>
+            <a:pPr algn="ctr" rtl="0"/>
+            <a:r>
+              <a:rPr lang="nl-NL" sz="2800" b="1" dirty="0" err="1">
+                <a:solidFill>
+                  <a:schemeClr val="tx1">
+                    <a:lumMod val="75000"/>
+                    <a:lumOff val="25000"/>
+                  </a:schemeClr>
+                </a:solidFill>
+              </a:rPr>
+              <a:t>Connections</a:t>
+            </a:r>
+            <a:endParaRPr lang="nl-NL" sz="2800" b="1" dirty="0">
+              <a:solidFill>
+                <a:schemeClr val="tx1">
+                  <a:lumMod val="75000"/>
+                  <a:lumOff val="25000"/>
+                </a:schemeClr>
+              </a:solidFill>
+            </a:endParaRPr>
+          </a:p>
+          <a:p>
+            <a:pPr algn="ctr" rtl="0"/>
+            <a:r>
+              <a:rPr lang="nl-NL" sz="2800" b="1" dirty="0" err="1">
+                <a:solidFill>
+                  <a:schemeClr val="tx1">
+                    <a:lumMod val="75000"/>
+                    <a:lumOff val="25000"/>
+                  </a:schemeClr>
+                </a:solidFill>
+              </a:rPr>
+              <a:t>Configutaion</a:t>
+            </a:r>
+            <a:endParaRPr lang="nl-NL" sz="2800" dirty="0">
+              <a:solidFill>
+                <a:schemeClr val="tx1">
+                  <a:lumMod val="75000"/>
+                  <a:lumOff val="25000"/>
+                </a:schemeClr>
+              </a:solidFill>
+            </a:endParaRPr>
+          </a:p>
+        </p:txBody>
+      </p:sp>
+      <p:cxnSp>
+        <p:nvCxnSpPr>
+          <p:cNvPr id="4" name="Rechte verbindingslijn 3">
+            <a:extLst>
+              <a:ext uri="{FF2B5EF4-FFF2-40B4-BE49-F238E27FC236}">
+                <a16:creationId xmlns:a16="http://schemas.microsoft.com/office/drawing/2014/main" id="{5B30123D-983D-41BC-A605-0B07B87D2451}"/>
+              </a:ext>
+              <a:ext uri="{C183D7F6-B498-43B3-948B-1728B52AA6E4}">
+                <adec:decorative xmlns:adec="http://schemas.microsoft.com/office/drawing/2017/decorative" val="1"/>
+              </a:ext>
+            </a:extLst>
+          </p:cNvPr>
+          <p:cNvCxnSpPr>
+            <a:cxnSpLocks/>
+          </p:cNvCxnSpPr>
+          <p:nvPr/>
+        </p:nvCxnSpPr>
+        <p:spPr>
+          <a:xfrm>
+            <a:off x="0" y="522898"/>
+            <a:ext cx="4086225" cy="0"/>
+          </a:xfrm>
+          <a:prstGeom prst="line">
+            <a:avLst/>
+          </a:prstGeom>
+          <a:ln>
+            <a:solidFill>
+              <a:schemeClr val="accent3">
+                <a:lumMod val="50000"/>
+              </a:schemeClr>
+            </a:solidFill>
+            <a:tailEnd type="oval"/>
+          </a:ln>
+        </p:spPr>
+        <p:style>
+          <a:lnRef idx="1">
+            <a:schemeClr val="accent1"/>
+          </a:lnRef>
+          <a:fillRef idx="0">
+            <a:schemeClr val="accent1"/>
+          </a:fillRef>
+          <a:effectRef idx="0">
+            <a:schemeClr val="accent1"/>
+          </a:effectRef>
+          <a:fontRef idx="minor">
+            <a:schemeClr val="tx1"/>
+          </a:fontRef>
+        </p:style>
+      </p:cxnSp>
+      <p:pic>
+        <p:nvPicPr>
+          <p:cNvPr id="6" name="Afbeelding 5">
+            <a:extLst>
+              <a:ext uri="{FF2B5EF4-FFF2-40B4-BE49-F238E27FC236}">
+                <a16:creationId xmlns:a16="http://schemas.microsoft.com/office/drawing/2014/main" id="{2E3C0075-1E16-4126-A2CF-472F2D7CBDA2}"/>
+              </a:ext>
+            </a:extLst>
+          </p:cNvPr>
+          <p:cNvPicPr>
+            <a:picLocks noChangeAspect="1"/>
+          </p:cNvPicPr>
+          <p:nvPr/>
+        </p:nvPicPr>
+        <p:blipFill>
+          <a:blip r:embed="rId2"/>
+          <a:stretch>
+            <a:fillRect/>
+          </a:stretch>
+        </p:blipFill>
+        <p:spPr>
+          <a:xfrm>
+            <a:off x="730166" y="2171699"/>
+            <a:ext cx="2181225" cy="2514600"/>
+          </a:xfrm>
+          <a:prstGeom prst="rect">
+            <a:avLst/>
+          </a:prstGeom>
+        </p:spPr>
+      </p:pic>
+      <p:pic>
+        <p:nvPicPr>
+          <p:cNvPr id="7" name="Afbeelding 6">
+            <a:extLst>
+              <a:ext uri="{FF2B5EF4-FFF2-40B4-BE49-F238E27FC236}">
+                <a16:creationId xmlns:a16="http://schemas.microsoft.com/office/drawing/2014/main" id="{3095F4FB-BE84-4075-AB40-4A51FE57AE9D}"/>
+              </a:ext>
+            </a:extLst>
+          </p:cNvPr>
+          <p:cNvPicPr>
+            <a:picLocks noChangeAspect="1"/>
+          </p:cNvPicPr>
+          <p:nvPr/>
+        </p:nvPicPr>
+        <p:blipFill>
+          <a:blip r:embed="rId3"/>
+          <a:stretch>
+            <a:fillRect/>
+          </a:stretch>
+        </p:blipFill>
+        <p:spPr>
+          <a:xfrm>
+            <a:off x="3444790" y="1719261"/>
+            <a:ext cx="8382252" cy="3419475"/>
+          </a:xfrm>
+          <a:prstGeom prst="rect">
+            <a:avLst/>
+          </a:prstGeom>
+        </p:spPr>
+      </p:pic>
+    </p:spTree>
+    <p:extLst>
+      <p:ext uri="{BB962C8B-B14F-4D97-AF65-F5344CB8AC3E}">
+        <p14:creationId xmlns:p14="http://schemas.microsoft.com/office/powerpoint/2010/main" val="2141327230"/>
+      </p:ext>
+    </p:extLst>
+  </p:cSld>
+  <p:clrMapOvr>
+    <a:masterClrMapping/>
+  </p:clrMapOvr>
+</p:sld>
+</file>
+
+<file path=ppt/slides/slide11.xml><?xml version="1.0" encoding="utf-8"?>
+<p:sld xmlns:a="http://schemas.openxmlformats.org/drawingml/2006/main" xmlns:r="http://schemas.openxmlformats.org/officeDocument/2006/relationships" xmlns:p="http://schemas.openxmlformats.org/presentationml/2006/main">
+  <p:cSld>
+    <p:spTree>
+      <p:nvGrpSpPr>
+        <p:cNvPr id="1" name=""/>
+        <p:cNvGrpSpPr/>
+        <p:nvPr/>
+      </p:nvGrpSpPr>
+      <p:grpSpPr>
+        <a:xfrm>
+          <a:off x="0" y="0"/>
+          <a:ext cx="0" cy="0"/>
+          <a:chOff x="0" y="0"/>
+          <a:chExt cx="0" cy="0"/>
+        </a:xfrm>
+      </p:grpSpPr>
+      <p:cxnSp>
+        <p:nvCxnSpPr>
+          <p:cNvPr id="2" name="Rechte verbindingslijn 1">
+            <a:extLst>
+              <a:ext uri="{FF2B5EF4-FFF2-40B4-BE49-F238E27FC236}">
+                <a16:creationId xmlns:a16="http://schemas.microsoft.com/office/drawing/2014/main" id="{54C74167-C43C-4B37-B80E-27E7648DABDF}"/>
+              </a:ext>
+              <a:ext uri="{C183D7F6-B498-43B3-948B-1728B52AA6E4}">
+                <adec:decorative xmlns:adec="http://schemas.microsoft.com/office/drawing/2017/decorative" val="1"/>
+              </a:ext>
+            </a:extLst>
+          </p:cNvPr>
+          <p:cNvCxnSpPr>
+            <a:cxnSpLocks/>
+          </p:cNvCxnSpPr>
+          <p:nvPr/>
+        </p:nvCxnSpPr>
+        <p:spPr>
+          <a:xfrm>
+            <a:off x="8105775" y="522898"/>
+            <a:ext cx="4086225" cy="0"/>
+          </a:xfrm>
+          <a:prstGeom prst="line">
+            <a:avLst/>
+          </a:prstGeom>
+          <a:ln>
+            <a:solidFill>
+              <a:schemeClr val="accent3">
+                <a:lumMod val="50000"/>
+              </a:schemeClr>
+            </a:solidFill>
+            <a:headEnd type="oval"/>
+          </a:ln>
+        </p:spPr>
+        <p:style>
+          <a:lnRef idx="1">
+            <a:schemeClr val="accent1"/>
+          </a:lnRef>
+          <a:fillRef idx="0">
+            <a:schemeClr val="accent1"/>
+          </a:fillRef>
+          <a:effectRef idx="0">
+            <a:schemeClr val="accent1"/>
+          </a:effectRef>
+          <a:fontRef idx="minor">
+            <a:schemeClr val="tx1"/>
+          </a:fontRef>
+        </p:style>
+      </p:cxnSp>
+      <p:sp>
+        <p:nvSpPr>
+          <p:cNvPr id="3" name="Titel 1">
+            <a:extLst>
+              <a:ext uri="{FF2B5EF4-FFF2-40B4-BE49-F238E27FC236}">
+                <a16:creationId xmlns:a16="http://schemas.microsoft.com/office/drawing/2014/main" id="{A219BD42-295A-4378-9019-5F876473FCFF}"/>
+              </a:ext>
+            </a:extLst>
+          </p:cNvPr>
+          <p:cNvSpPr txBox="1">
+            <a:spLocks/>
+          </p:cNvSpPr>
+          <p:nvPr/>
+        </p:nvSpPr>
+        <p:spPr>
+          <a:xfrm>
+            <a:off x="228600" y="190500"/>
+            <a:ext cx="11734800" cy="775597"/>
+          </a:xfrm>
+          <a:prstGeom prst="rect">
+            <a:avLst/>
+          </a:prstGeom>
+        </p:spPr>
+        <p:txBody>
+          <a:bodyPr vert="horz" wrap="square" lIns="0" tIns="0" rIns="0" bIns="0" rtlCol="0" anchor="t">
+            <a:spAutoFit/>
+          </a:bodyPr>
+          <a:lstStyle>
+            <a:lvl1pPr algn="l" defTabSz="914400" rtl="0" eaLnBrk="1" latinLnBrk="0" hangingPunct="1">
+              <a:lnSpc>
+                <a:spcPct val="90000"/>
+              </a:lnSpc>
+              <a:spcBef>
+                <a:spcPct val="0"/>
+              </a:spcBef>
+              <a:buNone/>
+              <a:defRPr sz="4400" kern="1200">
+                <a:solidFill>
+                  <a:schemeClr val="tx1"/>
+                </a:solidFill>
+                <a:latin typeface="+mj-lt"/>
+                <a:ea typeface="+mj-ea"/>
+                <a:cs typeface="+mj-cs"/>
+              </a:defRPr>
+            </a:lvl1pPr>
+          </a:lstStyle>
+          <a:p>
+            <a:pPr algn="ctr" rtl="0"/>
+            <a:r>
+              <a:rPr lang="nl-NL" sz="2800" b="1" dirty="0" err="1">
+                <a:solidFill>
+                  <a:schemeClr val="tx1">
+                    <a:lumMod val="75000"/>
+                    <a:lumOff val="25000"/>
+                  </a:schemeClr>
+                </a:solidFill>
+              </a:rPr>
+              <a:t>Connections</a:t>
+            </a:r>
+            <a:endParaRPr lang="nl-NL" sz="2800" b="1" dirty="0">
+              <a:solidFill>
+                <a:schemeClr val="tx1">
+                  <a:lumMod val="75000"/>
+                  <a:lumOff val="25000"/>
+                </a:schemeClr>
+              </a:solidFill>
+            </a:endParaRPr>
+          </a:p>
+          <a:p>
+            <a:pPr algn="ctr" rtl="0"/>
+            <a:r>
+              <a:rPr lang="nl-NL" sz="2800" b="1" dirty="0" err="1">
+                <a:solidFill>
+                  <a:schemeClr val="tx1">
+                    <a:lumMod val="75000"/>
+                    <a:lumOff val="25000"/>
+                  </a:schemeClr>
+                </a:solidFill>
+              </a:rPr>
+              <a:t>Configutaion</a:t>
+            </a:r>
+            <a:endParaRPr lang="nl-NL" sz="2800" dirty="0">
+              <a:solidFill>
+                <a:schemeClr val="tx1">
+                  <a:lumMod val="75000"/>
+                  <a:lumOff val="25000"/>
+                </a:schemeClr>
+              </a:solidFill>
+            </a:endParaRPr>
+          </a:p>
+        </p:txBody>
+      </p:sp>
+      <p:cxnSp>
+        <p:nvCxnSpPr>
+          <p:cNvPr id="4" name="Rechte verbindingslijn 3">
+            <a:extLst>
+              <a:ext uri="{FF2B5EF4-FFF2-40B4-BE49-F238E27FC236}">
+                <a16:creationId xmlns:a16="http://schemas.microsoft.com/office/drawing/2014/main" id="{2F6D8515-A046-443E-A1E0-F1C2234D3BE6}"/>
+              </a:ext>
+              <a:ext uri="{C183D7F6-B498-43B3-948B-1728B52AA6E4}">
+                <adec:decorative xmlns:adec="http://schemas.microsoft.com/office/drawing/2017/decorative" val="1"/>
+              </a:ext>
+            </a:extLst>
+          </p:cNvPr>
+          <p:cNvCxnSpPr>
+            <a:cxnSpLocks/>
+          </p:cNvCxnSpPr>
+          <p:nvPr/>
+        </p:nvCxnSpPr>
+        <p:spPr>
+          <a:xfrm>
+            <a:off x="0" y="522898"/>
+            <a:ext cx="4086225" cy="0"/>
+          </a:xfrm>
+          <a:prstGeom prst="line">
+            <a:avLst/>
+          </a:prstGeom>
+          <a:ln>
+            <a:solidFill>
+              <a:schemeClr val="accent3">
+                <a:lumMod val="50000"/>
+              </a:schemeClr>
+            </a:solidFill>
+            <a:tailEnd type="oval"/>
+          </a:ln>
+        </p:spPr>
+        <p:style>
+          <a:lnRef idx="1">
+            <a:schemeClr val="accent1"/>
+          </a:lnRef>
+          <a:fillRef idx="0">
+            <a:schemeClr val="accent1"/>
+          </a:fillRef>
+          <a:effectRef idx="0">
+            <a:schemeClr val="accent1"/>
+          </a:effectRef>
+          <a:fontRef idx="minor">
+            <a:schemeClr val="tx1"/>
+          </a:fontRef>
+        </p:style>
+      </p:cxnSp>
+      <p:pic>
+        <p:nvPicPr>
+          <p:cNvPr id="5" name="Afbeelding 4">
+            <a:extLst>
+              <a:ext uri="{FF2B5EF4-FFF2-40B4-BE49-F238E27FC236}">
+                <a16:creationId xmlns:a16="http://schemas.microsoft.com/office/drawing/2014/main" id="{259820C0-C5A7-44B1-AABA-B4D082C4994B}"/>
+              </a:ext>
+            </a:extLst>
+          </p:cNvPr>
+          <p:cNvPicPr>
+            <a:picLocks noChangeAspect="1"/>
+          </p:cNvPicPr>
+          <p:nvPr/>
+        </p:nvPicPr>
+        <p:blipFill>
+          <a:blip r:embed="rId2"/>
+          <a:stretch>
+            <a:fillRect/>
+          </a:stretch>
+        </p:blipFill>
+        <p:spPr>
+          <a:xfrm>
+            <a:off x="3567112" y="1428750"/>
+            <a:ext cx="5057775" cy="4000500"/>
+          </a:xfrm>
+          <a:prstGeom prst="rect">
+            <a:avLst/>
+          </a:prstGeom>
+        </p:spPr>
+      </p:pic>
+    </p:spTree>
+    <p:extLst>
+      <p:ext uri="{BB962C8B-B14F-4D97-AF65-F5344CB8AC3E}">
+        <p14:creationId xmlns:p14="http://schemas.microsoft.com/office/powerpoint/2010/main" val="274667238"/>
+      </p:ext>
+    </p:extLst>
+  </p:cSld>
+  <p:clrMapOvr>
+    <a:masterClrMapping/>
+  </p:clrMapOvr>
+</p:sld>
+</file>
+
+<file path=ppt/slides/slide12.xml><?xml version="1.0" encoding="utf-8"?>
+<p:sld xmlns:a="http://schemas.openxmlformats.org/drawingml/2006/main" xmlns:r="http://schemas.openxmlformats.org/officeDocument/2006/relationships" xmlns:p="http://schemas.openxmlformats.org/presentationml/2006/main">
+  <p:cSld>
+    <p:spTree>
+      <p:nvGrpSpPr>
+        <p:cNvPr id="1" name=""/>
+        <p:cNvGrpSpPr/>
+        <p:nvPr/>
+      </p:nvGrpSpPr>
+      <p:grpSpPr>
+        <a:xfrm>
+          <a:off x="0" y="0"/>
+          <a:ext cx="0" cy="0"/>
+          <a:chOff x="0" y="0"/>
+          <a:chExt cx="0" cy="0"/>
+        </a:xfrm>
+      </p:grpSpPr>
+      <p:sp>
+        <p:nvSpPr>
+          <p:cNvPr id="7" name="Titel 6" hidden="1">
+            <a:extLst>
+              <a:ext uri="{FF2B5EF4-FFF2-40B4-BE49-F238E27FC236}">
+                <a16:creationId xmlns:a16="http://schemas.microsoft.com/office/drawing/2014/main" id="{ED2F5393-91A3-4102-A584-E902285C507A}"/>
+              </a:ext>
+            </a:extLst>
+          </p:cNvPr>
+          <p:cNvSpPr>
+            <a:spLocks noGrp="1"/>
+          </p:cNvSpPr>
+          <p:nvPr>
+            <p:ph type="title" idx="4294967295"/>
+          </p:nvPr>
+        </p:nvSpPr>
+        <p:spPr>
+          <a:xfrm>
+            <a:off x="0" y="365125"/>
+            <a:ext cx="10515600" cy="1325563"/>
+          </a:xfrm>
+        </p:spPr>
+        <p:txBody>
+          <a:bodyPr rtlCol="0"/>
+          <a:lstStyle/>
+          <a:p>
+            <a:r>
+              <a:rPr lang="nl-NL" dirty="0"/>
+              <a:t>Projectanalyse, dia 4</a:t>
+            </a:r>
+            <a:endParaRPr lang="nl" dirty="0"/>
+          </a:p>
+        </p:txBody>
+      </p:sp>
+      <p:cxnSp>
+        <p:nvCxnSpPr>
+          <p:cNvPr id="8" name="Rechte verbindingslijn 7">
+            <a:extLst>
+              <a:ext uri="{FF2B5EF4-FFF2-40B4-BE49-F238E27FC236}">
+                <a16:creationId xmlns:a16="http://schemas.microsoft.com/office/drawing/2014/main" id="{D0986099-F5F2-4E8B-BE17-81194861A00C}"/>
+              </a:ext>
+              <a:ext uri="{C183D7F6-B498-43B3-948B-1728B52AA6E4}">
+                <adec:decorative xmlns:adec="http://schemas.microsoft.com/office/drawing/2017/decorative" val="1"/>
+              </a:ext>
+            </a:extLst>
+          </p:cNvPr>
+          <p:cNvCxnSpPr>
+            <a:cxnSpLocks/>
+          </p:cNvCxnSpPr>
+          <p:nvPr/>
+        </p:nvCxnSpPr>
+        <p:spPr>
+          <a:xfrm>
+            <a:off x="8105775" y="522898"/>
+            <a:ext cx="4086225" cy="0"/>
+          </a:xfrm>
+          <a:prstGeom prst="line">
+            <a:avLst/>
+          </a:prstGeom>
+          <a:ln>
+            <a:solidFill>
+              <a:schemeClr val="accent3">
+                <a:lumMod val="50000"/>
+              </a:schemeClr>
+            </a:solidFill>
+            <a:headEnd type="oval"/>
+          </a:ln>
+        </p:spPr>
+        <p:style>
+          <a:lnRef idx="1">
+            <a:schemeClr val="accent1"/>
+          </a:lnRef>
+          <a:fillRef idx="0">
+            <a:schemeClr val="accent1"/>
+          </a:fillRef>
+          <a:effectRef idx="0">
+            <a:schemeClr val="accent1"/>
+          </a:effectRef>
+          <a:fontRef idx="minor">
+            <a:schemeClr val="tx1"/>
+          </a:fontRef>
+        </p:style>
+      </p:cxnSp>
+      <p:sp>
+        <p:nvSpPr>
+          <p:cNvPr id="11" name="Titel 1">
+            <a:extLst>
+              <a:ext uri="{FF2B5EF4-FFF2-40B4-BE49-F238E27FC236}">
+                <a16:creationId xmlns:a16="http://schemas.microsoft.com/office/drawing/2014/main" id="{4E3F5479-058B-4FA8-92E9-18CAB8CDC5C5}"/>
+              </a:ext>
+            </a:extLst>
+          </p:cNvPr>
+          <p:cNvSpPr txBox="1">
+            <a:spLocks/>
+          </p:cNvSpPr>
+          <p:nvPr/>
+        </p:nvSpPr>
+        <p:spPr>
+          <a:xfrm>
+            <a:off x="228600" y="190500"/>
+            <a:ext cx="11734800" cy="775597"/>
+          </a:xfrm>
+          <a:prstGeom prst="rect">
+            <a:avLst/>
+          </a:prstGeom>
+        </p:spPr>
+        <p:txBody>
+          <a:bodyPr vert="horz" wrap="square" lIns="0" tIns="0" rIns="0" bIns="0" rtlCol="0" anchor="t">
+            <a:spAutoFit/>
+          </a:bodyPr>
+          <a:lstStyle>
+            <a:lvl1pPr algn="l" defTabSz="914400" rtl="0" eaLnBrk="1" latinLnBrk="0" hangingPunct="1">
+              <a:lnSpc>
+                <a:spcPct val="90000"/>
+              </a:lnSpc>
+              <a:spcBef>
+                <a:spcPct val="0"/>
+              </a:spcBef>
+              <a:buNone/>
+              <a:defRPr sz="4400" kern="1200">
+                <a:solidFill>
+                  <a:schemeClr val="tx1"/>
+                </a:solidFill>
+                <a:latin typeface="+mj-lt"/>
+                <a:ea typeface="+mj-ea"/>
+                <a:cs typeface="+mj-cs"/>
+              </a:defRPr>
+            </a:lvl1pPr>
+          </a:lstStyle>
+          <a:p>
+            <a:pPr algn="ctr" rtl="0"/>
+            <a:r>
+              <a:rPr lang="nl-NL" sz="2800" b="1" dirty="0">
+                <a:solidFill>
+                  <a:schemeClr val="tx1">
+                    <a:lumMod val="75000"/>
+                    <a:lumOff val="25000"/>
+                  </a:schemeClr>
+                </a:solidFill>
+              </a:rPr>
+              <a:t>Voorbeeld</a:t>
+            </a:r>
+            <a:br>
+              <a:rPr lang="nl-NL" sz="2800" dirty="0">
+                <a:solidFill>
+                  <a:schemeClr val="tx1">
+                    <a:lumMod val="75000"/>
+                    <a:lumOff val="25000"/>
+                  </a:schemeClr>
+                </a:solidFill>
+              </a:rPr>
+            </a:br>
+            <a:endParaRPr lang="nl-NL" sz="2800" dirty="0">
+              <a:solidFill>
+                <a:schemeClr val="tx1">
+                  <a:lumMod val="75000"/>
+                  <a:lumOff val="25000"/>
+                </a:schemeClr>
+              </a:solidFill>
+            </a:endParaRPr>
+          </a:p>
+        </p:txBody>
+      </p:sp>
+      <p:cxnSp>
+        <p:nvCxnSpPr>
+          <p:cNvPr id="14" name="Rechte verbindingslijn 13">
+            <a:extLst>
+              <a:ext uri="{FF2B5EF4-FFF2-40B4-BE49-F238E27FC236}">
+                <a16:creationId xmlns:a16="http://schemas.microsoft.com/office/drawing/2014/main" id="{83E690F4-843A-47A5-8620-4FB01C0D8E68}"/>
+              </a:ext>
+              <a:ext uri="{C183D7F6-B498-43B3-948B-1728B52AA6E4}">
+                <adec:decorative xmlns:adec="http://schemas.microsoft.com/office/drawing/2017/decorative" val="1"/>
+              </a:ext>
+            </a:extLst>
+          </p:cNvPr>
+          <p:cNvCxnSpPr>
+            <a:cxnSpLocks/>
+          </p:cNvCxnSpPr>
+          <p:nvPr/>
+        </p:nvCxnSpPr>
+        <p:spPr>
+          <a:xfrm>
+            <a:off x="0" y="522898"/>
+            <a:ext cx="4086225" cy="0"/>
+          </a:xfrm>
+          <a:prstGeom prst="line">
+            <a:avLst/>
+          </a:prstGeom>
+          <a:ln>
+            <a:solidFill>
+              <a:schemeClr val="accent3">
+                <a:lumMod val="50000"/>
+              </a:schemeClr>
+            </a:solidFill>
+            <a:tailEnd type="oval"/>
+          </a:ln>
+        </p:spPr>
+        <p:style>
+          <a:lnRef idx="1">
+            <a:schemeClr val="accent1"/>
+          </a:lnRef>
+          <a:fillRef idx="0">
+            <a:schemeClr val="accent1"/>
+          </a:fillRef>
+          <a:effectRef idx="0">
+            <a:schemeClr val="accent1"/>
+          </a:effectRef>
+          <a:fontRef idx="minor">
+            <a:schemeClr val="tx1"/>
+          </a:fontRef>
+        </p:style>
+      </p:cxnSp>
+      <p:sp>
+        <p:nvSpPr>
+          <p:cNvPr id="3" name="Ovaal 2">
+            <a:extLst>
+              <a:ext uri="{FF2B5EF4-FFF2-40B4-BE49-F238E27FC236}">
+                <a16:creationId xmlns:a16="http://schemas.microsoft.com/office/drawing/2014/main" id="{9F23A462-D581-4451-A275-D8FA412E142C}"/>
+              </a:ext>
+              <a:ext uri="{C183D7F6-B498-43B3-948B-1728B52AA6E4}">
+                <adec:decorative xmlns:adec="http://schemas.microsoft.com/office/drawing/2017/decorative" val="1"/>
+              </a:ext>
+            </a:extLst>
+          </p:cNvPr>
+          <p:cNvSpPr/>
+          <p:nvPr/>
+        </p:nvSpPr>
+        <p:spPr>
+          <a:xfrm>
+            <a:off x="1723232" y="1786303"/>
+            <a:ext cx="1587500" cy="1587500"/>
+          </a:xfrm>
+          <a:prstGeom prst="ellipse">
+            <a:avLst/>
+          </a:prstGeom>
+          <a:solidFill>
+            <a:schemeClr val="bg2">
+              <a:lumMod val="60000"/>
+              <a:lumOff val="40000"/>
+            </a:schemeClr>
+          </a:solidFill>
+          <a:ln>
+            <a:noFill/>
+          </a:ln>
+        </p:spPr>
+        <p:style>
+          <a:lnRef idx="2">
+            <a:schemeClr val="accent1">
+              <a:shade val="50000"/>
+            </a:schemeClr>
+          </a:lnRef>
+          <a:fillRef idx="1">
+            <a:schemeClr val="accent1"/>
+          </a:fillRef>
+          <a:effectRef idx="0">
+            <a:schemeClr val="accent1"/>
+          </a:effectRef>
+          <a:fontRef idx="minor">
+            <a:schemeClr val="lt1"/>
+          </a:fontRef>
+        </p:style>
+        <p:txBody>
+          <a:bodyPr rtlCol="0" anchor="ctr"/>
+          <a:lstStyle/>
+          <a:p>
+            <a:pPr algn="ctr" rtl="0"/>
+            <a:endParaRPr lang="nl-NL" sz="1400" dirty="0"/>
+          </a:p>
+        </p:txBody>
+      </p:sp>
+      <p:sp>
+        <p:nvSpPr>
+          <p:cNvPr id="41" name="Ovaal 40">
+            <a:extLst>
+              <a:ext uri="{FF2B5EF4-FFF2-40B4-BE49-F238E27FC236}">
+                <a16:creationId xmlns:a16="http://schemas.microsoft.com/office/drawing/2014/main" id="{3FAD125B-9A3B-49A4-B9EC-C8A6D3CF9CBF}"/>
+              </a:ext>
+              <a:ext uri="{C183D7F6-B498-43B3-948B-1728B52AA6E4}">
+                <adec:decorative xmlns:adec="http://schemas.microsoft.com/office/drawing/2017/decorative" val="1"/>
+              </a:ext>
+            </a:extLst>
+          </p:cNvPr>
+          <p:cNvSpPr/>
+          <p:nvPr/>
+        </p:nvSpPr>
+        <p:spPr>
+          <a:xfrm>
+            <a:off x="1723232" y="4071326"/>
+            <a:ext cx="1587500" cy="1587500"/>
+          </a:xfrm>
+          <a:prstGeom prst="ellipse">
+            <a:avLst/>
+          </a:prstGeom>
+          <a:solidFill>
+            <a:srgbClr val="0070C0"/>
+          </a:solidFill>
+          <a:ln>
+            <a:noFill/>
+          </a:ln>
+        </p:spPr>
+        <p:style>
+          <a:lnRef idx="2">
+            <a:schemeClr val="accent1">
+              <a:shade val="50000"/>
+            </a:schemeClr>
+          </a:lnRef>
+          <a:fillRef idx="1">
+            <a:schemeClr val="accent1"/>
+          </a:fillRef>
+          <a:effectRef idx="0">
+            <a:schemeClr val="accent1"/>
+          </a:effectRef>
+          <a:fontRef idx="minor">
+            <a:schemeClr val="lt1"/>
+          </a:fontRef>
+        </p:style>
+        <p:txBody>
+          <a:bodyPr rtlCol="0" anchor="ctr"/>
+          <a:lstStyle/>
+          <a:p>
+            <a:pPr algn="ctr" rtl="0"/>
+            <a:endParaRPr lang="nl-NL" dirty="0"/>
+          </a:p>
+        </p:txBody>
+      </p:sp>
+      <p:sp>
+        <p:nvSpPr>
+          <p:cNvPr id="73" name="Ovaal 72">
+            <a:extLst>
+              <a:ext uri="{FF2B5EF4-FFF2-40B4-BE49-F238E27FC236}">
+                <a16:creationId xmlns:a16="http://schemas.microsoft.com/office/drawing/2014/main" id="{40123448-0B37-4226-B26C-A3081E6142FF}"/>
+              </a:ext>
+              <a:ext uri="{C183D7F6-B498-43B3-948B-1728B52AA6E4}">
+                <adec:decorative xmlns:adec="http://schemas.microsoft.com/office/drawing/2017/decorative" val="1"/>
+              </a:ext>
+            </a:extLst>
+          </p:cNvPr>
+          <p:cNvSpPr/>
+          <p:nvPr/>
+        </p:nvSpPr>
+        <p:spPr>
+          <a:xfrm>
+            <a:off x="5153192" y="2928814"/>
+            <a:ext cx="1587500" cy="1587500"/>
+          </a:xfrm>
+          <a:prstGeom prst="ellipse">
+            <a:avLst/>
+          </a:prstGeom>
+          <a:solidFill>
+            <a:srgbClr val="FFC000"/>
+          </a:solidFill>
+          <a:ln>
+            <a:noFill/>
+          </a:ln>
+        </p:spPr>
+        <p:style>
+          <a:lnRef idx="2">
+            <a:schemeClr val="accent1">
+              <a:shade val="50000"/>
+            </a:schemeClr>
+          </a:lnRef>
+          <a:fillRef idx="1">
+            <a:schemeClr val="accent1"/>
+          </a:fillRef>
+          <a:effectRef idx="0">
+            <a:schemeClr val="accent1"/>
+          </a:effectRef>
+          <a:fontRef idx="minor">
+            <a:schemeClr val="lt1"/>
+          </a:fontRef>
+        </p:style>
+        <p:txBody>
+          <a:bodyPr rtlCol="0" anchor="ctr"/>
+          <a:lstStyle/>
+          <a:p>
+            <a:pPr algn="ctr" rtl="0"/>
+            <a:endParaRPr lang="nl-NL" dirty="0"/>
+          </a:p>
+        </p:txBody>
+      </p:sp>
+      <p:sp>
+        <p:nvSpPr>
+          <p:cNvPr id="75" name="Ovaal 74">
+            <a:extLst>
+              <a:ext uri="{FF2B5EF4-FFF2-40B4-BE49-F238E27FC236}">
+                <a16:creationId xmlns:a16="http://schemas.microsoft.com/office/drawing/2014/main" id="{355211EE-8286-42CD-A4AF-EDD1186B28A3}"/>
+              </a:ext>
+              <a:ext uri="{C183D7F6-B498-43B3-948B-1728B52AA6E4}">
+                <adec:decorative xmlns:adec="http://schemas.microsoft.com/office/drawing/2017/decorative" val="1"/>
+              </a:ext>
+            </a:extLst>
+          </p:cNvPr>
+          <p:cNvSpPr/>
+          <p:nvPr/>
+        </p:nvSpPr>
+        <p:spPr>
+          <a:xfrm>
+            <a:off x="8881268" y="2928814"/>
+            <a:ext cx="1587500" cy="1587500"/>
+          </a:xfrm>
+          <a:prstGeom prst="ellipse">
+            <a:avLst/>
+          </a:prstGeom>
+          <a:solidFill>
+            <a:schemeClr val="bg2">
+              <a:lumMod val="40000"/>
+              <a:lumOff val="60000"/>
+            </a:schemeClr>
+          </a:solidFill>
+          <a:ln>
+            <a:noFill/>
+          </a:ln>
+        </p:spPr>
+        <p:style>
+          <a:lnRef idx="2">
+            <a:schemeClr val="accent1">
+              <a:shade val="50000"/>
+            </a:schemeClr>
+          </a:lnRef>
+          <a:fillRef idx="1">
+            <a:schemeClr val="accent1"/>
+          </a:fillRef>
+          <a:effectRef idx="0">
+            <a:schemeClr val="accent1"/>
+          </a:effectRef>
+          <a:fontRef idx="minor">
+            <a:schemeClr val="lt1"/>
+          </a:fontRef>
+        </p:style>
+        <p:txBody>
+          <a:bodyPr rtlCol="0" anchor="ctr"/>
+          <a:lstStyle/>
+          <a:p>
+            <a:pPr algn="ctr" rtl="0"/>
+            <a:endParaRPr lang="nl-NL" dirty="0"/>
+          </a:p>
+        </p:txBody>
+      </p:sp>
+      <p:sp>
+        <p:nvSpPr>
+          <p:cNvPr id="76" name="Ovaal 75">
+            <a:extLst>
+              <a:ext uri="{FF2B5EF4-FFF2-40B4-BE49-F238E27FC236}">
+                <a16:creationId xmlns:a16="http://schemas.microsoft.com/office/drawing/2014/main" id="{D3287700-63E7-4098-B825-B123C11134C1}"/>
+              </a:ext>
+              <a:ext uri="{C183D7F6-B498-43B3-948B-1728B52AA6E4}">
+                <adec:decorative xmlns:adec="http://schemas.microsoft.com/office/drawing/2017/decorative" val="1"/>
+              </a:ext>
+            </a:extLst>
+          </p:cNvPr>
+          <p:cNvSpPr/>
+          <p:nvPr/>
+        </p:nvSpPr>
+        <p:spPr>
+          <a:xfrm>
+            <a:off x="8881268" y="1107833"/>
+            <a:ext cx="1587500" cy="1587500"/>
+          </a:xfrm>
+          <a:prstGeom prst="ellipse">
+            <a:avLst/>
+          </a:prstGeom>
+          <a:solidFill>
+            <a:schemeClr val="bg2">
+              <a:lumMod val="40000"/>
+              <a:lumOff val="60000"/>
+            </a:schemeClr>
+          </a:solidFill>
+          <a:ln>
+            <a:noFill/>
+          </a:ln>
+        </p:spPr>
+        <p:style>
+          <a:lnRef idx="2">
+            <a:schemeClr val="accent1">
+              <a:shade val="50000"/>
+            </a:schemeClr>
+          </a:lnRef>
+          <a:fillRef idx="1">
+            <a:schemeClr val="accent1"/>
+          </a:fillRef>
+          <a:effectRef idx="0">
+            <a:schemeClr val="accent1"/>
+          </a:effectRef>
+          <a:fontRef idx="minor">
+            <a:schemeClr val="lt1"/>
+          </a:fontRef>
+        </p:style>
+        <p:txBody>
+          <a:bodyPr rtlCol="0" anchor="ctr"/>
+          <a:lstStyle/>
+          <a:p>
+            <a:pPr algn="ctr" rtl="0"/>
+            <a:endParaRPr lang="nl-NL" dirty="0"/>
+          </a:p>
+        </p:txBody>
+      </p:sp>
+      <p:sp>
+        <p:nvSpPr>
+          <p:cNvPr id="77" name="Ovaal 76">
+            <a:extLst>
+              <a:ext uri="{FF2B5EF4-FFF2-40B4-BE49-F238E27FC236}">
+                <a16:creationId xmlns:a16="http://schemas.microsoft.com/office/drawing/2014/main" id="{69943F00-C6CB-4F10-A02B-801F37984D43}"/>
+              </a:ext>
+              <a:ext uri="{C183D7F6-B498-43B3-948B-1728B52AA6E4}">
+                <adec:decorative xmlns:adec="http://schemas.microsoft.com/office/drawing/2017/decorative" val="1"/>
+              </a:ext>
+            </a:extLst>
+          </p:cNvPr>
+          <p:cNvSpPr/>
+          <p:nvPr/>
+        </p:nvSpPr>
+        <p:spPr>
+          <a:xfrm>
+            <a:off x="8881268" y="4749795"/>
+            <a:ext cx="1587500" cy="1587500"/>
+          </a:xfrm>
+          <a:prstGeom prst="ellipse">
+            <a:avLst/>
+          </a:prstGeom>
+          <a:solidFill>
+            <a:schemeClr val="bg2">
+              <a:lumMod val="40000"/>
+              <a:lumOff val="60000"/>
+            </a:schemeClr>
+          </a:solidFill>
+          <a:ln>
+            <a:noFill/>
+          </a:ln>
+        </p:spPr>
+        <p:style>
+          <a:lnRef idx="2">
+            <a:schemeClr val="accent1">
+              <a:shade val="50000"/>
+            </a:schemeClr>
+          </a:lnRef>
+          <a:fillRef idx="1">
+            <a:schemeClr val="accent1"/>
+          </a:fillRef>
+          <a:effectRef idx="0">
+            <a:schemeClr val="accent1"/>
+          </a:effectRef>
+          <a:fontRef idx="minor">
+            <a:schemeClr val="lt1"/>
+          </a:fontRef>
+        </p:style>
+        <p:txBody>
+          <a:bodyPr rtlCol="0" anchor="ctr"/>
+          <a:lstStyle/>
+          <a:p>
+            <a:pPr algn="ctr" rtl="0"/>
+            <a:endParaRPr lang="nl-NL" dirty="0"/>
+          </a:p>
+        </p:txBody>
+      </p:sp>
+      <p:cxnSp>
+        <p:nvCxnSpPr>
+          <p:cNvPr id="10" name="Verbindingslijn: Hoek 9">
+            <a:extLst>
+              <a:ext uri="{FF2B5EF4-FFF2-40B4-BE49-F238E27FC236}">
+                <a16:creationId xmlns:a16="http://schemas.microsoft.com/office/drawing/2014/main" id="{78C71AAC-D0D2-4BBF-B302-54163A284EC6}"/>
+              </a:ext>
+              <a:ext uri="{C183D7F6-B498-43B3-948B-1728B52AA6E4}">
+                <adec:decorative xmlns:adec="http://schemas.microsoft.com/office/drawing/2017/decorative" val="1"/>
+              </a:ext>
+            </a:extLst>
+          </p:cNvPr>
+          <p:cNvCxnSpPr>
+            <a:stCxn id="3" idx="6"/>
+            <a:endCxn id="41" idx="6"/>
+          </p:cNvCxnSpPr>
+          <p:nvPr/>
+        </p:nvCxnSpPr>
+        <p:spPr>
+          <a:xfrm>
+            <a:off x="3310732" y="2580053"/>
+            <a:ext cx="12700" cy="2285023"/>
+          </a:xfrm>
+          <a:prstGeom prst="bentConnector3">
+            <a:avLst>
+              <a:gd name="adj1" fmla="val 1800000"/>
+            </a:avLst>
+          </a:prstGeom>
+          <a:ln w="22225">
+            <a:solidFill>
+              <a:schemeClr val="tx2"/>
+            </a:solidFill>
+          </a:ln>
+        </p:spPr>
+        <p:style>
+          <a:lnRef idx="1">
+            <a:schemeClr val="accent1"/>
+          </a:lnRef>
+          <a:fillRef idx="0">
+            <a:schemeClr val="accent1"/>
+          </a:fillRef>
+          <a:effectRef idx="0">
+            <a:schemeClr val="accent1"/>
+          </a:effectRef>
+          <a:fontRef idx="minor">
+            <a:schemeClr val="tx1"/>
+          </a:fontRef>
+        </p:style>
+      </p:cxnSp>
+      <p:cxnSp>
+        <p:nvCxnSpPr>
+          <p:cNvPr id="13" name="Rechte verbindingslijn met pijl 12">
+            <a:extLst>
+              <a:ext uri="{FF2B5EF4-FFF2-40B4-BE49-F238E27FC236}">
+                <a16:creationId xmlns:a16="http://schemas.microsoft.com/office/drawing/2014/main" id="{331AB5AC-284A-472B-B8E5-2F198F4E96D7}"/>
+              </a:ext>
+              <a:ext uri="{C183D7F6-B498-43B3-948B-1728B52AA6E4}">
+                <adec:decorative xmlns:adec="http://schemas.microsoft.com/office/drawing/2017/decorative" val="1"/>
+              </a:ext>
+            </a:extLst>
+          </p:cNvPr>
+          <p:cNvCxnSpPr>
+            <a:cxnSpLocks/>
+            <a:endCxn id="73" idx="2"/>
+          </p:cNvCxnSpPr>
+          <p:nvPr/>
+        </p:nvCxnSpPr>
+        <p:spPr>
+          <a:xfrm>
+            <a:off x="3545305" y="3722564"/>
+            <a:ext cx="1607887" cy="0"/>
+          </a:xfrm>
+          <a:prstGeom prst="straightConnector1">
+            <a:avLst/>
+          </a:prstGeom>
+          <a:ln w="22225">
+            <a:solidFill>
+              <a:schemeClr val="tx2"/>
+            </a:solidFill>
+            <a:tailEnd type="arrow"/>
+          </a:ln>
+        </p:spPr>
+        <p:style>
+          <a:lnRef idx="1">
+            <a:schemeClr val="accent1"/>
+          </a:lnRef>
+          <a:fillRef idx="0">
+            <a:schemeClr val="accent1"/>
+          </a:fillRef>
+          <a:effectRef idx="0">
+            <a:schemeClr val="accent1"/>
+          </a:effectRef>
+          <a:fontRef idx="minor">
+            <a:schemeClr val="tx1"/>
+          </a:fontRef>
+        </p:style>
+      </p:cxnSp>
+      <p:cxnSp>
+        <p:nvCxnSpPr>
+          <p:cNvPr id="79" name="Rechte verbindingslijn met pijl 78">
+            <a:extLst>
+              <a:ext uri="{FF2B5EF4-FFF2-40B4-BE49-F238E27FC236}">
+                <a16:creationId xmlns:a16="http://schemas.microsoft.com/office/drawing/2014/main" id="{61AAA85B-D8C7-43BE-844A-625265015123}"/>
+              </a:ext>
+              <a:ext uri="{C183D7F6-B498-43B3-948B-1728B52AA6E4}">
+                <adec:decorative xmlns:adec="http://schemas.microsoft.com/office/drawing/2017/decorative" val="1"/>
+              </a:ext>
+            </a:extLst>
+          </p:cNvPr>
+          <p:cNvCxnSpPr>
+            <a:cxnSpLocks/>
+            <a:stCxn id="73" idx="6"/>
+            <a:endCxn id="75" idx="2"/>
+          </p:cNvCxnSpPr>
+          <p:nvPr/>
+        </p:nvCxnSpPr>
+        <p:spPr>
+          <a:xfrm>
+            <a:off x="6740692" y="3722564"/>
+            <a:ext cx="2140576" cy="0"/>
+          </a:xfrm>
+          <a:prstGeom prst="straightConnector1">
+            <a:avLst/>
+          </a:prstGeom>
+          <a:ln w="22225">
+            <a:solidFill>
+              <a:schemeClr val="tx2"/>
+            </a:solidFill>
+            <a:tailEnd type="arrow"/>
+          </a:ln>
+        </p:spPr>
+        <p:style>
+          <a:lnRef idx="1">
+            <a:schemeClr val="accent1"/>
+          </a:lnRef>
+          <a:fillRef idx="0">
+            <a:schemeClr val="accent1"/>
+          </a:fillRef>
+          <a:effectRef idx="0">
+            <a:schemeClr val="accent1"/>
+          </a:effectRef>
+          <a:fontRef idx="minor">
+            <a:schemeClr val="tx1"/>
+          </a:fontRef>
+        </p:style>
+      </p:cxnSp>
+      <p:cxnSp>
+        <p:nvCxnSpPr>
+          <p:cNvPr id="21" name="Verbindingslijn: Hoek 20">
+            <a:extLst>
+              <a:ext uri="{FF2B5EF4-FFF2-40B4-BE49-F238E27FC236}">
+                <a16:creationId xmlns:a16="http://schemas.microsoft.com/office/drawing/2014/main" id="{4741AA56-D9ED-492E-8385-5CB8274B1286}"/>
+              </a:ext>
+              <a:ext uri="{C183D7F6-B498-43B3-948B-1728B52AA6E4}">
+                <adec:decorative xmlns:adec="http://schemas.microsoft.com/office/drawing/2017/decorative" val="1"/>
+              </a:ext>
+            </a:extLst>
+          </p:cNvPr>
+          <p:cNvCxnSpPr>
+            <a:stCxn id="76" idx="2"/>
+            <a:endCxn id="77" idx="2"/>
+          </p:cNvCxnSpPr>
+          <p:nvPr/>
+        </p:nvCxnSpPr>
+        <p:spPr>
+          <a:xfrm rot="10800000" flipV="1">
+            <a:off x="8881268" y="1901583"/>
+            <a:ext cx="12700" cy="3641962"/>
+          </a:xfrm>
+          <a:prstGeom prst="bentConnector3">
+            <a:avLst>
+              <a:gd name="adj1" fmla="val 1800000"/>
+            </a:avLst>
+          </a:prstGeom>
+          <a:ln w="22225">
+            <a:solidFill>
+              <a:schemeClr val="tx2"/>
+            </a:solidFill>
+            <a:headEnd type="arrow"/>
+            <a:tailEnd type="arrow"/>
+          </a:ln>
+        </p:spPr>
+        <p:style>
+          <a:lnRef idx="1">
+            <a:schemeClr val="accent1"/>
+          </a:lnRef>
+          <a:fillRef idx="0">
+            <a:schemeClr val="accent1"/>
+          </a:fillRef>
+          <a:effectRef idx="0">
+            <a:schemeClr val="accent1"/>
+          </a:effectRef>
+          <a:fontRef idx="minor">
+            <a:schemeClr val="tx1"/>
+          </a:fontRef>
+        </p:style>
+      </p:cxnSp>
+      <p:sp>
+        <p:nvSpPr>
+          <p:cNvPr id="80" name="Rechthoek 79">
+            <a:extLst>
+              <a:ext uri="{FF2B5EF4-FFF2-40B4-BE49-F238E27FC236}">
+                <a16:creationId xmlns:a16="http://schemas.microsoft.com/office/drawing/2014/main" id="{6BEBF752-C33D-4EC4-8210-F7B1D3A10097}"/>
+              </a:ext>
+            </a:extLst>
+          </p:cNvPr>
+          <p:cNvSpPr/>
+          <p:nvPr/>
+        </p:nvSpPr>
+        <p:spPr>
+          <a:xfrm>
+            <a:off x="1831182" y="2456943"/>
+            <a:ext cx="1371600" cy="246221"/>
+          </a:xfrm>
+          <a:prstGeom prst="rect">
+            <a:avLst/>
+          </a:prstGeom>
+        </p:spPr>
+        <p:txBody>
+          <a:bodyPr wrap="square" lIns="0" tIns="0" rIns="0" bIns="0" rtlCol="0" anchor="ctr">
+            <a:spAutoFit/>
+          </a:bodyPr>
+          <a:lstStyle/>
+          <a:p>
+            <a:pPr algn="ctr" rtl="0"/>
+            <a:r>
+              <a:rPr lang="nl-NL" sz="1600" dirty="0">
+                <a:solidFill>
+                  <a:schemeClr val="bg1"/>
+                </a:solidFill>
+              </a:rPr>
+              <a:t>Input/Trigger</a:t>
+            </a:r>
+          </a:p>
+        </p:txBody>
+      </p:sp>
+      <p:sp>
+        <p:nvSpPr>
+          <p:cNvPr id="81" name="Rechthoek 80">
+            <a:extLst>
+              <a:ext uri="{FF2B5EF4-FFF2-40B4-BE49-F238E27FC236}">
+                <a16:creationId xmlns:a16="http://schemas.microsoft.com/office/drawing/2014/main" id="{D4EC02E4-F054-4111-9038-AE0BDA4C8060}"/>
+              </a:ext>
+            </a:extLst>
+          </p:cNvPr>
+          <p:cNvSpPr/>
+          <p:nvPr/>
+        </p:nvSpPr>
+        <p:spPr>
+          <a:xfrm>
+            <a:off x="1831182" y="4741965"/>
+            <a:ext cx="1371600" cy="246221"/>
+          </a:xfrm>
+          <a:prstGeom prst="rect">
+            <a:avLst/>
+          </a:prstGeom>
+        </p:spPr>
+        <p:txBody>
+          <a:bodyPr wrap="square" lIns="0" tIns="0" rIns="0" bIns="0" rtlCol="0" anchor="ctr">
+            <a:spAutoFit/>
+          </a:bodyPr>
+          <a:lstStyle/>
+          <a:p>
+            <a:pPr algn="ctr" rtl="0"/>
+            <a:r>
+              <a:rPr lang="nl-NL" sz="1600" dirty="0">
+                <a:solidFill>
+                  <a:schemeClr val="bg1"/>
+                </a:solidFill>
+              </a:rPr>
+              <a:t>Input</a:t>
+            </a:r>
+          </a:p>
+        </p:txBody>
+      </p:sp>
+      <p:sp>
+        <p:nvSpPr>
+          <p:cNvPr id="83" name="Rechthoek 82">
+            <a:extLst>
+              <a:ext uri="{FF2B5EF4-FFF2-40B4-BE49-F238E27FC236}">
+                <a16:creationId xmlns:a16="http://schemas.microsoft.com/office/drawing/2014/main" id="{9F6EE26A-3174-49AD-900E-08C045755F3C}"/>
+              </a:ext>
+            </a:extLst>
+          </p:cNvPr>
+          <p:cNvSpPr/>
+          <p:nvPr/>
+        </p:nvSpPr>
+        <p:spPr>
+          <a:xfrm>
+            <a:off x="5248442" y="3599454"/>
+            <a:ext cx="1371600" cy="246221"/>
+          </a:xfrm>
+          <a:prstGeom prst="rect">
+            <a:avLst/>
+          </a:prstGeom>
+        </p:spPr>
+        <p:txBody>
+          <a:bodyPr wrap="square" lIns="0" tIns="0" rIns="0" bIns="0" rtlCol="0" anchor="ctr">
+            <a:spAutoFit/>
+          </a:bodyPr>
+          <a:lstStyle/>
+          <a:p>
+            <a:pPr algn="ctr" rtl="0"/>
+            <a:r>
+              <a:rPr lang="nl-NL" sz="1600" dirty="0" err="1">
+                <a:solidFill>
+                  <a:schemeClr val="bg1"/>
+                </a:solidFill>
+              </a:rPr>
+              <a:t>Function</a:t>
+            </a:r>
+            <a:r>
+              <a:rPr lang="nl-NL" sz="1600" dirty="0">
+                <a:solidFill>
+                  <a:schemeClr val="bg1"/>
+                </a:solidFill>
+              </a:rPr>
+              <a:t> app</a:t>
+            </a:r>
+          </a:p>
+        </p:txBody>
+      </p:sp>
+      <p:sp>
+        <p:nvSpPr>
+          <p:cNvPr id="84" name="Rechthoek 83">
+            <a:extLst>
+              <a:ext uri="{FF2B5EF4-FFF2-40B4-BE49-F238E27FC236}">
+                <a16:creationId xmlns:a16="http://schemas.microsoft.com/office/drawing/2014/main" id="{3B69453F-B845-4467-8C29-7A6677641EC0}"/>
+              </a:ext>
+            </a:extLst>
+          </p:cNvPr>
+          <p:cNvSpPr/>
+          <p:nvPr/>
+        </p:nvSpPr>
+        <p:spPr>
+          <a:xfrm>
+            <a:off x="8989218" y="3599454"/>
+            <a:ext cx="1371600" cy="246221"/>
+          </a:xfrm>
+          <a:prstGeom prst="rect">
+            <a:avLst/>
+          </a:prstGeom>
+        </p:spPr>
+        <p:txBody>
+          <a:bodyPr wrap="square" lIns="0" tIns="0" rIns="0" bIns="0" rtlCol="0" anchor="ctr">
+            <a:spAutoFit/>
+          </a:bodyPr>
+          <a:lstStyle/>
+          <a:p>
+            <a:pPr algn="ctr" rtl="0"/>
+            <a:r>
+              <a:rPr lang="nl-NL" sz="1600" dirty="0" err="1">
+                <a:solidFill>
+                  <a:schemeClr val="bg1"/>
+                </a:solidFill>
+              </a:rPr>
+              <a:t>Azure</a:t>
+            </a:r>
+            <a:r>
+              <a:rPr lang="nl-NL" sz="1600" dirty="0">
+                <a:solidFill>
+                  <a:schemeClr val="bg1"/>
+                </a:solidFill>
+              </a:rPr>
+              <a:t> service</a:t>
+            </a:r>
+          </a:p>
+        </p:txBody>
+      </p:sp>
+      <p:sp>
+        <p:nvSpPr>
+          <p:cNvPr id="85" name="Rechthoek 84">
+            <a:extLst>
+              <a:ext uri="{FF2B5EF4-FFF2-40B4-BE49-F238E27FC236}">
+                <a16:creationId xmlns:a16="http://schemas.microsoft.com/office/drawing/2014/main" id="{C7CFAFBF-6B2A-49A8-ADCE-FD94A08C87B3}"/>
+              </a:ext>
+            </a:extLst>
+          </p:cNvPr>
+          <p:cNvSpPr/>
+          <p:nvPr/>
+        </p:nvSpPr>
+        <p:spPr>
+          <a:xfrm>
+            <a:off x="8989218" y="1778472"/>
+            <a:ext cx="1371600" cy="246221"/>
+          </a:xfrm>
+          <a:prstGeom prst="rect">
+            <a:avLst/>
+          </a:prstGeom>
+        </p:spPr>
+        <p:txBody>
+          <a:bodyPr wrap="square" lIns="0" tIns="0" rIns="0" bIns="0" rtlCol="0" anchor="ctr">
+            <a:spAutoFit/>
+          </a:bodyPr>
+          <a:lstStyle/>
+          <a:p>
+            <a:pPr algn="ctr" rtl="0"/>
+            <a:r>
+              <a:rPr lang="nl-NL" sz="1600" dirty="0" err="1">
+                <a:solidFill>
+                  <a:schemeClr val="bg1"/>
+                </a:solidFill>
+              </a:rPr>
+              <a:t>Azure</a:t>
+            </a:r>
+            <a:r>
+              <a:rPr lang="nl-NL" sz="1600" dirty="0">
+                <a:solidFill>
+                  <a:schemeClr val="bg1"/>
+                </a:solidFill>
+              </a:rPr>
+              <a:t> service</a:t>
+            </a:r>
+          </a:p>
+        </p:txBody>
+      </p:sp>
+      <p:sp>
+        <p:nvSpPr>
+          <p:cNvPr id="86" name="Rechthoek 85">
+            <a:extLst>
+              <a:ext uri="{FF2B5EF4-FFF2-40B4-BE49-F238E27FC236}">
+                <a16:creationId xmlns:a16="http://schemas.microsoft.com/office/drawing/2014/main" id="{6B499F5E-706B-4272-818B-C87149038662}"/>
+              </a:ext>
+            </a:extLst>
+          </p:cNvPr>
+          <p:cNvSpPr/>
+          <p:nvPr/>
+        </p:nvSpPr>
+        <p:spPr>
+          <a:xfrm>
+            <a:off x="8989218" y="5420435"/>
+            <a:ext cx="1371600" cy="246221"/>
+          </a:xfrm>
+          <a:prstGeom prst="rect">
+            <a:avLst/>
+          </a:prstGeom>
+        </p:spPr>
+        <p:txBody>
+          <a:bodyPr wrap="square" lIns="0" tIns="0" rIns="0" bIns="0" rtlCol="0" anchor="ctr">
+            <a:spAutoFit/>
+          </a:bodyPr>
+          <a:lstStyle/>
+          <a:p>
+            <a:pPr algn="ctr" rtl="0"/>
+            <a:r>
+              <a:rPr lang="nl-NL" sz="1600" dirty="0" err="1">
+                <a:solidFill>
+                  <a:schemeClr val="bg1"/>
+                </a:solidFill>
+              </a:rPr>
+              <a:t>Azure</a:t>
+            </a:r>
+            <a:r>
+              <a:rPr lang="nl-NL" sz="1600" dirty="0">
+                <a:solidFill>
+                  <a:schemeClr val="bg1"/>
+                </a:solidFill>
+              </a:rPr>
+              <a:t> service</a:t>
+            </a:r>
+          </a:p>
+        </p:txBody>
+      </p:sp>
+    </p:spTree>
+    <p:extLst>
+      <p:ext uri="{BB962C8B-B14F-4D97-AF65-F5344CB8AC3E}">
+        <p14:creationId xmlns:p14="http://schemas.microsoft.com/office/powerpoint/2010/main" val="843768125"/>
+      </p:ext>
+    </p:extLst>
+  </p:cSld>
+  <p:clrMapOvr>
+    <a:masterClrMapping/>
+  </p:clrMapOvr>
+</p:sld>
+</file>
+
+<file path=ppt/slides/slide13.xml><?xml version="1.0" encoding="utf-8"?>
+<p:sld xmlns:a="http://schemas.openxmlformats.org/drawingml/2006/main" xmlns:r="http://schemas.openxmlformats.org/officeDocument/2006/relationships" xmlns:p="http://schemas.openxmlformats.org/presentationml/2006/main">
+  <p:cSld>
+    <p:spTree>
+      <p:nvGrpSpPr>
+        <p:cNvPr id="1" name=""/>
+        <p:cNvGrpSpPr/>
+        <p:nvPr/>
+      </p:nvGrpSpPr>
+      <p:grpSpPr>
+        <a:xfrm>
+          <a:off x="0" y="0"/>
+          <a:ext cx="0" cy="0"/>
+          <a:chOff x="0" y="0"/>
+          <a:chExt cx="0" cy="0"/>
+        </a:xfrm>
+      </p:grpSpPr>
+      <p:cxnSp>
+        <p:nvCxnSpPr>
+          <p:cNvPr id="2" name="Rechte verbindingslijn 1">
+            <a:extLst>
+              <a:ext uri="{FF2B5EF4-FFF2-40B4-BE49-F238E27FC236}">
+                <a16:creationId xmlns:a16="http://schemas.microsoft.com/office/drawing/2014/main" id="{EC4DC471-9963-48ED-AE47-E83D79AF55AF}"/>
+              </a:ext>
+              <a:ext uri="{C183D7F6-B498-43B3-948B-1728B52AA6E4}">
+                <adec:decorative xmlns:adec="http://schemas.microsoft.com/office/drawing/2017/decorative" val="1"/>
+              </a:ext>
+            </a:extLst>
+          </p:cNvPr>
+          <p:cNvCxnSpPr>
+            <a:cxnSpLocks/>
+          </p:cNvCxnSpPr>
+          <p:nvPr/>
+        </p:nvCxnSpPr>
+        <p:spPr>
+          <a:xfrm>
+            <a:off x="8105775" y="522898"/>
+            <a:ext cx="4086225" cy="0"/>
+          </a:xfrm>
+          <a:prstGeom prst="line">
+            <a:avLst/>
+          </a:prstGeom>
+          <a:ln>
+            <a:solidFill>
+              <a:schemeClr val="accent3">
+                <a:lumMod val="50000"/>
+              </a:schemeClr>
+            </a:solidFill>
+            <a:headEnd type="oval"/>
+          </a:ln>
+        </p:spPr>
+        <p:style>
+          <a:lnRef idx="1">
+            <a:schemeClr val="accent1"/>
+          </a:lnRef>
+          <a:fillRef idx="0">
+            <a:schemeClr val="accent1"/>
+          </a:fillRef>
+          <a:effectRef idx="0">
+            <a:schemeClr val="accent1"/>
+          </a:effectRef>
+          <a:fontRef idx="minor">
+            <a:schemeClr val="tx1"/>
+          </a:fontRef>
+        </p:style>
+      </p:cxnSp>
+      <p:sp>
+        <p:nvSpPr>
+          <p:cNvPr id="3" name="Titel 1">
+            <a:extLst>
+              <a:ext uri="{FF2B5EF4-FFF2-40B4-BE49-F238E27FC236}">
+                <a16:creationId xmlns:a16="http://schemas.microsoft.com/office/drawing/2014/main" id="{63843C31-14E5-41E1-8F34-EEA8B10130B4}"/>
+              </a:ext>
+            </a:extLst>
+          </p:cNvPr>
+          <p:cNvSpPr txBox="1">
+            <a:spLocks/>
+          </p:cNvSpPr>
+          <p:nvPr/>
+        </p:nvSpPr>
+        <p:spPr>
+          <a:xfrm>
+            <a:off x="228600" y="190500"/>
+            <a:ext cx="11734800" cy="775597"/>
+          </a:xfrm>
+          <a:prstGeom prst="rect">
+            <a:avLst/>
+          </a:prstGeom>
+        </p:spPr>
+        <p:txBody>
+          <a:bodyPr vert="horz" wrap="square" lIns="0" tIns="0" rIns="0" bIns="0" rtlCol="0" anchor="t">
+            <a:spAutoFit/>
+          </a:bodyPr>
+          <a:lstStyle>
+            <a:lvl1pPr algn="l" defTabSz="914400" rtl="0" eaLnBrk="1" latinLnBrk="0" hangingPunct="1">
+              <a:lnSpc>
+                <a:spcPct val="90000"/>
+              </a:lnSpc>
+              <a:spcBef>
+                <a:spcPct val="0"/>
+              </a:spcBef>
+              <a:buNone/>
+              <a:defRPr sz="4400" kern="1200">
+                <a:solidFill>
+                  <a:schemeClr val="tx1"/>
+                </a:solidFill>
+                <a:latin typeface="+mj-lt"/>
+                <a:ea typeface="+mj-ea"/>
+                <a:cs typeface="+mj-cs"/>
+              </a:defRPr>
+            </a:lvl1pPr>
+          </a:lstStyle>
+          <a:p>
+            <a:pPr algn="ctr" rtl="0"/>
+            <a:r>
+              <a:rPr lang="nl-NL" sz="2800" b="1" dirty="0">
+                <a:solidFill>
+                  <a:schemeClr val="tx1">
+                    <a:lumMod val="75000"/>
+                    <a:lumOff val="25000"/>
+                  </a:schemeClr>
+                </a:solidFill>
+              </a:rPr>
+              <a:t>Project voorbeeld</a:t>
+            </a:r>
+            <a:br>
+              <a:rPr lang="nl-NL" sz="2800" dirty="0">
+                <a:solidFill>
+                  <a:schemeClr val="tx1">
+                    <a:lumMod val="75000"/>
+                    <a:lumOff val="25000"/>
+                  </a:schemeClr>
+                </a:solidFill>
+              </a:rPr>
+            </a:br>
+            <a:endParaRPr lang="nl-NL" sz="2800" dirty="0">
+              <a:solidFill>
+                <a:schemeClr val="tx1">
+                  <a:lumMod val="75000"/>
+                  <a:lumOff val="25000"/>
+                </a:schemeClr>
+              </a:solidFill>
+            </a:endParaRPr>
+          </a:p>
+        </p:txBody>
+      </p:sp>
+      <p:cxnSp>
+        <p:nvCxnSpPr>
+          <p:cNvPr id="4" name="Rechte verbindingslijn 3">
+            <a:extLst>
+              <a:ext uri="{FF2B5EF4-FFF2-40B4-BE49-F238E27FC236}">
+                <a16:creationId xmlns:a16="http://schemas.microsoft.com/office/drawing/2014/main" id="{5F386A98-83D0-478E-AE68-0F3B33E7F2A4}"/>
+              </a:ext>
+              <a:ext uri="{C183D7F6-B498-43B3-948B-1728B52AA6E4}">
+                <adec:decorative xmlns:adec="http://schemas.microsoft.com/office/drawing/2017/decorative" val="1"/>
+              </a:ext>
+            </a:extLst>
+          </p:cNvPr>
+          <p:cNvCxnSpPr>
+            <a:cxnSpLocks/>
+          </p:cNvCxnSpPr>
+          <p:nvPr/>
+        </p:nvCxnSpPr>
+        <p:spPr>
+          <a:xfrm>
+            <a:off x="0" y="522898"/>
+            <a:ext cx="4086225" cy="0"/>
+          </a:xfrm>
+          <a:prstGeom prst="line">
+            <a:avLst/>
+          </a:prstGeom>
+          <a:ln>
+            <a:solidFill>
+              <a:schemeClr val="accent3">
+                <a:lumMod val="50000"/>
+              </a:schemeClr>
+            </a:solidFill>
+            <a:tailEnd type="oval"/>
+          </a:ln>
+        </p:spPr>
+        <p:style>
+          <a:lnRef idx="1">
+            <a:schemeClr val="accent1"/>
+          </a:lnRef>
+          <a:fillRef idx="0">
+            <a:schemeClr val="accent1"/>
+          </a:fillRef>
+          <a:effectRef idx="0">
+            <a:schemeClr val="accent1"/>
+          </a:effectRef>
+          <a:fontRef idx="minor">
+            <a:schemeClr val="tx1"/>
+          </a:fontRef>
+        </p:style>
+      </p:cxnSp>
+      <p:pic>
+        <p:nvPicPr>
+          <p:cNvPr id="3074" name="Picture 2" descr="https://lh3.googleusercontent.com/Z_8G_kbZSoBYiB3FLx-lw0aYEeYxDIZkI1yHeb378ni-EXJgmBaYsOegMEfIG0beOdipnSq0bElGfvpoCYQRMUl_bPRZEBp9GSQ3ZbS8nH9QIbFEWG7C9zKrqbBSEpc4FEVBYcd3ihX8vEw4FtYFcA">
+            <a:extLst>
+              <a:ext uri="{FF2B5EF4-FFF2-40B4-BE49-F238E27FC236}">
+                <a16:creationId xmlns:a16="http://schemas.microsoft.com/office/drawing/2014/main" id="{0FD682D5-932F-49AB-A11D-72ADDDBF4F17}"/>
+              </a:ext>
+            </a:extLst>
+          </p:cNvPr>
+          <p:cNvPicPr>
+            <a:picLocks noChangeAspect="1" noChangeArrowheads="1"/>
+          </p:cNvPicPr>
+          <p:nvPr/>
+        </p:nvPicPr>
+        <p:blipFill>
+          <a:blip r:embed="rId2">
+            <a:extLst>
+              <a:ext uri="{28A0092B-C50C-407E-A947-70E740481C1C}">
+                <a14:useLocalDpi xmlns:a14="http://schemas.microsoft.com/office/drawing/2010/main" val="0"/>
+              </a:ext>
+            </a:extLst>
+          </a:blip>
+          <a:srcRect/>
+          <a:stretch>
+            <a:fillRect/>
+          </a:stretch>
+        </p:blipFill>
+        <p:spPr bwMode="auto">
+          <a:xfrm>
+            <a:off x="4044379" y="770021"/>
+            <a:ext cx="4103242" cy="5791703"/>
+          </a:xfrm>
+          <a:prstGeom prst="rect">
+            <a:avLst/>
+          </a:prstGeom>
+          <a:noFill/>
+          <a:extLst>
+            <a:ext uri="{909E8E84-426E-40DD-AFC4-6F175D3DCCD1}">
+              <a14:hiddenFill xmlns:a14="http://schemas.microsoft.com/office/drawing/2010/main">
+                <a:solidFill>
+                  <a:srgbClr val="FFFFFF"/>
+                </a:solidFill>
+              </a14:hiddenFill>
+            </a:ext>
+          </a:extLst>
+        </p:spPr>
+      </p:pic>
+    </p:spTree>
+    <p:extLst>
+      <p:ext uri="{BB962C8B-B14F-4D97-AF65-F5344CB8AC3E}">
+        <p14:creationId xmlns:p14="http://schemas.microsoft.com/office/powerpoint/2010/main" val="2720305"/>
+      </p:ext>
+    </p:extLst>
+  </p:cSld>
+  <p:clrMapOvr>
+    <a:masterClrMapping/>
+  </p:clrMapOvr>
+</p:sld>
+</file>
+
+<file path=ppt/slides/slide14.xml><?xml version="1.0" encoding="utf-8"?>
+<p:sld xmlns:a="http://schemas.openxmlformats.org/drawingml/2006/main" xmlns:r="http://schemas.openxmlformats.org/officeDocument/2006/relationships" xmlns:p="http://schemas.openxmlformats.org/presentationml/2006/main">
+  <p:cSld>
+    <p:spTree>
+      <p:nvGrpSpPr>
+        <p:cNvPr id="1" name=""/>
+        <p:cNvGrpSpPr/>
+        <p:nvPr/>
+      </p:nvGrpSpPr>
+      <p:grpSpPr>
+        <a:xfrm>
+          <a:off x="0" y="0"/>
+          <a:ext cx="0" cy="0"/>
+          <a:chOff x="0" y="0"/>
+          <a:chExt cx="0" cy="0"/>
+        </a:xfrm>
+      </p:grpSpPr>
+      <p:cxnSp>
+        <p:nvCxnSpPr>
+          <p:cNvPr id="2" name="Rechte verbindingslijn 1">
+            <a:extLst>
+              <a:ext uri="{FF2B5EF4-FFF2-40B4-BE49-F238E27FC236}">
+                <a16:creationId xmlns:a16="http://schemas.microsoft.com/office/drawing/2014/main" id="{3312B184-BC19-429B-8E1F-9DE48AF9118D}"/>
+              </a:ext>
+              <a:ext uri="{C183D7F6-B498-43B3-948B-1728B52AA6E4}">
+                <adec:decorative xmlns:adec="http://schemas.microsoft.com/office/drawing/2017/decorative" val="1"/>
+              </a:ext>
+            </a:extLst>
+          </p:cNvPr>
+          <p:cNvCxnSpPr>
+            <a:cxnSpLocks/>
+          </p:cNvCxnSpPr>
+          <p:nvPr/>
+        </p:nvCxnSpPr>
+        <p:spPr>
+          <a:xfrm>
+            <a:off x="8105775" y="522898"/>
+            <a:ext cx="4086225" cy="0"/>
+          </a:xfrm>
+          <a:prstGeom prst="line">
+            <a:avLst/>
+          </a:prstGeom>
+          <a:ln>
+            <a:solidFill>
+              <a:schemeClr val="accent3">
+                <a:lumMod val="50000"/>
+              </a:schemeClr>
+            </a:solidFill>
+            <a:headEnd type="oval"/>
+          </a:ln>
+        </p:spPr>
+        <p:style>
+          <a:lnRef idx="1">
+            <a:schemeClr val="accent1"/>
+          </a:lnRef>
+          <a:fillRef idx="0">
+            <a:schemeClr val="accent1"/>
+          </a:fillRef>
+          <a:effectRef idx="0">
+            <a:schemeClr val="accent1"/>
+          </a:effectRef>
+          <a:fontRef idx="minor">
+            <a:schemeClr val="tx1"/>
+          </a:fontRef>
+        </p:style>
+      </p:cxnSp>
+      <p:sp>
+        <p:nvSpPr>
+          <p:cNvPr id="3" name="Titel 1">
+            <a:extLst>
+              <a:ext uri="{FF2B5EF4-FFF2-40B4-BE49-F238E27FC236}">
+                <a16:creationId xmlns:a16="http://schemas.microsoft.com/office/drawing/2014/main" id="{E4EF2681-DDA1-49A9-9194-3584408FDD03}"/>
+              </a:ext>
+            </a:extLst>
+          </p:cNvPr>
+          <p:cNvSpPr txBox="1">
+            <a:spLocks/>
+          </p:cNvSpPr>
+          <p:nvPr/>
+        </p:nvSpPr>
+        <p:spPr>
+          <a:xfrm>
+            <a:off x="228600" y="190500"/>
+            <a:ext cx="11734800" cy="775597"/>
+          </a:xfrm>
+          <a:prstGeom prst="rect">
+            <a:avLst/>
+          </a:prstGeom>
+        </p:spPr>
+        <p:txBody>
+          <a:bodyPr vert="horz" wrap="square" lIns="0" tIns="0" rIns="0" bIns="0" rtlCol="0" anchor="t">
+            <a:spAutoFit/>
+          </a:bodyPr>
+          <a:lstStyle>
+            <a:lvl1pPr algn="l" defTabSz="914400" rtl="0" eaLnBrk="1" latinLnBrk="0" hangingPunct="1">
+              <a:lnSpc>
+                <a:spcPct val="90000"/>
+              </a:lnSpc>
+              <a:spcBef>
+                <a:spcPct val="0"/>
+              </a:spcBef>
+              <a:buNone/>
+              <a:defRPr sz="4400" kern="1200">
+                <a:solidFill>
+                  <a:schemeClr val="tx1"/>
+                </a:solidFill>
+                <a:latin typeface="+mj-lt"/>
+                <a:ea typeface="+mj-ea"/>
+                <a:cs typeface="+mj-cs"/>
+              </a:defRPr>
+            </a:lvl1pPr>
+          </a:lstStyle>
+          <a:p>
+            <a:pPr algn="ctr" rtl="0"/>
+            <a:r>
+              <a:rPr lang="nl-NL" sz="2800" b="1" dirty="0">
+                <a:solidFill>
+                  <a:schemeClr val="tx1">
+                    <a:lumMod val="75000"/>
+                    <a:lumOff val="25000"/>
+                  </a:schemeClr>
+                </a:solidFill>
+              </a:rPr>
+              <a:t>Default voorbeeld</a:t>
+            </a:r>
+            <a:br>
+              <a:rPr lang="nl-NL" sz="2800" dirty="0">
+                <a:solidFill>
+                  <a:schemeClr val="tx1">
+                    <a:lumMod val="75000"/>
+                    <a:lumOff val="25000"/>
+                  </a:schemeClr>
+                </a:solidFill>
+              </a:rPr>
+            </a:br>
+            <a:endParaRPr lang="nl-NL" sz="2800" dirty="0">
+              <a:solidFill>
+                <a:schemeClr val="tx1">
+                  <a:lumMod val="75000"/>
+                  <a:lumOff val="25000"/>
+                </a:schemeClr>
+              </a:solidFill>
+            </a:endParaRPr>
+          </a:p>
+        </p:txBody>
+      </p:sp>
+      <p:cxnSp>
+        <p:nvCxnSpPr>
+          <p:cNvPr id="4" name="Rechte verbindingslijn 3">
+            <a:extLst>
+              <a:ext uri="{FF2B5EF4-FFF2-40B4-BE49-F238E27FC236}">
+                <a16:creationId xmlns:a16="http://schemas.microsoft.com/office/drawing/2014/main" id="{26480323-C27F-489A-9063-E096B45E0FE6}"/>
+              </a:ext>
+              <a:ext uri="{C183D7F6-B498-43B3-948B-1728B52AA6E4}">
+                <adec:decorative xmlns:adec="http://schemas.microsoft.com/office/drawing/2017/decorative" val="1"/>
+              </a:ext>
+            </a:extLst>
+          </p:cNvPr>
+          <p:cNvCxnSpPr>
+            <a:cxnSpLocks/>
+          </p:cNvCxnSpPr>
+          <p:nvPr/>
+        </p:nvCxnSpPr>
+        <p:spPr>
+          <a:xfrm>
+            <a:off x="0" y="522898"/>
+            <a:ext cx="4086225" cy="0"/>
+          </a:xfrm>
+          <a:prstGeom prst="line">
+            <a:avLst/>
+          </a:prstGeom>
+          <a:ln>
+            <a:solidFill>
+              <a:schemeClr val="accent3">
+                <a:lumMod val="50000"/>
+              </a:schemeClr>
+            </a:solidFill>
+            <a:tailEnd type="oval"/>
+          </a:ln>
+        </p:spPr>
+        <p:style>
+          <a:lnRef idx="1">
+            <a:schemeClr val="accent1"/>
+          </a:lnRef>
+          <a:fillRef idx="0">
+            <a:schemeClr val="accent1"/>
+          </a:fillRef>
+          <a:effectRef idx="0">
+            <a:schemeClr val="accent1"/>
+          </a:effectRef>
+          <a:fontRef idx="minor">
+            <a:schemeClr val="tx1"/>
+          </a:fontRef>
+        </p:style>
+      </p:cxnSp>
+      <p:pic>
+        <p:nvPicPr>
+          <p:cNvPr id="8" name="Afbeelding 7">
+            <a:extLst>
+              <a:ext uri="{FF2B5EF4-FFF2-40B4-BE49-F238E27FC236}">
+                <a16:creationId xmlns:a16="http://schemas.microsoft.com/office/drawing/2014/main" id="{F517AC49-8D65-420B-A747-1610DA85DEB5}"/>
+              </a:ext>
+            </a:extLst>
+          </p:cNvPr>
+          <p:cNvPicPr>
+            <a:picLocks noChangeAspect="1"/>
+          </p:cNvPicPr>
+          <p:nvPr/>
+        </p:nvPicPr>
+        <p:blipFill>
+          <a:blip r:embed="rId2"/>
+          <a:stretch>
+            <a:fillRect/>
+          </a:stretch>
+        </p:blipFill>
+        <p:spPr>
+          <a:xfrm>
+            <a:off x="4857750" y="1133475"/>
+            <a:ext cx="2476500" cy="4591050"/>
+          </a:xfrm>
+          <a:prstGeom prst="rect">
+            <a:avLst/>
+          </a:prstGeom>
+        </p:spPr>
+      </p:pic>
+    </p:spTree>
+    <p:extLst>
+      <p:ext uri="{BB962C8B-B14F-4D97-AF65-F5344CB8AC3E}">
+        <p14:creationId xmlns:p14="http://schemas.microsoft.com/office/powerpoint/2010/main" val="2482829274"/>
+      </p:ext>
+    </p:extLst>
+  </p:cSld>
+  <p:clrMapOvr>
+    <a:masterClrMapping/>
+  </p:clrMapOvr>
+</p:sld>
+</file>
+
+<file path=ppt/slides/slide15.xml><?xml version="1.0" encoding="utf-8"?>
+<p:sld xmlns:a="http://schemas.openxmlformats.org/drawingml/2006/main" xmlns:r="http://schemas.openxmlformats.org/officeDocument/2006/relationships" xmlns:p="http://schemas.openxmlformats.org/presentationml/2006/main">
+  <p:cSld>
+    <p:spTree>
+      <p:nvGrpSpPr>
+        <p:cNvPr id="1" name=""/>
+        <p:cNvGrpSpPr/>
+        <p:nvPr/>
+      </p:nvGrpSpPr>
+      <p:grpSpPr>
+        <a:xfrm>
+          <a:off x="0" y="0"/>
+          <a:ext cx="0" cy="0"/>
+          <a:chOff x="0" y="0"/>
+          <a:chExt cx="0" cy="0"/>
+        </a:xfrm>
+      </p:grpSpPr>
+      <p:cxnSp>
+        <p:nvCxnSpPr>
+          <p:cNvPr id="2" name="Rechte verbindingslijn 1">
+            <a:extLst>
+              <a:ext uri="{FF2B5EF4-FFF2-40B4-BE49-F238E27FC236}">
+                <a16:creationId xmlns:a16="http://schemas.microsoft.com/office/drawing/2014/main" id="{4FAB3B62-443D-4A4A-9928-0367D6ED61EF}"/>
+              </a:ext>
+              <a:ext uri="{C183D7F6-B498-43B3-948B-1728B52AA6E4}">
+                <adec:decorative xmlns:adec="http://schemas.microsoft.com/office/drawing/2017/decorative" val="1"/>
+              </a:ext>
+            </a:extLst>
+          </p:cNvPr>
+          <p:cNvCxnSpPr>
+            <a:cxnSpLocks/>
+          </p:cNvCxnSpPr>
+          <p:nvPr/>
+        </p:nvCxnSpPr>
+        <p:spPr>
+          <a:xfrm>
+            <a:off x="8105775" y="522898"/>
+            <a:ext cx="4086225" cy="0"/>
+          </a:xfrm>
+          <a:prstGeom prst="line">
+            <a:avLst/>
+          </a:prstGeom>
+          <a:ln>
+            <a:solidFill>
+              <a:schemeClr val="accent3">
+                <a:lumMod val="50000"/>
+              </a:schemeClr>
+            </a:solidFill>
+            <a:headEnd type="oval"/>
+          </a:ln>
+        </p:spPr>
+        <p:style>
+          <a:lnRef idx="1">
+            <a:schemeClr val="accent1"/>
+          </a:lnRef>
+          <a:fillRef idx="0">
+            <a:schemeClr val="accent1"/>
+          </a:fillRef>
+          <a:effectRef idx="0">
+            <a:schemeClr val="accent1"/>
+          </a:effectRef>
+          <a:fontRef idx="minor">
+            <a:schemeClr val="tx1"/>
+          </a:fontRef>
+        </p:style>
+      </p:cxnSp>
+      <p:sp>
+        <p:nvSpPr>
+          <p:cNvPr id="3" name="Titel 1">
+            <a:extLst>
+              <a:ext uri="{FF2B5EF4-FFF2-40B4-BE49-F238E27FC236}">
+                <a16:creationId xmlns:a16="http://schemas.microsoft.com/office/drawing/2014/main" id="{635C099B-6EEB-4198-B663-54035FC5B0C5}"/>
+              </a:ext>
+            </a:extLst>
+          </p:cNvPr>
+          <p:cNvSpPr txBox="1">
+            <a:spLocks/>
+          </p:cNvSpPr>
+          <p:nvPr/>
+        </p:nvSpPr>
+        <p:spPr>
+          <a:xfrm>
+            <a:off x="228600" y="190500"/>
+            <a:ext cx="11734800" cy="775597"/>
+          </a:xfrm>
+          <a:prstGeom prst="rect">
+            <a:avLst/>
+          </a:prstGeom>
+        </p:spPr>
+        <p:txBody>
+          <a:bodyPr vert="horz" wrap="square" lIns="0" tIns="0" rIns="0" bIns="0" rtlCol="0" anchor="t">
+            <a:spAutoFit/>
+          </a:bodyPr>
+          <a:lstStyle>
+            <a:lvl1pPr algn="l" defTabSz="914400" rtl="0" eaLnBrk="1" latinLnBrk="0" hangingPunct="1">
+              <a:lnSpc>
+                <a:spcPct val="90000"/>
+              </a:lnSpc>
+              <a:spcBef>
+                <a:spcPct val="0"/>
+              </a:spcBef>
+              <a:buNone/>
+              <a:defRPr sz="4400" kern="1200">
+                <a:solidFill>
+                  <a:schemeClr val="tx1"/>
+                </a:solidFill>
+                <a:latin typeface="+mj-lt"/>
+                <a:ea typeface="+mj-ea"/>
+                <a:cs typeface="+mj-cs"/>
+              </a:defRPr>
+            </a:lvl1pPr>
+          </a:lstStyle>
+          <a:p>
+            <a:pPr algn="ctr" rtl="0"/>
+            <a:r>
+              <a:rPr lang="nl-NL" sz="2800" b="1" dirty="0">
+                <a:solidFill>
+                  <a:schemeClr val="tx1">
+                    <a:lumMod val="75000"/>
+                    <a:lumOff val="25000"/>
+                  </a:schemeClr>
+                </a:solidFill>
+              </a:rPr>
+              <a:t>Code + </a:t>
+            </a:r>
+            <a:r>
+              <a:rPr lang="nl-NL" sz="2800" b="1" dirty="0" err="1">
+                <a:solidFill>
+                  <a:schemeClr val="tx1">
+                    <a:lumMod val="75000"/>
+                    <a:lumOff val="25000"/>
+                  </a:schemeClr>
+                </a:solidFill>
+              </a:rPr>
+              <a:t>Function.json</a:t>
+            </a:r>
+            <a:endParaRPr lang="nl-NL" sz="2800" b="1" dirty="0">
+              <a:solidFill>
+                <a:schemeClr val="tx1">
+                  <a:lumMod val="75000"/>
+                  <a:lumOff val="25000"/>
+                </a:schemeClr>
+              </a:solidFill>
+            </a:endParaRPr>
+          </a:p>
+          <a:p>
+            <a:pPr algn="ctr" rtl="0"/>
+            <a:r>
+              <a:rPr lang="nl-NL" sz="2800" b="1" dirty="0">
+                <a:solidFill>
+                  <a:schemeClr val="tx1">
+                    <a:lumMod val="75000"/>
+                    <a:lumOff val="25000"/>
+                  </a:schemeClr>
+                </a:solidFill>
+              </a:rPr>
+              <a:t>Default</a:t>
+            </a:r>
+            <a:endParaRPr lang="nl-NL" sz="2800" dirty="0">
+              <a:solidFill>
+                <a:schemeClr val="tx1">
+                  <a:lumMod val="75000"/>
+                  <a:lumOff val="25000"/>
+                </a:schemeClr>
+              </a:solidFill>
+            </a:endParaRPr>
+          </a:p>
+        </p:txBody>
+      </p:sp>
+      <p:cxnSp>
+        <p:nvCxnSpPr>
+          <p:cNvPr id="4" name="Rechte verbindingslijn 3">
+            <a:extLst>
+              <a:ext uri="{FF2B5EF4-FFF2-40B4-BE49-F238E27FC236}">
+                <a16:creationId xmlns:a16="http://schemas.microsoft.com/office/drawing/2014/main" id="{97A7D9D8-98D1-48F0-8C23-ED60BD8C9E57}"/>
+              </a:ext>
+              <a:ext uri="{C183D7F6-B498-43B3-948B-1728B52AA6E4}">
+                <adec:decorative xmlns:adec="http://schemas.microsoft.com/office/drawing/2017/decorative" val="1"/>
+              </a:ext>
+            </a:extLst>
+          </p:cNvPr>
+          <p:cNvCxnSpPr>
+            <a:cxnSpLocks/>
+          </p:cNvCxnSpPr>
+          <p:nvPr/>
+        </p:nvCxnSpPr>
+        <p:spPr>
+          <a:xfrm>
+            <a:off x="0" y="522898"/>
+            <a:ext cx="4086225" cy="0"/>
+          </a:xfrm>
+          <a:prstGeom prst="line">
+            <a:avLst/>
+          </a:prstGeom>
+          <a:ln>
+            <a:solidFill>
+              <a:schemeClr val="accent3">
+                <a:lumMod val="50000"/>
+              </a:schemeClr>
+            </a:solidFill>
+            <a:tailEnd type="oval"/>
+          </a:ln>
+        </p:spPr>
+        <p:style>
+          <a:lnRef idx="1">
+            <a:schemeClr val="accent1"/>
+          </a:lnRef>
+          <a:fillRef idx="0">
+            <a:schemeClr val="accent1"/>
+          </a:fillRef>
+          <a:effectRef idx="0">
+            <a:schemeClr val="accent1"/>
+          </a:effectRef>
+          <a:fontRef idx="minor">
+            <a:schemeClr val="tx1"/>
+          </a:fontRef>
+        </p:style>
+      </p:cxnSp>
+      <p:pic>
+        <p:nvPicPr>
+          <p:cNvPr id="8" name="Afbeelding 7">
+            <a:extLst>
+              <a:ext uri="{FF2B5EF4-FFF2-40B4-BE49-F238E27FC236}">
+                <a16:creationId xmlns:a16="http://schemas.microsoft.com/office/drawing/2014/main" id="{45A76C74-79AF-4288-8449-BB5A808A2764}"/>
+              </a:ext>
+            </a:extLst>
+          </p:cNvPr>
+          <p:cNvPicPr>
+            <a:picLocks noChangeAspect="1"/>
+          </p:cNvPicPr>
+          <p:nvPr/>
+        </p:nvPicPr>
+        <p:blipFill>
+          <a:blip r:embed="rId2"/>
+          <a:stretch>
+            <a:fillRect/>
+          </a:stretch>
+        </p:blipFill>
+        <p:spPr>
+          <a:xfrm>
+            <a:off x="3038475" y="4367438"/>
+            <a:ext cx="6115050" cy="2047875"/>
+          </a:xfrm>
+          <a:prstGeom prst="rect">
+            <a:avLst/>
+          </a:prstGeom>
+        </p:spPr>
+      </p:pic>
+      <p:pic>
+        <p:nvPicPr>
+          <p:cNvPr id="9" name="Afbeelding 8">
+            <a:extLst>
+              <a:ext uri="{FF2B5EF4-FFF2-40B4-BE49-F238E27FC236}">
+                <a16:creationId xmlns:a16="http://schemas.microsoft.com/office/drawing/2014/main" id="{6A065958-8148-4C05-93A5-83124E4A34D1}"/>
+              </a:ext>
+            </a:extLst>
+          </p:cNvPr>
+          <p:cNvPicPr>
+            <a:picLocks noChangeAspect="1"/>
+          </p:cNvPicPr>
+          <p:nvPr/>
+        </p:nvPicPr>
+        <p:blipFill>
+          <a:blip r:embed="rId3"/>
+          <a:stretch>
+            <a:fillRect/>
+          </a:stretch>
+        </p:blipFill>
+        <p:spPr>
+          <a:xfrm>
+            <a:off x="3986212" y="1218974"/>
+            <a:ext cx="4219575" cy="2543175"/>
+          </a:xfrm>
+          <a:prstGeom prst="rect">
+            <a:avLst/>
+          </a:prstGeom>
+        </p:spPr>
+      </p:pic>
+    </p:spTree>
+    <p:extLst>
+      <p:ext uri="{BB962C8B-B14F-4D97-AF65-F5344CB8AC3E}">
+        <p14:creationId xmlns:p14="http://schemas.microsoft.com/office/powerpoint/2010/main" val="4291312331"/>
+      </p:ext>
+    </p:extLst>
+  </p:cSld>
+  <p:clrMapOvr>
+    <a:masterClrMapping/>
+  </p:clrMapOvr>
+  <p:timing>
+    <p:tnLst>
+      <p:par>
+        <p:cTn id="1" dur="indefinite" restart="never" nodeType="tmRoot">
+          <p:childTnLst>
+            <p:seq concurrent="1" nextAc="seek">
+              <p:cTn id="2" dur="indefinite" nodeType="mainSeq">
+                <p:childTnLst>
+                  <p:par>
+                    <p:cTn id="3" fill="hold">
+                      <p:stCondLst>
+                        <p:cond delay="indefinite"/>
+                      </p:stCondLst>
+                      <p:childTnLst>
+                        <p:par>
+                          <p:cTn id="4" fill="hold">
+                            <p:stCondLst>
+                              <p:cond delay="0"/>
+                            </p:stCondLst>
+                            <p:childTnLst>
+                              <p:par>
+                                <p:cTn id="5" presetID="1" presetClass="entr" presetSubtype="0" fill="hold" nodeType="clickEffect">
+                                  <p:stCondLst>
+                                    <p:cond delay="0"/>
+                                  </p:stCondLst>
+                                  <p:childTnLst>
+                                    <p:set>
+                                      <p:cBhvr>
+                                        <p:cTn id="6" dur="1" fill="hold">
+                                          <p:stCondLst>
+                                            <p:cond delay="0"/>
+                                          </p:stCondLst>
+                                        </p:cTn>
+                                        <p:tgtEl>
+                                          <p:spTgt spid="8"/>
+                                        </p:tgtEl>
+                                        <p:attrNameLst>
+                                          <p:attrName>style.visibility</p:attrName>
+                                        </p:attrNameLst>
+                                      </p:cBhvr>
+                                      <p:to>
+                                        <p:strVal val="visible"/>
+                                      </p:to>
+                                    </p:set>
+                                  </p:childTnLst>
+                                </p:cTn>
+                              </p:par>
+                            </p:childTnLst>
+                          </p:cTn>
+                        </p:par>
+                      </p:childTnLst>
+                    </p:cTn>
+                  </p:par>
+                </p:childTnLst>
+              </p:cTn>
+              <p:prevCondLst>
+                <p:cond evt="onPrev" delay="0">
+                  <p:tgtEl>
+                    <p:sldTgt/>
+                  </p:tgtEl>
+                </p:cond>
+              </p:prevCondLst>
+              <p:nextCondLst>
+                <p:cond evt="onNext" delay="0">
+                  <p:tgtEl>
+                    <p:sldTgt/>
+                  </p:tgtEl>
+                </p:cond>
+              </p:nextCondLst>
+            </p:seq>
+          </p:childTnLst>
+        </p:cTn>
+      </p:par>
+    </p:tnLst>
+  </p:timing>
+</p:sld>
+</file>
+
+<file path=ppt/slides/slide16.xml><?xml version="1.0" encoding="utf-8"?>
+<p:sld xmlns:a="http://schemas.openxmlformats.org/drawingml/2006/main" xmlns:r="http://schemas.openxmlformats.org/officeDocument/2006/relationships" xmlns:p="http://schemas.openxmlformats.org/presentationml/2006/main">
+  <p:cSld>
+    <p:spTree>
+      <p:nvGrpSpPr>
+        <p:cNvPr id="1" name=""/>
+        <p:cNvGrpSpPr/>
+        <p:nvPr/>
+      </p:nvGrpSpPr>
+      <p:grpSpPr>
+        <a:xfrm>
+          <a:off x="0" y="0"/>
+          <a:ext cx="0" cy="0"/>
+          <a:chOff x="0" y="0"/>
+          <a:chExt cx="0" cy="0"/>
+        </a:xfrm>
+      </p:grpSpPr>
+      <p:cxnSp>
+        <p:nvCxnSpPr>
+          <p:cNvPr id="2" name="Rechte verbindingslijn 1">
+            <a:extLst>
+              <a:ext uri="{FF2B5EF4-FFF2-40B4-BE49-F238E27FC236}">
+                <a16:creationId xmlns:a16="http://schemas.microsoft.com/office/drawing/2014/main" id="{3318A35C-9816-4601-9C6C-8EA281E191E0}"/>
+              </a:ext>
+              <a:ext uri="{C183D7F6-B498-43B3-948B-1728B52AA6E4}">
+                <adec:decorative xmlns:adec="http://schemas.microsoft.com/office/drawing/2017/decorative" val="1"/>
+              </a:ext>
+            </a:extLst>
+          </p:cNvPr>
+          <p:cNvCxnSpPr>
+            <a:cxnSpLocks/>
+          </p:cNvCxnSpPr>
+          <p:nvPr/>
+        </p:nvCxnSpPr>
+        <p:spPr>
+          <a:xfrm>
+            <a:off x="8105775" y="522898"/>
+            <a:ext cx="4086225" cy="0"/>
+          </a:xfrm>
+          <a:prstGeom prst="line">
+            <a:avLst/>
+          </a:prstGeom>
+          <a:ln>
+            <a:solidFill>
+              <a:schemeClr val="accent3">
+                <a:lumMod val="50000"/>
+              </a:schemeClr>
+            </a:solidFill>
+            <a:headEnd type="oval"/>
+          </a:ln>
+        </p:spPr>
+        <p:style>
+          <a:lnRef idx="1">
+            <a:schemeClr val="accent1"/>
+          </a:lnRef>
+          <a:fillRef idx="0">
+            <a:schemeClr val="accent1"/>
+          </a:fillRef>
+          <a:effectRef idx="0">
+            <a:schemeClr val="accent1"/>
+          </a:effectRef>
+          <a:fontRef idx="minor">
+            <a:schemeClr val="tx1"/>
+          </a:fontRef>
+        </p:style>
+      </p:cxnSp>
+      <p:sp>
+        <p:nvSpPr>
+          <p:cNvPr id="3" name="Titel 1">
+            <a:extLst>
+              <a:ext uri="{FF2B5EF4-FFF2-40B4-BE49-F238E27FC236}">
+                <a16:creationId xmlns:a16="http://schemas.microsoft.com/office/drawing/2014/main" id="{BA0656B5-9E1C-4AC1-A1CA-BB44A70F6BB5}"/>
+              </a:ext>
+            </a:extLst>
+          </p:cNvPr>
+          <p:cNvSpPr txBox="1">
+            <a:spLocks/>
+          </p:cNvSpPr>
+          <p:nvPr/>
+        </p:nvSpPr>
+        <p:spPr>
+          <a:xfrm>
+            <a:off x="228600" y="190500"/>
+            <a:ext cx="11734800" cy="775597"/>
+          </a:xfrm>
+          <a:prstGeom prst="rect">
+            <a:avLst/>
+          </a:prstGeom>
+        </p:spPr>
+        <p:txBody>
+          <a:bodyPr vert="horz" wrap="square" lIns="0" tIns="0" rIns="0" bIns="0" rtlCol="0" anchor="t">
+            <a:spAutoFit/>
+          </a:bodyPr>
+          <a:lstStyle>
+            <a:lvl1pPr algn="l" defTabSz="914400" rtl="0" eaLnBrk="1" latinLnBrk="0" hangingPunct="1">
+              <a:lnSpc>
+                <a:spcPct val="90000"/>
+              </a:lnSpc>
+              <a:spcBef>
+                <a:spcPct val="0"/>
+              </a:spcBef>
+              <a:buNone/>
+              <a:defRPr sz="4400" kern="1200">
+                <a:solidFill>
+                  <a:schemeClr val="tx1"/>
+                </a:solidFill>
+                <a:latin typeface="+mj-lt"/>
+                <a:ea typeface="+mj-ea"/>
+                <a:cs typeface="+mj-cs"/>
+              </a:defRPr>
+            </a:lvl1pPr>
+          </a:lstStyle>
+          <a:p>
+            <a:pPr algn="ctr" rtl="0"/>
+            <a:r>
+              <a:rPr lang="nl-NL" sz="2800" b="1" dirty="0">
+                <a:solidFill>
+                  <a:schemeClr val="tx1">
+                    <a:lumMod val="75000"/>
+                    <a:lumOff val="25000"/>
+                  </a:schemeClr>
+                </a:solidFill>
+              </a:rPr>
+              <a:t>Code + </a:t>
+            </a:r>
+            <a:r>
+              <a:rPr lang="nl-NL" sz="2800" b="1" dirty="0" err="1">
+                <a:solidFill>
+                  <a:schemeClr val="tx1">
+                    <a:lumMod val="75000"/>
+                    <a:lumOff val="25000"/>
+                  </a:schemeClr>
+                </a:solidFill>
+              </a:rPr>
+              <a:t>Function.json</a:t>
+            </a:r>
+            <a:endParaRPr lang="nl-NL" sz="2800" b="1" dirty="0">
+              <a:solidFill>
+                <a:schemeClr val="tx1">
+                  <a:lumMod val="75000"/>
+                  <a:lumOff val="25000"/>
+                </a:schemeClr>
+              </a:solidFill>
+            </a:endParaRPr>
+          </a:p>
+          <a:p>
+            <a:pPr algn="ctr" rtl="0"/>
+            <a:r>
+              <a:rPr lang="nl-NL" sz="2800" b="1" dirty="0">
+                <a:solidFill>
+                  <a:schemeClr val="tx1">
+                    <a:lumMod val="75000"/>
+                    <a:lumOff val="25000"/>
+                  </a:schemeClr>
+                </a:solidFill>
+              </a:rPr>
+              <a:t>Service Bus demo</a:t>
+            </a:r>
+            <a:endParaRPr lang="nl-NL" sz="2800" dirty="0">
+              <a:solidFill>
+                <a:schemeClr val="tx1">
+                  <a:lumMod val="75000"/>
+                  <a:lumOff val="25000"/>
+                </a:schemeClr>
+              </a:solidFill>
+            </a:endParaRPr>
+          </a:p>
+        </p:txBody>
+      </p:sp>
+      <p:cxnSp>
+        <p:nvCxnSpPr>
+          <p:cNvPr id="4" name="Rechte verbindingslijn 3">
+            <a:extLst>
+              <a:ext uri="{FF2B5EF4-FFF2-40B4-BE49-F238E27FC236}">
+                <a16:creationId xmlns:a16="http://schemas.microsoft.com/office/drawing/2014/main" id="{4C4C0C6E-1E7C-4B60-906C-B8394DB87771}"/>
+              </a:ext>
+              <a:ext uri="{C183D7F6-B498-43B3-948B-1728B52AA6E4}">
+                <adec:decorative xmlns:adec="http://schemas.microsoft.com/office/drawing/2017/decorative" val="1"/>
+              </a:ext>
+            </a:extLst>
+          </p:cNvPr>
+          <p:cNvCxnSpPr>
+            <a:cxnSpLocks/>
+          </p:cNvCxnSpPr>
+          <p:nvPr/>
+        </p:nvCxnSpPr>
+        <p:spPr>
+          <a:xfrm>
+            <a:off x="0" y="522898"/>
+            <a:ext cx="4086225" cy="0"/>
+          </a:xfrm>
+          <a:prstGeom prst="line">
+            <a:avLst/>
+          </a:prstGeom>
+          <a:ln>
+            <a:solidFill>
+              <a:schemeClr val="accent3">
+                <a:lumMod val="50000"/>
+              </a:schemeClr>
+            </a:solidFill>
+            <a:tailEnd type="oval"/>
+          </a:ln>
+        </p:spPr>
+        <p:style>
+          <a:lnRef idx="1">
+            <a:schemeClr val="accent1"/>
+          </a:lnRef>
+          <a:fillRef idx="0">
+            <a:schemeClr val="accent1"/>
+          </a:fillRef>
+          <a:effectRef idx="0">
+            <a:schemeClr val="accent1"/>
+          </a:effectRef>
+          <a:fontRef idx="minor">
+            <a:schemeClr val="tx1"/>
+          </a:fontRef>
+        </p:style>
+      </p:cxnSp>
+      <p:pic>
+        <p:nvPicPr>
+          <p:cNvPr id="5" name="Afbeelding 4">
+            <a:extLst>
+              <a:ext uri="{FF2B5EF4-FFF2-40B4-BE49-F238E27FC236}">
+                <a16:creationId xmlns:a16="http://schemas.microsoft.com/office/drawing/2014/main" id="{517A0FA3-4F6D-4DA1-8C6E-E022B96BC5B2}"/>
+              </a:ext>
+            </a:extLst>
+          </p:cNvPr>
+          <p:cNvPicPr>
+            <a:picLocks noChangeAspect="1"/>
+          </p:cNvPicPr>
+          <p:nvPr/>
+        </p:nvPicPr>
+        <p:blipFill>
+          <a:blip r:embed="rId2"/>
+          <a:stretch>
+            <a:fillRect/>
+          </a:stretch>
+        </p:blipFill>
+        <p:spPr>
+          <a:xfrm>
+            <a:off x="3852862" y="1298495"/>
+            <a:ext cx="4486275" cy="4791075"/>
+          </a:xfrm>
+          <a:prstGeom prst="rect">
+            <a:avLst/>
+          </a:prstGeom>
+        </p:spPr>
+      </p:pic>
+    </p:spTree>
+    <p:extLst>
+      <p:ext uri="{BB962C8B-B14F-4D97-AF65-F5344CB8AC3E}">
+        <p14:creationId xmlns:p14="http://schemas.microsoft.com/office/powerpoint/2010/main" val="79878310"/>
+      </p:ext>
+    </p:extLst>
+  </p:cSld>
+  <p:clrMapOvr>
+    <a:masterClrMapping/>
+  </p:clrMapOvr>
+</p:sld>
+</file>
+
+<file path=ppt/slides/slide17.xml><?xml version="1.0" encoding="utf-8"?>
+<p:sld xmlns:a="http://schemas.openxmlformats.org/drawingml/2006/main" xmlns:r="http://schemas.openxmlformats.org/officeDocument/2006/relationships" xmlns:p="http://schemas.openxmlformats.org/presentationml/2006/main">
+  <p:cSld>
+    <p:spTree>
+      <p:nvGrpSpPr>
+        <p:cNvPr id="1" name=""/>
+        <p:cNvGrpSpPr/>
+        <p:nvPr/>
+      </p:nvGrpSpPr>
+      <p:grpSpPr>
+        <a:xfrm>
+          <a:off x="0" y="0"/>
+          <a:ext cx="0" cy="0"/>
+          <a:chOff x="0" y="0"/>
+          <a:chExt cx="0" cy="0"/>
+        </a:xfrm>
+      </p:grpSpPr>
+      <p:cxnSp>
+        <p:nvCxnSpPr>
+          <p:cNvPr id="2" name="Rechte verbindingslijn 1">
+            <a:extLst>
+              <a:ext uri="{FF2B5EF4-FFF2-40B4-BE49-F238E27FC236}">
+                <a16:creationId xmlns:a16="http://schemas.microsoft.com/office/drawing/2014/main" id="{56F434C5-56C8-4C28-8714-E1104D5F9157}"/>
+              </a:ext>
+              <a:ext uri="{C183D7F6-B498-43B3-948B-1728B52AA6E4}">
+                <adec:decorative xmlns:adec="http://schemas.microsoft.com/office/drawing/2017/decorative" val="1"/>
+              </a:ext>
+            </a:extLst>
+          </p:cNvPr>
+          <p:cNvCxnSpPr>
+            <a:cxnSpLocks/>
+          </p:cNvCxnSpPr>
+          <p:nvPr/>
+        </p:nvCxnSpPr>
+        <p:spPr>
+          <a:xfrm>
+            <a:off x="8105775" y="522898"/>
+            <a:ext cx="4086225" cy="0"/>
+          </a:xfrm>
+          <a:prstGeom prst="line">
+            <a:avLst/>
+          </a:prstGeom>
+          <a:ln>
+            <a:solidFill>
+              <a:schemeClr val="accent3">
+                <a:lumMod val="50000"/>
+              </a:schemeClr>
+            </a:solidFill>
+            <a:headEnd type="oval"/>
+          </a:ln>
+        </p:spPr>
+        <p:style>
+          <a:lnRef idx="1">
+            <a:schemeClr val="accent1"/>
+          </a:lnRef>
+          <a:fillRef idx="0">
+            <a:schemeClr val="accent1"/>
+          </a:fillRef>
+          <a:effectRef idx="0">
+            <a:schemeClr val="accent1"/>
+          </a:effectRef>
+          <a:fontRef idx="minor">
+            <a:schemeClr val="tx1"/>
+          </a:fontRef>
+        </p:style>
+      </p:cxnSp>
+      <p:sp>
+        <p:nvSpPr>
+          <p:cNvPr id="3" name="Titel 1">
+            <a:extLst>
+              <a:ext uri="{FF2B5EF4-FFF2-40B4-BE49-F238E27FC236}">
+                <a16:creationId xmlns:a16="http://schemas.microsoft.com/office/drawing/2014/main" id="{A3D70791-CFC1-4C66-A334-51DABC75C410}"/>
+              </a:ext>
+            </a:extLst>
+          </p:cNvPr>
+          <p:cNvSpPr txBox="1">
+            <a:spLocks/>
+          </p:cNvSpPr>
+          <p:nvPr/>
+        </p:nvSpPr>
+        <p:spPr>
+          <a:xfrm>
+            <a:off x="228600" y="190500"/>
+            <a:ext cx="11734800" cy="775597"/>
+          </a:xfrm>
+          <a:prstGeom prst="rect">
+            <a:avLst/>
+          </a:prstGeom>
+        </p:spPr>
+        <p:txBody>
+          <a:bodyPr vert="horz" wrap="square" lIns="0" tIns="0" rIns="0" bIns="0" rtlCol="0" anchor="t">
+            <a:spAutoFit/>
+          </a:bodyPr>
+          <a:lstStyle>
+            <a:lvl1pPr algn="l" defTabSz="914400" rtl="0" eaLnBrk="1" latinLnBrk="0" hangingPunct="1">
+              <a:lnSpc>
+                <a:spcPct val="90000"/>
+              </a:lnSpc>
+              <a:spcBef>
+                <a:spcPct val="0"/>
+              </a:spcBef>
+              <a:buNone/>
+              <a:defRPr sz="4400" kern="1200">
+                <a:solidFill>
+                  <a:schemeClr val="tx1"/>
+                </a:solidFill>
+                <a:latin typeface="+mj-lt"/>
+                <a:ea typeface="+mj-ea"/>
+                <a:cs typeface="+mj-cs"/>
+              </a:defRPr>
+            </a:lvl1pPr>
+          </a:lstStyle>
+          <a:p>
+            <a:pPr algn="ctr" rtl="0"/>
+            <a:r>
+              <a:rPr lang="nl-NL" sz="2800" b="1" dirty="0">
+                <a:solidFill>
+                  <a:schemeClr val="tx1">
+                    <a:lumMod val="75000"/>
+                    <a:lumOff val="25000"/>
+                  </a:schemeClr>
+                </a:solidFill>
+              </a:rPr>
+              <a:t>Code + </a:t>
+            </a:r>
+            <a:r>
+              <a:rPr lang="nl-NL" sz="2800" b="1" dirty="0" err="1">
+                <a:solidFill>
+                  <a:schemeClr val="tx1">
+                    <a:lumMod val="75000"/>
+                    <a:lumOff val="25000"/>
+                  </a:schemeClr>
+                </a:solidFill>
+              </a:rPr>
+              <a:t>Function.json</a:t>
+            </a:r>
+            <a:endParaRPr lang="nl-NL" sz="2800" b="1" dirty="0">
+              <a:solidFill>
+                <a:schemeClr val="tx1">
+                  <a:lumMod val="75000"/>
+                  <a:lumOff val="25000"/>
+                </a:schemeClr>
+              </a:solidFill>
+            </a:endParaRPr>
+          </a:p>
+          <a:p>
+            <a:pPr algn="ctr" rtl="0"/>
+            <a:r>
+              <a:rPr lang="nl-NL" sz="2800" b="1" dirty="0">
+                <a:solidFill>
+                  <a:schemeClr val="tx1">
+                    <a:lumMod val="75000"/>
+                    <a:lumOff val="25000"/>
+                  </a:schemeClr>
+                </a:solidFill>
+              </a:rPr>
+              <a:t>Service Bus demo</a:t>
+            </a:r>
+            <a:endParaRPr lang="nl-NL" sz="2800" dirty="0">
+              <a:solidFill>
+                <a:schemeClr val="tx1">
+                  <a:lumMod val="75000"/>
+                  <a:lumOff val="25000"/>
+                </a:schemeClr>
+              </a:solidFill>
+            </a:endParaRPr>
+          </a:p>
+        </p:txBody>
+      </p:sp>
+      <p:cxnSp>
+        <p:nvCxnSpPr>
+          <p:cNvPr id="4" name="Rechte verbindingslijn 3">
+            <a:extLst>
+              <a:ext uri="{FF2B5EF4-FFF2-40B4-BE49-F238E27FC236}">
+                <a16:creationId xmlns:a16="http://schemas.microsoft.com/office/drawing/2014/main" id="{7E2E947A-44FF-40B3-BC9D-1D3D94E7FA56}"/>
+              </a:ext>
+              <a:ext uri="{C183D7F6-B498-43B3-948B-1728B52AA6E4}">
+                <adec:decorative xmlns:adec="http://schemas.microsoft.com/office/drawing/2017/decorative" val="1"/>
+              </a:ext>
+            </a:extLst>
+          </p:cNvPr>
+          <p:cNvCxnSpPr>
+            <a:cxnSpLocks/>
+          </p:cNvCxnSpPr>
+          <p:nvPr/>
+        </p:nvCxnSpPr>
+        <p:spPr>
+          <a:xfrm>
+            <a:off x="0" y="522898"/>
+            <a:ext cx="4086225" cy="0"/>
+          </a:xfrm>
+          <a:prstGeom prst="line">
+            <a:avLst/>
+          </a:prstGeom>
+          <a:ln>
+            <a:solidFill>
+              <a:schemeClr val="accent3">
+                <a:lumMod val="50000"/>
+              </a:schemeClr>
+            </a:solidFill>
+            <a:tailEnd type="oval"/>
+          </a:ln>
+        </p:spPr>
+        <p:style>
+          <a:lnRef idx="1">
+            <a:schemeClr val="accent1"/>
+          </a:lnRef>
+          <a:fillRef idx="0">
+            <a:schemeClr val="accent1"/>
+          </a:fillRef>
+          <a:effectRef idx="0">
+            <a:schemeClr val="accent1"/>
+          </a:effectRef>
+          <a:fontRef idx="minor">
+            <a:schemeClr val="tx1"/>
+          </a:fontRef>
+        </p:style>
+      </p:cxnSp>
+      <p:pic>
+        <p:nvPicPr>
+          <p:cNvPr id="5" name="Afbeelding 4">
+            <a:extLst>
+              <a:ext uri="{FF2B5EF4-FFF2-40B4-BE49-F238E27FC236}">
+                <a16:creationId xmlns:a16="http://schemas.microsoft.com/office/drawing/2014/main" id="{77596BCE-5755-426B-9924-385656806FE3}"/>
+              </a:ext>
+            </a:extLst>
+          </p:cNvPr>
+          <p:cNvPicPr>
+            <a:picLocks noChangeAspect="1"/>
+          </p:cNvPicPr>
+          <p:nvPr/>
+        </p:nvPicPr>
+        <p:blipFill>
+          <a:blip r:embed="rId2"/>
+          <a:stretch>
+            <a:fillRect/>
+          </a:stretch>
+        </p:blipFill>
+        <p:spPr>
+          <a:xfrm>
+            <a:off x="6729663" y="5018659"/>
+            <a:ext cx="5233737" cy="1516090"/>
+          </a:xfrm>
+          <a:prstGeom prst="rect">
+            <a:avLst/>
+          </a:prstGeom>
+        </p:spPr>
+      </p:pic>
+      <p:pic>
+        <p:nvPicPr>
+          <p:cNvPr id="6" name="Afbeelding 5">
+            <a:extLst>
+              <a:ext uri="{FF2B5EF4-FFF2-40B4-BE49-F238E27FC236}">
+                <a16:creationId xmlns:a16="http://schemas.microsoft.com/office/drawing/2014/main" id="{4955BD25-F08D-4A5B-B1CE-769CBD513CC9}"/>
+              </a:ext>
+            </a:extLst>
+          </p:cNvPr>
+          <p:cNvPicPr>
+            <a:picLocks noChangeAspect="1"/>
+          </p:cNvPicPr>
+          <p:nvPr/>
+        </p:nvPicPr>
+        <p:blipFill>
+          <a:blip r:embed="rId3"/>
+          <a:stretch>
+            <a:fillRect/>
+          </a:stretch>
+        </p:blipFill>
+        <p:spPr>
+          <a:xfrm>
+            <a:off x="7058526" y="1174645"/>
+            <a:ext cx="4333875" cy="3695700"/>
+          </a:xfrm>
+          <a:prstGeom prst="rect">
+            <a:avLst/>
+          </a:prstGeom>
+        </p:spPr>
+      </p:pic>
+      <p:pic>
+        <p:nvPicPr>
+          <p:cNvPr id="8" name="Afbeelding 7">
+            <a:extLst>
+              <a:ext uri="{FF2B5EF4-FFF2-40B4-BE49-F238E27FC236}">
+                <a16:creationId xmlns:a16="http://schemas.microsoft.com/office/drawing/2014/main" id="{B46BD1FD-66A2-4D70-A1E8-6D59ADF03F3E}"/>
+              </a:ext>
+            </a:extLst>
+          </p:cNvPr>
+          <p:cNvPicPr>
+            <a:picLocks noChangeAspect="1"/>
+          </p:cNvPicPr>
+          <p:nvPr/>
+        </p:nvPicPr>
+        <p:blipFill>
+          <a:blip r:embed="rId4"/>
+          <a:stretch>
+            <a:fillRect/>
+          </a:stretch>
+        </p:blipFill>
+        <p:spPr>
+          <a:xfrm>
+            <a:off x="228600" y="1628568"/>
+            <a:ext cx="6322767" cy="4419297"/>
+          </a:xfrm>
+          <a:prstGeom prst="rect">
+            <a:avLst/>
+          </a:prstGeom>
+        </p:spPr>
+      </p:pic>
+    </p:spTree>
+    <p:extLst>
+      <p:ext uri="{BB962C8B-B14F-4D97-AF65-F5344CB8AC3E}">
+        <p14:creationId xmlns:p14="http://schemas.microsoft.com/office/powerpoint/2010/main" val="903685524"/>
+      </p:ext>
+    </p:extLst>
+  </p:cSld>
+  <p:clrMapOvr>
+    <a:masterClrMapping/>
+  </p:clrMapOvr>
+</p:sld>
+</file>
+
+<file path=ppt/slides/slide18.xml><?xml version="1.0" encoding="utf-8"?>
+<p:sld xmlns:a="http://schemas.openxmlformats.org/drawingml/2006/main" xmlns:r="http://schemas.openxmlformats.org/officeDocument/2006/relationships" xmlns:p="http://schemas.openxmlformats.org/presentationml/2006/main">
+  <p:cSld>
+    <p:spTree>
+      <p:nvGrpSpPr>
+        <p:cNvPr id="1" name=""/>
+        <p:cNvGrpSpPr/>
+        <p:nvPr/>
+      </p:nvGrpSpPr>
+      <p:grpSpPr>
+        <a:xfrm>
+          <a:off x="0" y="0"/>
+          <a:ext cx="0" cy="0"/>
+          <a:chOff x="0" y="0"/>
+          <a:chExt cx="0" cy="0"/>
+        </a:xfrm>
+      </p:grpSpPr>
+    </p:spTree>
+    <p:extLst>
+      <p:ext uri="{BB962C8B-B14F-4D97-AF65-F5344CB8AC3E}">
+        <p14:creationId xmlns:p14="http://schemas.microsoft.com/office/powerpoint/2010/main" val="1491673749"/>
+      </p:ext>
+    </p:extLst>
+  </p:cSld>
+  <p:clrMapOvr>
+    <a:masterClrMapping/>
+  </p:clrMapOvr>
+</p:sld>
+</file>
+
+<file path=ppt/slides/slide19.xml><?xml version="1.0" encoding="utf-8"?>
+<p:sld xmlns:a="http://schemas.openxmlformats.org/drawingml/2006/main" xmlns:r="http://schemas.openxmlformats.org/officeDocument/2006/relationships" xmlns:p="http://schemas.openxmlformats.org/presentationml/2006/main">
+  <p:cSld>
+    <p:spTree>
+      <p:nvGrpSpPr>
+        <p:cNvPr id="1" name=""/>
+        <p:cNvGrpSpPr/>
+        <p:nvPr/>
+      </p:nvGrpSpPr>
+      <p:grpSpPr>
+        <a:xfrm>
+          <a:off x="0" y="0"/>
+          <a:ext cx="0" cy="0"/>
+          <a:chOff x="0" y="0"/>
+          <a:chExt cx="0" cy="0"/>
+        </a:xfrm>
+      </p:grpSpPr>
+    </p:spTree>
+    <p:extLst>
+      <p:ext uri="{BB962C8B-B14F-4D97-AF65-F5344CB8AC3E}">
+        <p14:creationId xmlns:p14="http://schemas.microsoft.com/office/powerpoint/2010/main" val="2929628562"/>
       </p:ext>
     </p:extLst>
   </p:cSld>
@@ -13660,6 +16750,234 @@
 </p:sld>
 </file>
 
+<file path=ppt/slides/slide20.xml><?xml version="1.0" encoding="utf-8"?>
+<p:sld xmlns:a="http://schemas.openxmlformats.org/drawingml/2006/main" xmlns:r="http://schemas.openxmlformats.org/officeDocument/2006/relationships" xmlns:p="http://schemas.openxmlformats.org/presentationml/2006/main">
+  <p:cSld>
+    <p:bg>
+      <p:bgPr>
+        <a:pattFill prst="zigZag">
+          <a:fgClr>
+            <a:schemeClr val="accent3">
+              <a:lumMod val="75000"/>
+            </a:schemeClr>
+          </a:fgClr>
+          <a:bgClr>
+            <a:schemeClr val="accent3">
+              <a:lumMod val="50000"/>
+            </a:schemeClr>
+          </a:bgClr>
+        </a:pattFill>
+        <a:effectLst/>
+      </p:bgPr>
+    </p:bg>
+    <p:spTree>
+      <p:nvGrpSpPr>
+        <p:cNvPr id="1" name=""/>
+        <p:cNvGrpSpPr/>
+        <p:nvPr/>
+      </p:nvGrpSpPr>
+      <p:grpSpPr>
+        <a:xfrm>
+          <a:off x="0" y="0"/>
+          <a:ext cx="0" cy="0"/>
+          <a:chOff x="0" y="0"/>
+          <a:chExt cx="0" cy="0"/>
+        </a:xfrm>
+      </p:grpSpPr>
+      <p:grpSp>
+        <p:nvGrpSpPr>
+          <p:cNvPr id="11" name="Groep 10">
+            <a:extLst>
+              <a:ext uri="{FF2B5EF4-FFF2-40B4-BE49-F238E27FC236}">
+                <a16:creationId xmlns:a16="http://schemas.microsoft.com/office/drawing/2014/main" id="{62A21665-C64F-4BDA-B2DE-442D70605718}"/>
+              </a:ext>
+              <a:ext uri="{C183D7F6-B498-43B3-948B-1728B52AA6E4}">
+                <adec:decorative xmlns:adec="http://schemas.microsoft.com/office/drawing/2017/decorative" val="1"/>
+              </a:ext>
+            </a:extLst>
+          </p:cNvPr>
+          <p:cNvGrpSpPr/>
+          <p:nvPr/>
+        </p:nvGrpSpPr>
+        <p:grpSpPr>
+          <a:xfrm>
+            <a:off x="4325258" y="1544068"/>
+            <a:ext cx="3541486" cy="3769865"/>
+            <a:chOff x="4325258" y="1229517"/>
+            <a:chExt cx="3541486" cy="3769865"/>
+          </a:xfrm>
+        </p:grpSpPr>
+        <p:sp>
+          <p:nvSpPr>
+            <p:cNvPr id="12" name="Ruitvorm 11">
+              <a:extLst>
+                <a:ext uri="{FF2B5EF4-FFF2-40B4-BE49-F238E27FC236}">
+                  <a16:creationId xmlns:a16="http://schemas.microsoft.com/office/drawing/2014/main" id="{7DC8B409-5FAC-4539-B25A-26BE925A48AF}"/>
+                </a:ext>
+              </a:extLst>
+            </p:cNvPr>
+            <p:cNvSpPr/>
+            <p:nvPr/>
+          </p:nvSpPr>
+          <p:spPr>
+            <a:xfrm>
+              <a:off x="4792319" y="2392018"/>
+              <a:ext cx="2607364" cy="2607364"/>
+            </a:xfrm>
+            <a:prstGeom prst="diamond">
+              <a:avLst/>
+            </a:prstGeom>
+            <a:noFill/>
+            <a:ln>
+              <a:solidFill>
+                <a:schemeClr val="accent3"/>
+              </a:solidFill>
+            </a:ln>
+          </p:spPr>
+          <p:style>
+            <a:lnRef idx="2">
+              <a:schemeClr val="accent1">
+                <a:shade val="50000"/>
+              </a:schemeClr>
+            </a:lnRef>
+            <a:fillRef idx="1">
+              <a:schemeClr val="accent1"/>
+            </a:fillRef>
+            <a:effectRef idx="0">
+              <a:schemeClr val="accent1"/>
+            </a:effectRef>
+            <a:fontRef idx="minor">
+              <a:schemeClr val="lt1"/>
+            </a:fontRef>
+          </p:style>
+          <p:txBody>
+            <a:bodyPr rtlCol="0" anchor="ctr"/>
+            <a:lstStyle/>
+            <a:p>
+              <a:pPr algn="ctr" rtl="0"/>
+              <a:endParaRPr lang="nl-NL" dirty="0"/>
+            </a:p>
+          </p:txBody>
+        </p:sp>
+        <p:sp>
+          <p:nvSpPr>
+            <p:cNvPr id="13" name="Ruitvorm 12">
+              <a:extLst>
+                <a:ext uri="{FF2B5EF4-FFF2-40B4-BE49-F238E27FC236}">
+                  <a16:creationId xmlns:a16="http://schemas.microsoft.com/office/drawing/2014/main" id="{91498E2F-539C-46D3-AF7C-BB1DAE76B114}"/>
+                </a:ext>
+              </a:extLst>
+            </p:cNvPr>
+            <p:cNvSpPr/>
+            <p:nvPr/>
+          </p:nvSpPr>
+          <p:spPr>
+            <a:xfrm>
+              <a:off x="4325258" y="1229517"/>
+              <a:ext cx="3541486" cy="3541486"/>
+            </a:xfrm>
+            <a:prstGeom prst="diamond">
+              <a:avLst/>
+            </a:prstGeom>
+            <a:noFill/>
+            <a:ln>
+              <a:solidFill>
+                <a:schemeClr val="accent4"/>
+              </a:solidFill>
+            </a:ln>
+          </p:spPr>
+          <p:style>
+            <a:lnRef idx="2">
+              <a:schemeClr val="accent1">
+                <a:shade val="50000"/>
+              </a:schemeClr>
+            </a:lnRef>
+            <a:fillRef idx="1">
+              <a:schemeClr val="accent1"/>
+            </a:fillRef>
+            <a:effectRef idx="0">
+              <a:schemeClr val="accent1"/>
+            </a:effectRef>
+            <a:fontRef idx="minor">
+              <a:schemeClr val="lt1"/>
+            </a:fontRef>
+          </p:style>
+          <p:txBody>
+            <a:bodyPr rtlCol="0" anchor="ctr"/>
+            <a:lstStyle/>
+            <a:p>
+              <a:pPr algn="ctr" rtl="0"/>
+              <a:endParaRPr lang="nl-NL" dirty="0"/>
+            </a:p>
+          </p:txBody>
+        </p:sp>
+      </p:grpSp>
+      <p:sp>
+        <p:nvSpPr>
+          <p:cNvPr id="15" name="Titel 1">
+            <a:extLst>
+              <a:ext uri="{FF2B5EF4-FFF2-40B4-BE49-F238E27FC236}">
+                <a16:creationId xmlns:a16="http://schemas.microsoft.com/office/drawing/2014/main" id="{FA061601-468D-486D-B8EE-42BD1BE3ADCC}"/>
+              </a:ext>
+            </a:extLst>
+          </p:cNvPr>
+          <p:cNvSpPr>
+            <a:spLocks noGrp="1"/>
+          </p:cNvSpPr>
+          <p:nvPr>
+            <p:ph type="ctrTitle"/>
+          </p:nvPr>
+        </p:nvSpPr>
+        <p:spPr>
+          <a:xfrm>
+            <a:off x="1524000" y="316287"/>
+            <a:ext cx="9144000" cy="1107996"/>
+          </a:xfrm>
+        </p:spPr>
+        <p:txBody>
+          <a:bodyPr lIns="0" tIns="0" rIns="0" bIns="0" rtlCol="0" anchor="ctr">
+            <a:spAutoFit/>
+          </a:bodyPr>
+          <a:lstStyle/>
+          <a:p>
+            <a:pPr algn="ctr" rtl="0"/>
+            <a:r>
+              <a:rPr lang="nl-NL" sz="7200" b="1" dirty="0">
+                <a:solidFill>
+                  <a:schemeClr val="bg1"/>
+                </a:solidFill>
+              </a:rPr>
+              <a:t>The </a:t>
+            </a:r>
+            <a:r>
+              <a:rPr lang="nl-NL" sz="7200" b="1" dirty="0" err="1">
+                <a:solidFill>
+                  <a:schemeClr val="bg1"/>
+                </a:solidFill>
+              </a:rPr>
+              <a:t>ENd</a:t>
+            </a:r>
+            <a:endParaRPr lang="nl-NL" sz="7200" dirty="0">
+              <a:solidFill>
+                <a:schemeClr val="accent4"/>
+              </a:solidFill>
+            </a:endParaRPr>
+          </a:p>
+        </p:txBody>
+      </p:sp>
+    </p:spTree>
+    <p:extLst>
+      <p:ext uri="{BB962C8B-B14F-4D97-AF65-F5344CB8AC3E}">
+        <p14:creationId xmlns:p14="http://schemas.microsoft.com/office/powerpoint/2010/main" val="1923038163"/>
+      </p:ext>
+    </p:extLst>
+  </p:cSld>
+  <p:clrMapOvr>
+    <a:masterClrMapping/>
+  </p:clrMapOvr>
+</p:sld>
+</file>
+
 <file path=ppt/slides/slide3.xml><?xml version="1.0" encoding="utf-8"?>
 <p:sld xmlns:a="http://schemas.openxmlformats.org/drawingml/2006/main" xmlns:r="http://schemas.openxmlformats.org/officeDocument/2006/relationships" xmlns:p="http://schemas.openxmlformats.org/presentationml/2006/main">
   <p:cSld>
@@ -15311,7 +18629,25 @@
                 </a:solidFill>
                 <a:cs typeface="Segoe UI" panose="020B0502040204020203" pitchFamily="34" charset="0"/>
               </a:rPr>
-              <a:t> u </a:t>
+              <a:t> </a:t>
+            </a:r>
+            <a:r>
+              <a:rPr lang="nl-NL" sz="1400" dirty="0" err="1">
+                <a:solidFill>
+                  <a:schemeClr val="bg1"/>
+                </a:solidFill>
+                <a:cs typeface="Segoe UI" panose="020B0502040204020203" pitchFamily="34" charset="0"/>
+              </a:rPr>
+              <a:t>you</a:t>
+            </a:r>
+            <a:r>
+              <a:rPr lang="nl-NL" sz="1400" dirty="0">
+                <a:solidFill>
+                  <a:schemeClr val="bg1"/>
+                </a:solidFill>
+                <a:cs typeface="Segoe UI" panose="020B0502040204020203" pitchFamily="34" charset="0"/>
+              </a:rPr>
+              <a:t> </a:t>
             </a:r>
             <a:r>
               <a:rPr lang="nl-NL" sz="1400" dirty="0" err="1">
@@ -19482,2019 +22818,12 @@
           <a:chExt cx="0" cy="0"/>
         </a:xfrm>
       </p:grpSpPr>
-    </p:spTree>
-    <p:extLst>
-      <p:ext uri="{BB962C8B-B14F-4D97-AF65-F5344CB8AC3E}">
-        <p14:creationId xmlns:p14="http://schemas.microsoft.com/office/powerpoint/2010/main" val="411255977"/>
-      </p:ext>
-    </p:extLst>
-  </p:cSld>
-  <p:clrMapOvr>
-    <a:masterClrMapping/>
-  </p:clrMapOvr>
-</p:sld>
-</file>
-
-<file path=ppt/slides/slide6.xml><?xml version="1.0" encoding="utf-8"?>
-<p:sld xmlns:a="http://schemas.openxmlformats.org/drawingml/2006/main" xmlns:r="http://schemas.openxmlformats.org/officeDocument/2006/relationships" xmlns:p="http://schemas.openxmlformats.org/presentationml/2006/main">
-  <p:cSld>
-    <p:spTree>
-      <p:nvGrpSpPr>
-        <p:cNvPr id="1" name=""/>
-        <p:cNvGrpSpPr/>
-        <p:nvPr/>
-      </p:nvGrpSpPr>
-      <p:grpSpPr>
-        <a:xfrm>
-          <a:off x="0" y="0"/>
-          <a:ext cx="0" cy="0"/>
-          <a:chOff x="0" y="0"/>
-          <a:chExt cx="0" cy="0"/>
-        </a:xfrm>
-      </p:grpSpPr>
-      <p:sp>
-        <p:nvSpPr>
-          <p:cNvPr id="7" name="Titel 6" hidden="1">
-            <a:extLst>
-              <a:ext uri="{FF2B5EF4-FFF2-40B4-BE49-F238E27FC236}">
-                <a16:creationId xmlns:a16="http://schemas.microsoft.com/office/drawing/2014/main" id="{ED2F5393-91A3-4102-A584-E902285C507A}"/>
-              </a:ext>
-            </a:extLst>
-          </p:cNvPr>
-          <p:cNvSpPr>
-            <a:spLocks noGrp="1"/>
-          </p:cNvSpPr>
-          <p:nvPr>
-            <p:ph type="title" idx="4294967295"/>
-          </p:nvPr>
-        </p:nvSpPr>
-        <p:spPr>
-          <a:xfrm>
-            <a:off x="0" y="365125"/>
-            <a:ext cx="10515600" cy="1325563"/>
-          </a:xfrm>
-        </p:spPr>
-        <p:txBody>
-          <a:bodyPr rtlCol="0"/>
-          <a:lstStyle/>
-          <a:p>
-            <a:r>
-              <a:rPr lang="nl-NL" dirty="0"/>
-              <a:t>Projectanalyse, dia 4</a:t>
-            </a:r>
-            <a:endParaRPr lang="nl" dirty="0"/>
-          </a:p>
-        </p:txBody>
-      </p:sp>
-      <p:cxnSp>
-        <p:nvCxnSpPr>
-          <p:cNvPr id="8" name="Rechte verbindingslijn 7">
-            <a:extLst>
-              <a:ext uri="{FF2B5EF4-FFF2-40B4-BE49-F238E27FC236}">
-                <a16:creationId xmlns:a16="http://schemas.microsoft.com/office/drawing/2014/main" id="{D0986099-F5F2-4E8B-BE17-81194861A00C}"/>
-              </a:ext>
-              <a:ext uri="{C183D7F6-B498-43B3-948B-1728B52AA6E4}">
-                <adec:decorative xmlns:adec="http://schemas.microsoft.com/office/drawing/2017/decorative" val="1"/>
-              </a:ext>
-            </a:extLst>
-          </p:cNvPr>
-          <p:cNvCxnSpPr>
-            <a:cxnSpLocks/>
-          </p:cNvCxnSpPr>
-          <p:nvPr/>
-        </p:nvCxnSpPr>
-        <p:spPr>
-          <a:xfrm>
-            <a:off x="8105775" y="522898"/>
-            <a:ext cx="4086225" cy="0"/>
-          </a:xfrm>
-          <a:prstGeom prst="line">
-            <a:avLst/>
-          </a:prstGeom>
-          <a:ln>
-            <a:solidFill>
-              <a:schemeClr val="accent3">
-                <a:lumMod val="50000"/>
-              </a:schemeClr>
-            </a:solidFill>
-            <a:headEnd type="oval"/>
-          </a:ln>
-        </p:spPr>
-        <p:style>
-          <a:lnRef idx="1">
-            <a:schemeClr val="accent1"/>
-          </a:lnRef>
-          <a:fillRef idx="0">
-            <a:schemeClr val="accent1"/>
-          </a:fillRef>
-          <a:effectRef idx="0">
-            <a:schemeClr val="accent1"/>
-          </a:effectRef>
-          <a:fontRef idx="minor">
-            <a:schemeClr val="tx1"/>
-          </a:fontRef>
-        </p:style>
-      </p:cxnSp>
-      <p:sp>
-        <p:nvSpPr>
-          <p:cNvPr id="11" name="Titel 1">
-            <a:extLst>
-              <a:ext uri="{FF2B5EF4-FFF2-40B4-BE49-F238E27FC236}">
-                <a16:creationId xmlns:a16="http://schemas.microsoft.com/office/drawing/2014/main" id="{4E3F5479-058B-4FA8-92E9-18CAB8CDC5C5}"/>
-              </a:ext>
-            </a:extLst>
-          </p:cNvPr>
-          <p:cNvSpPr txBox="1">
-            <a:spLocks/>
-          </p:cNvSpPr>
-          <p:nvPr/>
-        </p:nvSpPr>
-        <p:spPr>
-          <a:xfrm>
-            <a:off x="228600" y="190500"/>
-            <a:ext cx="11734800" cy="775597"/>
-          </a:xfrm>
-          <a:prstGeom prst="rect">
-            <a:avLst/>
-          </a:prstGeom>
-        </p:spPr>
-        <p:txBody>
-          <a:bodyPr vert="horz" wrap="square" lIns="0" tIns="0" rIns="0" bIns="0" rtlCol="0" anchor="t">
-            <a:spAutoFit/>
-          </a:bodyPr>
-          <a:lstStyle>
-            <a:lvl1pPr algn="l" defTabSz="914400" rtl="0" eaLnBrk="1" latinLnBrk="0" hangingPunct="1">
-              <a:lnSpc>
-                <a:spcPct val="90000"/>
-              </a:lnSpc>
-              <a:spcBef>
-                <a:spcPct val="0"/>
-              </a:spcBef>
-              <a:buNone/>
-              <a:defRPr sz="4400" kern="1200">
-                <a:solidFill>
-                  <a:schemeClr val="tx1"/>
-                </a:solidFill>
-                <a:latin typeface="+mj-lt"/>
-                <a:ea typeface="+mj-ea"/>
-                <a:cs typeface="+mj-cs"/>
-              </a:defRPr>
-            </a:lvl1pPr>
-          </a:lstStyle>
-          <a:p>
-            <a:pPr algn="ctr" rtl="0"/>
-            <a:r>
-              <a:rPr lang="nl-NL" sz="2800" b="1" dirty="0">
-                <a:solidFill>
-                  <a:schemeClr val="tx1">
-                    <a:lumMod val="75000"/>
-                    <a:lumOff val="25000"/>
-                  </a:schemeClr>
-                </a:solidFill>
-              </a:rPr>
-              <a:t>Voorbeeld</a:t>
-            </a:r>
-            <a:br>
-              <a:rPr lang="nl-NL" sz="2800" dirty="0">
-                <a:solidFill>
-                  <a:schemeClr val="tx1">
-                    <a:lumMod val="75000"/>
-                    <a:lumOff val="25000"/>
-                  </a:schemeClr>
-                </a:solidFill>
-              </a:rPr>
-            </a:br>
-            <a:endParaRPr lang="nl-NL" sz="2800" dirty="0">
-              <a:solidFill>
-                <a:schemeClr val="tx1">
-                  <a:lumMod val="75000"/>
-                  <a:lumOff val="25000"/>
-                </a:schemeClr>
-              </a:solidFill>
-            </a:endParaRPr>
-          </a:p>
-        </p:txBody>
-      </p:sp>
-      <p:cxnSp>
-        <p:nvCxnSpPr>
-          <p:cNvPr id="14" name="Rechte verbindingslijn 13">
-            <a:extLst>
-              <a:ext uri="{FF2B5EF4-FFF2-40B4-BE49-F238E27FC236}">
-                <a16:creationId xmlns:a16="http://schemas.microsoft.com/office/drawing/2014/main" id="{83E690F4-843A-47A5-8620-4FB01C0D8E68}"/>
-              </a:ext>
-              <a:ext uri="{C183D7F6-B498-43B3-948B-1728B52AA6E4}">
-                <adec:decorative xmlns:adec="http://schemas.microsoft.com/office/drawing/2017/decorative" val="1"/>
-              </a:ext>
-            </a:extLst>
-          </p:cNvPr>
-          <p:cNvCxnSpPr>
-            <a:cxnSpLocks/>
-          </p:cNvCxnSpPr>
-          <p:nvPr/>
-        </p:nvCxnSpPr>
-        <p:spPr>
-          <a:xfrm>
-            <a:off x="0" y="522898"/>
-            <a:ext cx="4086225" cy="0"/>
-          </a:xfrm>
-          <a:prstGeom prst="line">
-            <a:avLst/>
-          </a:prstGeom>
-          <a:ln>
-            <a:solidFill>
-              <a:schemeClr val="accent3">
-                <a:lumMod val="50000"/>
-              </a:schemeClr>
-            </a:solidFill>
-            <a:tailEnd type="oval"/>
-          </a:ln>
-        </p:spPr>
-        <p:style>
-          <a:lnRef idx="1">
-            <a:schemeClr val="accent1"/>
-          </a:lnRef>
-          <a:fillRef idx="0">
-            <a:schemeClr val="accent1"/>
-          </a:fillRef>
-          <a:effectRef idx="0">
-            <a:schemeClr val="accent1"/>
-          </a:effectRef>
-          <a:fontRef idx="minor">
-            <a:schemeClr val="tx1"/>
-          </a:fontRef>
-        </p:style>
-      </p:cxnSp>
-      <p:sp>
-        <p:nvSpPr>
-          <p:cNvPr id="3" name="Ovaal 2">
-            <a:extLst>
-              <a:ext uri="{FF2B5EF4-FFF2-40B4-BE49-F238E27FC236}">
-                <a16:creationId xmlns:a16="http://schemas.microsoft.com/office/drawing/2014/main" id="{9F23A462-D581-4451-A275-D8FA412E142C}"/>
-              </a:ext>
-              <a:ext uri="{C183D7F6-B498-43B3-948B-1728B52AA6E4}">
-                <adec:decorative xmlns:adec="http://schemas.microsoft.com/office/drawing/2017/decorative" val="1"/>
-              </a:ext>
-            </a:extLst>
-          </p:cNvPr>
-          <p:cNvSpPr/>
-          <p:nvPr/>
-        </p:nvSpPr>
-        <p:spPr>
-          <a:xfrm>
-            <a:off x="1723232" y="1786303"/>
-            <a:ext cx="1587500" cy="1587500"/>
-          </a:xfrm>
-          <a:prstGeom prst="ellipse">
-            <a:avLst/>
-          </a:prstGeom>
-          <a:solidFill>
-            <a:schemeClr val="bg2">
-              <a:lumMod val="60000"/>
-              <a:lumOff val="40000"/>
-            </a:schemeClr>
-          </a:solidFill>
-          <a:ln>
-            <a:noFill/>
-          </a:ln>
-        </p:spPr>
-        <p:style>
-          <a:lnRef idx="2">
-            <a:schemeClr val="accent1">
-              <a:shade val="50000"/>
-            </a:schemeClr>
-          </a:lnRef>
-          <a:fillRef idx="1">
-            <a:schemeClr val="accent1"/>
-          </a:fillRef>
-          <a:effectRef idx="0">
-            <a:schemeClr val="accent1"/>
-          </a:effectRef>
-          <a:fontRef idx="minor">
-            <a:schemeClr val="lt1"/>
-          </a:fontRef>
-        </p:style>
-        <p:txBody>
-          <a:bodyPr rtlCol="0" anchor="ctr"/>
-          <a:lstStyle/>
-          <a:p>
-            <a:pPr algn="ctr" rtl="0"/>
-            <a:endParaRPr lang="nl-NL" sz="1400" dirty="0"/>
-          </a:p>
-        </p:txBody>
-      </p:sp>
-      <p:sp>
-        <p:nvSpPr>
-          <p:cNvPr id="41" name="Ovaal 40">
-            <a:extLst>
-              <a:ext uri="{FF2B5EF4-FFF2-40B4-BE49-F238E27FC236}">
-                <a16:creationId xmlns:a16="http://schemas.microsoft.com/office/drawing/2014/main" id="{3FAD125B-9A3B-49A4-B9EC-C8A6D3CF9CBF}"/>
-              </a:ext>
-              <a:ext uri="{C183D7F6-B498-43B3-948B-1728B52AA6E4}">
-                <adec:decorative xmlns:adec="http://schemas.microsoft.com/office/drawing/2017/decorative" val="1"/>
-              </a:ext>
-            </a:extLst>
-          </p:cNvPr>
-          <p:cNvSpPr/>
-          <p:nvPr/>
-        </p:nvSpPr>
-        <p:spPr>
-          <a:xfrm>
-            <a:off x="1723232" y="4071326"/>
-            <a:ext cx="1587500" cy="1587500"/>
-          </a:xfrm>
-          <a:prstGeom prst="ellipse">
-            <a:avLst/>
-          </a:prstGeom>
-          <a:solidFill>
-            <a:srgbClr val="0070C0"/>
-          </a:solidFill>
-          <a:ln>
-            <a:noFill/>
-          </a:ln>
-        </p:spPr>
-        <p:style>
-          <a:lnRef idx="2">
-            <a:schemeClr val="accent1">
-              <a:shade val="50000"/>
-            </a:schemeClr>
-          </a:lnRef>
-          <a:fillRef idx="1">
-            <a:schemeClr val="accent1"/>
-          </a:fillRef>
-          <a:effectRef idx="0">
-            <a:schemeClr val="accent1"/>
-          </a:effectRef>
-          <a:fontRef idx="minor">
-            <a:schemeClr val="lt1"/>
-          </a:fontRef>
-        </p:style>
-        <p:txBody>
-          <a:bodyPr rtlCol="0" anchor="ctr"/>
-          <a:lstStyle/>
-          <a:p>
-            <a:pPr algn="ctr" rtl="0"/>
-            <a:endParaRPr lang="nl-NL" dirty="0"/>
-          </a:p>
-        </p:txBody>
-      </p:sp>
-      <p:sp>
-        <p:nvSpPr>
-          <p:cNvPr id="73" name="Ovaal 72">
-            <a:extLst>
-              <a:ext uri="{FF2B5EF4-FFF2-40B4-BE49-F238E27FC236}">
-                <a16:creationId xmlns:a16="http://schemas.microsoft.com/office/drawing/2014/main" id="{40123448-0B37-4226-B26C-A3081E6142FF}"/>
-              </a:ext>
-              <a:ext uri="{C183D7F6-B498-43B3-948B-1728B52AA6E4}">
-                <adec:decorative xmlns:adec="http://schemas.microsoft.com/office/drawing/2017/decorative" val="1"/>
-              </a:ext>
-            </a:extLst>
-          </p:cNvPr>
-          <p:cNvSpPr/>
-          <p:nvPr/>
-        </p:nvSpPr>
-        <p:spPr>
-          <a:xfrm>
-            <a:off x="5153192" y="2928814"/>
-            <a:ext cx="1587500" cy="1587500"/>
-          </a:xfrm>
-          <a:prstGeom prst="ellipse">
-            <a:avLst/>
-          </a:prstGeom>
-          <a:solidFill>
-            <a:srgbClr val="FFC000"/>
-          </a:solidFill>
-          <a:ln>
-            <a:noFill/>
-          </a:ln>
-        </p:spPr>
-        <p:style>
-          <a:lnRef idx="2">
-            <a:schemeClr val="accent1">
-              <a:shade val="50000"/>
-            </a:schemeClr>
-          </a:lnRef>
-          <a:fillRef idx="1">
-            <a:schemeClr val="accent1"/>
-          </a:fillRef>
-          <a:effectRef idx="0">
-            <a:schemeClr val="accent1"/>
-          </a:effectRef>
-          <a:fontRef idx="minor">
-            <a:schemeClr val="lt1"/>
-          </a:fontRef>
-        </p:style>
-        <p:txBody>
-          <a:bodyPr rtlCol="0" anchor="ctr"/>
-          <a:lstStyle/>
-          <a:p>
-            <a:pPr algn="ctr" rtl="0"/>
-            <a:endParaRPr lang="nl-NL" dirty="0"/>
-          </a:p>
-        </p:txBody>
-      </p:sp>
-      <p:sp>
-        <p:nvSpPr>
-          <p:cNvPr id="75" name="Ovaal 74">
-            <a:extLst>
-              <a:ext uri="{FF2B5EF4-FFF2-40B4-BE49-F238E27FC236}">
-                <a16:creationId xmlns:a16="http://schemas.microsoft.com/office/drawing/2014/main" id="{355211EE-8286-42CD-A4AF-EDD1186B28A3}"/>
-              </a:ext>
-              <a:ext uri="{C183D7F6-B498-43B3-948B-1728B52AA6E4}">
-                <adec:decorative xmlns:adec="http://schemas.microsoft.com/office/drawing/2017/decorative" val="1"/>
-              </a:ext>
-            </a:extLst>
-          </p:cNvPr>
-          <p:cNvSpPr/>
-          <p:nvPr/>
-        </p:nvSpPr>
-        <p:spPr>
-          <a:xfrm>
-            <a:off x="8881268" y="2928814"/>
-            <a:ext cx="1587500" cy="1587500"/>
-          </a:xfrm>
-          <a:prstGeom prst="ellipse">
-            <a:avLst/>
-          </a:prstGeom>
-          <a:solidFill>
-            <a:schemeClr val="bg2">
-              <a:lumMod val="40000"/>
-              <a:lumOff val="60000"/>
-            </a:schemeClr>
-          </a:solidFill>
-          <a:ln>
-            <a:noFill/>
-          </a:ln>
-        </p:spPr>
-        <p:style>
-          <a:lnRef idx="2">
-            <a:schemeClr val="accent1">
-              <a:shade val="50000"/>
-            </a:schemeClr>
-          </a:lnRef>
-          <a:fillRef idx="1">
-            <a:schemeClr val="accent1"/>
-          </a:fillRef>
-          <a:effectRef idx="0">
-            <a:schemeClr val="accent1"/>
-          </a:effectRef>
-          <a:fontRef idx="minor">
-            <a:schemeClr val="lt1"/>
-          </a:fontRef>
-        </p:style>
-        <p:txBody>
-          <a:bodyPr rtlCol="0" anchor="ctr"/>
-          <a:lstStyle/>
-          <a:p>
-            <a:pPr algn="ctr" rtl="0"/>
-            <a:endParaRPr lang="nl-NL" dirty="0"/>
-          </a:p>
-        </p:txBody>
-      </p:sp>
-      <p:sp>
-        <p:nvSpPr>
-          <p:cNvPr id="76" name="Ovaal 75">
-            <a:extLst>
-              <a:ext uri="{FF2B5EF4-FFF2-40B4-BE49-F238E27FC236}">
-                <a16:creationId xmlns:a16="http://schemas.microsoft.com/office/drawing/2014/main" id="{D3287700-63E7-4098-B825-B123C11134C1}"/>
-              </a:ext>
-              <a:ext uri="{C183D7F6-B498-43B3-948B-1728B52AA6E4}">
-                <adec:decorative xmlns:adec="http://schemas.microsoft.com/office/drawing/2017/decorative" val="1"/>
-              </a:ext>
-            </a:extLst>
-          </p:cNvPr>
-          <p:cNvSpPr/>
-          <p:nvPr/>
-        </p:nvSpPr>
-        <p:spPr>
-          <a:xfrm>
-            <a:off x="8881268" y="1107833"/>
-            <a:ext cx="1587500" cy="1587500"/>
-          </a:xfrm>
-          <a:prstGeom prst="ellipse">
-            <a:avLst/>
-          </a:prstGeom>
-          <a:solidFill>
-            <a:schemeClr val="bg2">
-              <a:lumMod val="40000"/>
-              <a:lumOff val="60000"/>
-            </a:schemeClr>
-          </a:solidFill>
-          <a:ln>
-            <a:noFill/>
-          </a:ln>
-        </p:spPr>
-        <p:style>
-          <a:lnRef idx="2">
-            <a:schemeClr val="accent1">
-              <a:shade val="50000"/>
-            </a:schemeClr>
-          </a:lnRef>
-          <a:fillRef idx="1">
-            <a:schemeClr val="accent1"/>
-          </a:fillRef>
-          <a:effectRef idx="0">
-            <a:schemeClr val="accent1"/>
-          </a:effectRef>
-          <a:fontRef idx="minor">
-            <a:schemeClr val="lt1"/>
-          </a:fontRef>
-        </p:style>
-        <p:txBody>
-          <a:bodyPr rtlCol="0" anchor="ctr"/>
-          <a:lstStyle/>
-          <a:p>
-            <a:pPr algn="ctr" rtl="0"/>
-            <a:endParaRPr lang="nl-NL" dirty="0"/>
-          </a:p>
-        </p:txBody>
-      </p:sp>
-      <p:sp>
-        <p:nvSpPr>
-          <p:cNvPr id="77" name="Ovaal 76">
-            <a:extLst>
-              <a:ext uri="{FF2B5EF4-FFF2-40B4-BE49-F238E27FC236}">
-                <a16:creationId xmlns:a16="http://schemas.microsoft.com/office/drawing/2014/main" id="{69943F00-C6CB-4F10-A02B-801F37984D43}"/>
-              </a:ext>
-              <a:ext uri="{C183D7F6-B498-43B3-948B-1728B52AA6E4}">
-                <adec:decorative xmlns:adec="http://schemas.microsoft.com/office/drawing/2017/decorative" val="1"/>
-              </a:ext>
-            </a:extLst>
-          </p:cNvPr>
-          <p:cNvSpPr/>
-          <p:nvPr/>
-        </p:nvSpPr>
-        <p:spPr>
-          <a:xfrm>
-            <a:off x="8881268" y="4749795"/>
-            <a:ext cx="1587500" cy="1587500"/>
-          </a:xfrm>
-          <a:prstGeom prst="ellipse">
-            <a:avLst/>
-          </a:prstGeom>
-          <a:solidFill>
-            <a:schemeClr val="bg2">
-              <a:lumMod val="40000"/>
-              <a:lumOff val="60000"/>
-            </a:schemeClr>
-          </a:solidFill>
-          <a:ln>
-            <a:noFill/>
-          </a:ln>
-        </p:spPr>
-        <p:style>
-          <a:lnRef idx="2">
-            <a:schemeClr val="accent1">
-              <a:shade val="50000"/>
-            </a:schemeClr>
-          </a:lnRef>
-          <a:fillRef idx="1">
-            <a:schemeClr val="accent1"/>
-          </a:fillRef>
-          <a:effectRef idx="0">
-            <a:schemeClr val="accent1"/>
-          </a:effectRef>
-          <a:fontRef idx="minor">
-            <a:schemeClr val="lt1"/>
-          </a:fontRef>
-        </p:style>
-        <p:txBody>
-          <a:bodyPr rtlCol="0" anchor="ctr"/>
-          <a:lstStyle/>
-          <a:p>
-            <a:pPr algn="ctr" rtl="0"/>
-            <a:endParaRPr lang="nl-NL" dirty="0"/>
-          </a:p>
-        </p:txBody>
-      </p:sp>
-      <p:cxnSp>
-        <p:nvCxnSpPr>
-          <p:cNvPr id="10" name="Verbindingslijn: Hoek 9">
-            <a:extLst>
-              <a:ext uri="{FF2B5EF4-FFF2-40B4-BE49-F238E27FC236}">
-                <a16:creationId xmlns:a16="http://schemas.microsoft.com/office/drawing/2014/main" id="{78C71AAC-D0D2-4BBF-B302-54163A284EC6}"/>
-              </a:ext>
-              <a:ext uri="{C183D7F6-B498-43B3-948B-1728B52AA6E4}">
-                <adec:decorative xmlns:adec="http://schemas.microsoft.com/office/drawing/2017/decorative" val="1"/>
-              </a:ext>
-            </a:extLst>
-          </p:cNvPr>
-          <p:cNvCxnSpPr>
-            <a:stCxn id="3" idx="6"/>
-            <a:endCxn id="41" idx="6"/>
-          </p:cNvCxnSpPr>
-          <p:nvPr/>
-        </p:nvCxnSpPr>
-        <p:spPr>
-          <a:xfrm>
-            <a:off x="3310732" y="2580053"/>
-            <a:ext cx="12700" cy="2285023"/>
-          </a:xfrm>
-          <a:prstGeom prst="bentConnector3">
-            <a:avLst>
-              <a:gd name="adj1" fmla="val 1800000"/>
-            </a:avLst>
-          </a:prstGeom>
-          <a:ln w="22225">
-            <a:solidFill>
-              <a:schemeClr val="tx2"/>
-            </a:solidFill>
-          </a:ln>
-        </p:spPr>
-        <p:style>
-          <a:lnRef idx="1">
-            <a:schemeClr val="accent1"/>
-          </a:lnRef>
-          <a:fillRef idx="0">
-            <a:schemeClr val="accent1"/>
-          </a:fillRef>
-          <a:effectRef idx="0">
-            <a:schemeClr val="accent1"/>
-          </a:effectRef>
-          <a:fontRef idx="minor">
-            <a:schemeClr val="tx1"/>
-          </a:fontRef>
-        </p:style>
-      </p:cxnSp>
-      <p:cxnSp>
-        <p:nvCxnSpPr>
-          <p:cNvPr id="13" name="Rechte verbindingslijn met pijl 12">
-            <a:extLst>
-              <a:ext uri="{FF2B5EF4-FFF2-40B4-BE49-F238E27FC236}">
-                <a16:creationId xmlns:a16="http://schemas.microsoft.com/office/drawing/2014/main" id="{331AB5AC-284A-472B-B8E5-2F198F4E96D7}"/>
-              </a:ext>
-              <a:ext uri="{C183D7F6-B498-43B3-948B-1728B52AA6E4}">
-                <adec:decorative xmlns:adec="http://schemas.microsoft.com/office/drawing/2017/decorative" val="1"/>
-              </a:ext>
-            </a:extLst>
-          </p:cNvPr>
-          <p:cNvCxnSpPr>
-            <a:cxnSpLocks/>
-            <a:endCxn id="73" idx="2"/>
-          </p:cNvCxnSpPr>
-          <p:nvPr/>
-        </p:nvCxnSpPr>
-        <p:spPr>
-          <a:xfrm>
-            <a:off x="3545305" y="3722564"/>
-            <a:ext cx="1607887" cy="0"/>
-          </a:xfrm>
-          <a:prstGeom prst="straightConnector1">
-            <a:avLst/>
-          </a:prstGeom>
-          <a:ln w="22225">
-            <a:solidFill>
-              <a:schemeClr val="tx2"/>
-            </a:solidFill>
-            <a:tailEnd type="arrow"/>
-          </a:ln>
-        </p:spPr>
-        <p:style>
-          <a:lnRef idx="1">
-            <a:schemeClr val="accent1"/>
-          </a:lnRef>
-          <a:fillRef idx="0">
-            <a:schemeClr val="accent1"/>
-          </a:fillRef>
-          <a:effectRef idx="0">
-            <a:schemeClr val="accent1"/>
-          </a:effectRef>
-          <a:fontRef idx="minor">
-            <a:schemeClr val="tx1"/>
-          </a:fontRef>
-        </p:style>
-      </p:cxnSp>
-      <p:cxnSp>
-        <p:nvCxnSpPr>
-          <p:cNvPr id="79" name="Rechte verbindingslijn met pijl 78">
-            <a:extLst>
-              <a:ext uri="{FF2B5EF4-FFF2-40B4-BE49-F238E27FC236}">
-                <a16:creationId xmlns:a16="http://schemas.microsoft.com/office/drawing/2014/main" id="{61AAA85B-D8C7-43BE-844A-625265015123}"/>
-              </a:ext>
-              <a:ext uri="{C183D7F6-B498-43B3-948B-1728B52AA6E4}">
-                <adec:decorative xmlns:adec="http://schemas.microsoft.com/office/drawing/2017/decorative" val="1"/>
-              </a:ext>
-            </a:extLst>
-          </p:cNvPr>
-          <p:cNvCxnSpPr>
-            <a:cxnSpLocks/>
-            <a:stCxn id="73" idx="6"/>
-            <a:endCxn id="75" idx="2"/>
-          </p:cNvCxnSpPr>
-          <p:nvPr/>
-        </p:nvCxnSpPr>
-        <p:spPr>
-          <a:xfrm>
-            <a:off x="6740692" y="3722564"/>
-            <a:ext cx="2140576" cy="0"/>
-          </a:xfrm>
-          <a:prstGeom prst="straightConnector1">
-            <a:avLst/>
-          </a:prstGeom>
-          <a:ln w="22225">
-            <a:solidFill>
-              <a:schemeClr val="tx2"/>
-            </a:solidFill>
-            <a:tailEnd type="arrow"/>
-          </a:ln>
-        </p:spPr>
-        <p:style>
-          <a:lnRef idx="1">
-            <a:schemeClr val="accent1"/>
-          </a:lnRef>
-          <a:fillRef idx="0">
-            <a:schemeClr val="accent1"/>
-          </a:fillRef>
-          <a:effectRef idx="0">
-            <a:schemeClr val="accent1"/>
-          </a:effectRef>
-          <a:fontRef idx="minor">
-            <a:schemeClr val="tx1"/>
-          </a:fontRef>
-        </p:style>
-      </p:cxnSp>
-      <p:cxnSp>
-        <p:nvCxnSpPr>
-          <p:cNvPr id="21" name="Verbindingslijn: Hoek 20">
-            <a:extLst>
-              <a:ext uri="{FF2B5EF4-FFF2-40B4-BE49-F238E27FC236}">
-                <a16:creationId xmlns:a16="http://schemas.microsoft.com/office/drawing/2014/main" id="{4741AA56-D9ED-492E-8385-5CB8274B1286}"/>
-              </a:ext>
-              <a:ext uri="{C183D7F6-B498-43B3-948B-1728B52AA6E4}">
-                <adec:decorative xmlns:adec="http://schemas.microsoft.com/office/drawing/2017/decorative" val="1"/>
-              </a:ext>
-            </a:extLst>
-          </p:cNvPr>
-          <p:cNvCxnSpPr>
-            <a:stCxn id="76" idx="2"/>
-            <a:endCxn id="77" idx="2"/>
-          </p:cNvCxnSpPr>
-          <p:nvPr/>
-        </p:nvCxnSpPr>
-        <p:spPr>
-          <a:xfrm rot="10800000" flipV="1">
-            <a:off x="8881268" y="1901583"/>
-            <a:ext cx="12700" cy="3641962"/>
-          </a:xfrm>
-          <a:prstGeom prst="bentConnector3">
-            <a:avLst>
-              <a:gd name="adj1" fmla="val 1800000"/>
-            </a:avLst>
-          </a:prstGeom>
-          <a:ln w="22225">
-            <a:solidFill>
-              <a:schemeClr val="tx2"/>
-            </a:solidFill>
-            <a:headEnd type="arrow"/>
-            <a:tailEnd type="arrow"/>
-          </a:ln>
-        </p:spPr>
-        <p:style>
-          <a:lnRef idx="1">
-            <a:schemeClr val="accent1"/>
-          </a:lnRef>
-          <a:fillRef idx="0">
-            <a:schemeClr val="accent1"/>
-          </a:fillRef>
-          <a:effectRef idx="0">
-            <a:schemeClr val="accent1"/>
-          </a:effectRef>
-          <a:fontRef idx="minor">
-            <a:schemeClr val="tx1"/>
-          </a:fontRef>
-        </p:style>
-      </p:cxnSp>
-      <p:sp>
-        <p:nvSpPr>
-          <p:cNvPr id="80" name="Rechthoek 79">
-            <a:extLst>
-              <a:ext uri="{FF2B5EF4-FFF2-40B4-BE49-F238E27FC236}">
-                <a16:creationId xmlns:a16="http://schemas.microsoft.com/office/drawing/2014/main" id="{6BEBF752-C33D-4EC4-8210-F7B1D3A10097}"/>
-              </a:ext>
-            </a:extLst>
-          </p:cNvPr>
-          <p:cNvSpPr/>
-          <p:nvPr/>
-        </p:nvSpPr>
-        <p:spPr>
-          <a:xfrm>
-            <a:off x="1831182" y="2456943"/>
-            <a:ext cx="1371600" cy="246221"/>
-          </a:xfrm>
-          <a:prstGeom prst="rect">
-            <a:avLst/>
-          </a:prstGeom>
-        </p:spPr>
-        <p:txBody>
-          <a:bodyPr wrap="square" lIns="0" tIns="0" rIns="0" bIns="0" rtlCol="0" anchor="ctr">
-            <a:spAutoFit/>
-          </a:bodyPr>
-          <a:lstStyle/>
-          <a:p>
-            <a:pPr algn="ctr" rtl="0"/>
-            <a:r>
-              <a:rPr lang="nl-NL" sz="1600" dirty="0">
-                <a:solidFill>
-                  <a:schemeClr val="bg1"/>
-                </a:solidFill>
-              </a:rPr>
-              <a:t>Input/Trigger</a:t>
-            </a:r>
-          </a:p>
-        </p:txBody>
-      </p:sp>
-      <p:sp>
-        <p:nvSpPr>
-          <p:cNvPr id="81" name="Rechthoek 80">
-            <a:extLst>
-              <a:ext uri="{FF2B5EF4-FFF2-40B4-BE49-F238E27FC236}">
-                <a16:creationId xmlns:a16="http://schemas.microsoft.com/office/drawing/2014/main" id="{D4EC02E4-F054-4111-9038-AE0BDA4C8060}"/>
-              </a:ext>
-            </a:extLst>
-          </p:cNvPr>
-          <p:cNvSpPr/>
-          <p:nvPr/>
-        </p:nvSpPr>
-        <p:spPr>
-          <a:xfrm>
-            <a:off x="1831182" y="4741965"/>
-            <a:ext cx="1371600" cy="246221"/>
-          </a:xfrm>
-          <a:prstGeom prst="rect">
-            <a:avLst/>
-          </a:prstGeom>
-        </p:spPr>
-        <p:txBody>
-          <a:bodyPr wrap="square" lIns="0" tIns="0" rIns="0" bIns="0" rtlCol="0" anchor="ctr">
-            <a:spAutoFit/>
-          </a:bodyPr>
-          <a:lstStyle/>
-          <a:p>
-            <a:pPr algn="ctr" rtl="0"/>
-            <a:r>
-              <a:rPr lang="nl-NL" sz="1600" dirty="0">
-                <a:solidFill>
-                  <a:schemeClr val="bg1"/>
-                </a:solidFill>
-              </a:rPr>
-              <a:t>Input/Trigger</a:t>
-            </a:r>
-          </a:p>
-        </p:txBody>
-      </p:sp>
-      <p:sp>
-        <p:nvSpPr>
-          <p:cNvPr id="83" name="Rechthoek 82">
-            <a:extLst>
-              <a:ext uri="{FF2B5EF4-FFF2-40B4-BE49-F238E27FC236}">
-                <a16:creationId xmlns:a16="http://schemas.microsoft.com/office/drawing/2014/main" id="{9F6EE26A-3174-49AD-900E-08C045755F3C}"/>
-              </a:ext>
-            </a:extLst>
-          </p:cNvPr>
-          <p:cNvSpPr/>
-          <p:nvPr/>
-        </p:nvSpPr>
-        <p:spPr>
-          <a:xfrm>
-            <a:off x="5248442" y="3599454"/>
-            <a:ext cx="1371600" cy="246221"/>
-          </a:xfrm>
-          <a:prstGeom prst="rect">
-            <a:avLst/>
-          </a:prstGeom>
-        </p:spPr>
-        <p:txBody>
-          <a:bodyPr wrap="square" lIns="0" tIns="0" rIns="0" bIns="0" rtlCol="0" anchor="ctr">
-            <a:spAutoFit/>
-          </a:bodyPr>
-          <a:lstStyle/>
-          <a:p>
-            <a:pPr algn="ctr" rtl="0"/>
-            <a:r>
-              <a:rPr lang="nl-NL" sz="1600" dirty="0" err="1">
-                <a:solidFill>
-                  <a:schemeClr val="bg1"/>
-                </a:solidFill>
-              </a:rPr>
-              <a:t>Function</a:t>
-            </a:r>
-            <a:r>
-              <a:rPr lang="nl-NL" sz="1600" dirty="0">
-                <a:solidFill>
-                  <a:schemeClr val="bg1"/>
-                </a:solidFill>
-              </a:rPr>
-              <a:t> app</a:t>
-            </a:r>
-          </a:p>
-        </p:txBody>
-      </p:sp>
-      <p:sp>
-        <p:nvSpPr>
-          <p:cNvPr id="84" name="Rechthoek 83">
-            <a:extLst>
-              <a:ext uri="{FF2B5EF4-FFF2-40B4-BE49-F238E27FC236}">
-                <a16:creationId xmlns:a16="http://schemas.microsoft.com/office/drawing/2014/main" id="{3B69453F-B845-4467-8C29-7A6677641EC0}"/>
-              </a:ext>
-            </a:extLst>
-          </p:cNvPr>
-          <p:cNvSpPr/>
-          <p:nvPr/>
-        </p:nvSpPr>
-        <p:spPr>
-          <a:xfrm>
-            <a:off x="8989218" y="3599454"/>
-            <a:ext cx="1371600" cy="246221"/>
-          </a:xfrm>
-          <a:prstGeom prst="rect">
-            <a:avLst/>
-          </a:prstGeom>
-        </p:spPr>
-        <p:txBody>
-          <a:bodyPr wrap="square" lIns="0" tIns="0" rIns="0" bIns="0" rtlCol="0" anchor="ctr">
-            <a:spAutoFit/>
-          </a:bodyPr>
-          <a:lstStyle/>
-          <a:p>
-            <a:pPr algn="ctr" rtl="0"/>
-            <a:r>
-              <a:rPr lang="nl-NL" sz="1600" dirty="0" err="1">
-                <a:solidFill>
-                  <a:schemeClr val="bg1"/>
-                </a:solidFill>
-              </a:rPr>
-              <a:t>Azure</a:t>
-            </a:r>
-            <a:r>
-              <a:rPr lang="nl-NL" sz="1600" dirty="0">
-                <a:solidFill>
-                  <a:schemeClr val="bg1"/>
-                </a:solidFill>
-              </a:rPr>
-              <a:t> service</a:t>
-            </a:r>
-          </a:p>
-        </p:txBody>
-      </p:sp>
-      <p:sp>
-        <p:nvSpPr>
-          <p:cNvPr id="85" name="Rechthoek 84">
-            <a:extLst>
-              <a:ext uri="{FF2B5EF4-FFF2-40B4-BE49-F238E27FC236}">
-                <a16:creationId xmlns:a16="http://schemas.microsoft.com/office/drawing/2014/main" id="{C7CFAFBF-6B2A-49A8-ADCE-FD94A08C87B3}"/>
-              </a:ext>
-            </a:extLst>
-          </p:cNvPr>
-          <p:cNvSpPr/>
-          <p:nvPr/>
-        </p:nvSpPr>
-        <p:spPr>
-          <a:xfrm>
-            <a:off x="8989218" y="1778472"/>
-            <a:ext cx="1371600" cy="246221"/>
-          </a:xfrm>
-          <a:prstGeom prst="rect">
-            <a:avLst/>
-          </a:prstGeom>
-        </p:spPr>
-        <p:txBody>
-          <a:bodyPr wrap="square" lIns="0" tIns="0" rIns="0" bIns="0" rtlCol="0" anchor="ctr">
-            <a:spAutoFit/>
-          </a:bodyPr>
-          <a:lstStyle/>
-          <a:p>
-            <a:pPr algn="ctr" rtl="0"/>
-            <a:r>
-              <a:rPr lang="nl-NL" sz="1600" dirty="0" err="1">
-                <a:solidFill>
-                  <a:schemeClr val="bg1"/>
-                </a:solidFill>
-              </a:rPr>
-              <a:t>Azure</a:t>
-            </a:r>
-            <a:r>
-              <a:rPr lang="nl-NL" sz="1600" dirty="0">
-                <a:solidFill>
-                  <a:schemeClr val="bg1"/>
-                </a:solidFill>
-              </a:rPr>
-              <a:t> service</a:t>
-            </a:r>
-          </a:p>
-        </p:txBody>
-      </p:sp>
-      <p:sp>
-        <p:nvSpPr>
-          <p:cNvPr id="86" name="Rechthoek 85">
-            <a:extLst>
-              <a:ext uri="{FF2B5EF4-FFF2-40B4-BE49-F238E27FC236}">
-                <a16:creationId xmlns:a16="http://schemas.microsoft.com/office/drawing/2014/main" id="{6B499F5E-706B-4272-818B-C87149038662}"/>
-              </a:ext>
-            </a:extLst>
-          </p:cNvPr>
-          <p:cNvSpPr/>
-          <p:nvPr/>
-        </p:nvSpPr>
-        <p:spPr>
-          <a:xfrm>
-            <a:off x="8989218" y="5420435"/>
-            <a:ext cx="1371600" cy="246221"/>
-          </a:xfrm>
-          <a:prstGeom prst="rect">
-            <a:avLst/>
-          </a:prstGeom>
-        </p:spPr>
-        <p:txBody>
-          <a:bodyPr wrap="square" lIns="0" tIns="0" rIns="0" bIns="0" rtlCol="0" anchor="ctr">
-            <a:spAutoFit/>
-          </a:bodyPr>
-          <a:lstStyle/>
-          <a:p>
-            <a:pPr algn="ctr" rtl="0"/>
-            <a:r>
-              <a:rPr lang="nl-NL" sz="1600" dirty="0" err="1">
-                <a:solidFill>
-                  <a:schemeClr val="bg1"/>
-                </a:solidFill>
-              </a:rPr>
-              <a:t>Azure</a:t>
-            </a:r>
-            <a:r>
-              <a:rPr lang="nl-NL" sz="1600" dirty="0">
-                <a:solidFill>
-                  <a:schemeClr val="bg1"/>
-                </a:solidFill>
-              </a:rPr>
-              <a:t> service</a:t>
-            </a:r>
-          </a:p>
-        </p:txBody>
-      </p:sp>
-      <p:sp>
-        <p:nvSpPr>
-          <p:cNvPr id="90" name="Rechthoek 89">
-            <a:extLst>
-              <a:ext uri="{FF2B5EF4-FFF2-40B4-BE49-F238E27FC236}">
-                <a16:creationId xmlns:a16="http://schemas.microsoft.com/office/drawing/2014/main" id="{79B46693-ED1F-429F-9B11-2794939E3B99}"/>
-              </a:ext>
-            </a:extLst>
-          </p:cNvPr>
-          <p:cNvSpPr/>
-          <p:nvPr/>
-        </p:nvSpPr>
-        <p:spPr>
-          <a:xfrm>
-            <a:off x="5248442" y="4607977"/>
-            <a:ext cx="1348582" cy="487313"/>
-          </a:xfrm>
-          <a:prstGeom prst="rect">
-            <a:avLst/>
-          </a:prstGeom>
-        </p:spPr>
-        <p:txBody>
-          <a:bodyPr wrap="square" lIns="0" tIns="0" rIns="0" bIns="0" rtlCol="0" anchor="ctr">
-            <a:spAutoFit/>
-          </a:bodyPr>
-          <a:lstStyle/>
-          <a:p>
-            <a:pPr algn="ctr" rtl="0">
-              <a:lnSpc>
-                <a:spcPts val="1900"/>
-              </a:lnSpc>
-            </a:pPr>
-            <a:r>
-              <a:rPr lang="nl-NL" sz="1400" dirty="0" err="1">
-                <a:solidFill>
-                  <a:schemeClr val="tx1">
-                    <a:lumMod val="75000"/>
-                    <a:lumOff val="25000"/>
-                  </a:schemeClr>
-                </a:solidFill>
-                <a:cs typeface="Segoe UI" panose="020B0502040204020203" pitchFamily="34" charset="0"/>
-              </a:rPr>
-              <a:t>Lorem</a:t>
-            </a:r>
-            <a:r>
-              <a:rPr lang="nl-NL" sz="1400" dirty="0">
-                <a:solidFill>
-                  <a:schemeClr val="tx1">
-                    <a:lumMod val="75000"/>
-                    <a:lumOff val="25000"/>
-                  </a:schemeClr>
-                </a:solidFill>
-                <a:cs typeface="Segoe UI" panose="020B0502040204020203" pitchFamily="34" charset="0"/>
-              </a:rPr>
-              <a:t> </a:t>
-            </a:r>
-            <a:r>
-              <a:rPr lang="nl-NL" sz="1400" dirty="0" err="1">
-                <a:solidFill>
-                  <a:schemeClr val="tx1">
-                    <a:lumMod val="75000"/>
-                    <a:lumOff val="25000"/>
-                  </a:schemeClr>
-                </a:solidFill>
-                <a:cs typeface="Segoe UI" panose="020B0502040204020203" pitchFamily="34" charset="0"/>
-              </a:rPr>
-              <a:t>ipsum</a:t>
-            </a:r>
-            <a:r>
-              <a:rPr lang="nl-NL" sz="1400" dirty="0">
-                <a:solidFill>
-                  <a:schemeClr val="tx1">
-                    <a:lumMod val="75000"/>
-                    <a:lumOff val="25000"/>
-                  </a:schemeClr>
-                </a:solidFill>
-                <a:cs typeface="Segoe UI" panose="020B0502040204020203" pitchFamily="34" charset="0"/>
-              </a:rPr>
-              <a:t> </a:t>
-            </a:r>
-            <a:r>
-              <a:rPr lang="nl-NL" sz="1400" dirty="0" err="1">
-                <a:solidFill>
-                  <a:schemeClr val="tx1">
-                    <a:lumMod val="75000"/>
-                    <a:lumOff val="25000"/>
-                  </a:schemeClr>
-                </a:solidFill>
-                <a:cs typeface="Segoe UI" panose="020B0502040204020203" pitchFamily="34" charset="0"/>
-              </a:rPr>
-              <a:t>dolor</a:t>
-            </a:r>
-            <a:r>
-              <a:rPr lang="nl-NL" sz="1400" dirty="0">
-                <a:solidFill>
-                  <a:schemeClr val="tx1">
-                    <a:lumMod val="75000"/>
-                    <a:lumOff val="25000"/>
-                  </a:schemeClr>
-                </a:solidFill>
-                <a:cs typeface="Segoe UI" panose="020B0502040204020203" pitchFamily="34" charset="0"/>
-              </a:rPr>
-              <a:t> </a:t>
-            </a:r>
-            <a:r>
-              <a:rPr lang="nl-NL" sz="1400" dirty="0" err="1">
-                <a:solidFill>
-                  <a:schemeClr val="tx1">
-                    <a:lumMod val="75000"/>
-                    <a:lumOff val="25000"/>
-                  </a:schemeClr>
-                </a:solidFill>
-                <a:cs typeface="Segoe UI" panose="020B0502040204020203" pitchFamily="34" charset="0"/>
-              </a:rPr>
-              <a:t>sit</a:t>
-            </a:r>
-            <a:r>
-              <a:rPr lang="nl-NL" sz="1400" dirty="0">
-                <a:solidFill>
-                  <a:schemeClr val="tx1">
-                    <a:lumMod val="75000"/>
-                    <a:lumOff val="25000"/>
-                  </a:schemeClr>
-                </a:solidFill>
-                <a:cs typeface="Segoe UI" panose="020B0502040204020203" pitchFamily="34" charset="0"/>
-              </a:rPr>
-              <a:t> </a:t>
-            </a:r>
-            <a:r>
-              <a:rPr lang="nl-NL" sz="1400" dirty="0" err="1">
-                <a:solidFill>
-                  <a:schemeClr val="tx1">
-                    <a:lumMod val="75000"/>
-                    <a:lumOff val="25000"/>
-                  </a:schemeClr>
-                </a:solidFill>
-                <a:cs typeface="Segoe UI" panose="020B0502040204020203" pitchFamily="34" charset="0"/>
-              </a:rPr>
-              <a:t>amet</a:t>
-            </a:r>
-            <a:r>
-              <a:rPr lang="nl-NL" sz="1400" dirty="0">
-                <a:solidFill>
-                  <a:schemeClr val="tx1">
-                    <a:lumMod val="75000"/>
-                    <a:lumOff val="25000"/>
-                  </a:schemeClr>
-                </a:solidFill>
-                <a:cs typeface="Segoe UI" panose="020B0502040204020203" pitchFamily="34" charset="0"/>
-              </a:rPr>
-              <a:t>.</a:t>
-            </a:r>
-          </a:p>
-        </p:txBody>
-      </p:sp>
-      <p:sp>
-        <p:nvSpPr>
-          <p:cNvPr id="87" name="Rechthoek 86">
-            <a:extLst>
-              <a:ext uri="{FF2B5EF4-FFF2-40B4-BE49-F238E27FC236}">
-                <a16:creationId xmlns:a16="http://schemas.microsoft.com/office/drawing/2014/main" id="{D927301F-4FAD-47A6-987B-1D9C411B7CC1}"/>
-              </a:ext>
-            </a:extLst>
-          </p:cNvPr>
-          <p:cNvSpPr/>
-          <p:nvPr/>
-        </p:nvSpPr>
-        <p:spPr>
-          <a:xfrm>
-            <a:off x="10576718" y="1657927"/>
-            <a:ext cx="1348582" cy="487313"/>
-          </a:xfrm>
-          <a:prstGeom prst="rect">
-            <a:avLst/>
-          </a:prstGeom>
-        </p:spPr>
-        <p:txBody>
-          <a:bodyPr wrap="square" lIns="0" tIns="0" rIns="0" bIns="0" rtlCol="0" anchor="ctr">
-            <a:spAutoFit/>
-          </a:bodyPr>
-          <a:lstStyle/>
-          <a:p>
-            <a:pPr rtl="0">
-              <a:lnSpc>
-                <a:spcPts val="1900"/>
-              </a:lnSpc>
-            </a:pPr>
-            <a:r>
-              <a:rPr lang="nl-NL" sz="1400" dirty="0" err="1">
-                <a:solidFill>
-                  <a:schemeClr val="tx1">
-                    <a:lumMod val="75000"/>
-                    <a:lumOff val="25000"/>
-                  </a:schemeClr>
-                </a:solidFill>
-                <a:cs typeface="Segoe UI" panose="020B0502040204020203" pitchFamily="34" charset="0"/>
-              </a:rPr>
-              <a:t>Lorem</a:t>
-            </a:r>
-            <a:r>
-              <a:rPr lang="nl-NL" sz="1400" dirty="0">
-                <a:solidFill>
-                  <a:schemeClr val="tx1">
-                    <a:lumMod val="75000"/>
-                    <a:lumOff val="25000"/>
-                  </a:schemeClr>
-                </a:solidFill>
-                <a:cs typeface="Segoe UI" panose="020B0502040204020203" pitchFamily="34" charset="0"/>
-              </a:rPr>
-              <a:t> </a:t>
-            </a:r>
-            <a:r>
-              <a:rPr lang="nl-NL" sz="1400" dirty="0" err="1">
-                <a:solidFill>
-                  <a:schemeClr val="tx1">
-                    <a:lumMod val="75000"/>
-                    <a:lumOff val="25000"/>
-                  </a:schemeClr>
-                </a:solidFill>
-                <a:cs typeface="Segoe UI" panose="020B0502040204020203" pitchFamily="34" charset="0"/>
-              </a:rPr>
-              <a:t>ipsum</a:t>
-            </a:r>
-            <a:r>
-              <a:rPr lang="nl-NL" sz="1400" dirty="0">
-                <a:solidFill>
-                  <a:schemeClr val="tx1">
-                    <a:lumMod val="75000"/>
-                    <a:lumOff val="25000"/>
-                  </a:schemeClr>
-                </a:solidFill>
-                <a:cs typeface="Segoe UI" panose="020B0502040204020203" pitchFamily="34" charset="0"/>
-              </a:rPr>
-              <a:t> </a:t>
-            </a:r>
-            <a:r>
-              <a:rPr lang="nl-NL" sz="1400" dirty="0" err="1">
-                <a:solidFill>
-                  <a:schemeClr val="tx1">
-                    <a:lumMod val="75000"/>
-                    <a:lumOff val="25000"/>
-                  </a:schemeClr>
-                </a:solidFill>
-                <a:cs typeface="Segoe UI" panose="020B0502040204020203" pitchFamily="34" charset="0"/>
-              </a:rPr>
-              <a:t>dolor</a:t>
-            </a:r>
-            <a:r>
-              <a:rPr lang="nl-NL" sz="1400" dirty="0">
-                <a:solidFill>
-                  <a:schemeClr val="tx1">
-                    <a:lumMod val="75000"/>
-                    <a:lumOff val="25000"/>
-                  </a:schemeClr>
-                </a:solidFill>
-                <a:cs typeface="Segoe UI" panose="020B0502040204020203" pitchFamily="34" charset="0"/>
-              </a:rPr>
-              <a:t> </a:t>
-            </a:r>
-            <a:r>
-              <a:rPr lang="nl-NL" sz="1400" dirty="0" err="1">
-                <a:solidFill>
-                  <a:schemeClr val="tx1">
-                    <a:lumMod val="75000"/>
-                    <a:lumOff val="25000"/>
-                  </a:schemeClr>
-                </a:solidFill>
-                <a:cs typeface="Segoe UI" panose="020B0502040204020203" pitchFamily="34" charset="0"/>
-              </a:rPr>
-              <a:t>sit</a:t>
-            </a:r>
-            <a:r>
-              <a:rPr lang="nl-NL" sz="1400" dirty="0">
-                <a:solidFill>
-                  <a:schemeClr val="tx1">
-                    <a:lumMod val="75000"/>
-                    <a:lumOff val="25000"/>
-                  </a:schemeClr>
-                </a:solidFill>
-                <a:cs typeface="Segoe UI" panose="020B0502040204020203" pitchFamily="34" charset="0"/>
-              </a:rPr>
-              <a:t> </a:t>
-            </a:r>
-            <a:r>
-              <a:rPr lang="nl-NL" sz="1400" dirty="0" err="1">
-                <a:solidFill>
-                  <a:schemeClr val="tx1">
-                    <a:lumMod val="75000"/>
-                    <a:lumOff val="25000"/>
-                  </a:schemeClr>
-                </a:solidFill>
-                <a:cs typeface="Segoe UI" panose="020B0502040204020203" pitchFamily="34" charset="0"/>
-              </a:rPr>
-              <a:t>amet</a:t>
-            </a:r>
-            <a:r>
-              <a:rPr lang="nl-NL" sz="1400" dirty="0">
-                <a:solidFill>
-                  <a:schemeClr val="tx1">
-                    <a:lumMod val="75000"/>
-                    <a:lumOff val="25000"/>
-                  </a:schemeClr>
-                </a:solidFill>
-                <a:cs typeface="Segoe UI" panose="020B0502040204020203" pitchFamily="34" charset="0"/>
-              </a:rPr>
-              <a:t>.</a:t>
-            </a:r>
-          </a:p>
-        </p:txBody>
-      </p:sp>
-      <p:sp>
-        <p:nvSpPr>
-          <p:cNvPr id="88" name="Rechthoek 87">
-            <a:extLst>
-              <a:ext uri="{FF2B5EF4-FFF2-40B4-BE49-F238E27FC236}">
-                <a16:creationId xmlns:a16="http://schemas.microsoft.com/office/drawing/2014/main" id="{481D58D3-87D7-4D40-B59F-7F751F117F96}"/>
-              </a:ext>
-            </a:extLst>
-          </p:cNvPr>
-          <p:cNvSpPr/>
-          <p:nvPr/>
-        </p:nvSpPr>
-        <p:spPr>
-          <a:xfrm>
-            <a:off x="10576718" y="3478908"/>
-            <a:ext cx="1348582" cy="487313"/>
-          </a:xfrm>
-          <a:prstGeom prst="rect">
-            <a:avLst/>
-          </a:prstGeom>
-        </p:spPr>
-        <p:txBody>
-          <a:bodyPr wrap="square" lIns="0" tIns="0" rIns="0" bIns="0" rtlCol="0" anchor="ctr">
-            <a:spAutoFit/>
-          </a:bodyPr>
-          <a:lstStyle/>
-          <a:p>
-            <a:pPr rtl="0">
-              <a:lnSpc>
-                <a:spcPts val="1900"/>
-              </a:lnSpc>
-            </a:pPr>
-            <a:r>
-              <a:rPr lang="nl-NL" sz="1400" dirty="0" err="1">
-                <a:solidFill>
-                  <a:schemeClr val="tx1">
-                    <a:lumMod val="75000"/>
-                    <a:lumOff val="25000"/>
-                  </a:schemeClr>
-                </a:solidFill>
-                <a:cs typeface="Segoe UI" panose="020B0502040204020203" pitchFamily="34" charset="0"/>
-              </a:rPr>
-              <a:t>Lorem</a:t>
-            </a:r>
-            <a:r>
-              <a:rPr lang="nl-NL" sz="1400" dirty="0">
-                <a:solidFill>
-                  <a:schemeClr val="tx1">
-                    <a:lumMod val="75000"/>
-                    <a:lumOff val="25000"/>
-                  </a:schemeClr>
-                </a:solidFill>
-                <a:cs typeface="Segoe UI" panose="020B0502040204020203" pitchFamily="34" charset="0"/>
-              </a:rPr>
-              <a:t> </a:t>
-            </a:r>
-            <a:r>
-              <a:rPr lang="nl-NL" sz="1400" dirty="0" err="1">
-                <a:solidFill>
-                  <a:schemeClr val="tx1">
-                    <a:lumMod val="75000"/>
-                    <a:lumOff val="25000"/>
-                  </a:schemeClr>
-                </a:solidFill>
-                <a:cs typeface="Segoe UI" panose="020B0502040204020203" pitchFamily="34" charset="0"/>
-              </a:rPr>
-              <a:t>ipsum</a:t>
-            </a:r>
-            <a:r>
-              <a:rPr lang="nl-NL" sz="1400" dirty="0">
-                <a:solidFill>
-                  <a:schemeClr val="tx1">
-                    <a:lumMod val="75000"/>
-                    <a:lumOff val="25000"/>
-                  </a:schemeClr>
-                </a:solidFill>
-                <a:cs typeface="Segoe UI" panose="020B0502040204020203" pitchFamily="34" charset="0"/>
-              </a:rPr>
-              <a:t> </a:t>
-            </a:r>
-            <a:r>
-              <a:rPr lang="nl-NL" sz="1400" dirty="0" err="1">
-                <a:solidFill>
-                  <a:schemeClr val="tx1">
-                    <a:lumMod val="75000"/>
-                    <a:lumOff val="25000"/>
-                  </a:schemeClr>
-                </a:solidFill>
-                <a:cs typeface="Segoe UI" panose="020B0502040204020203" pitchFamily="34" charset="0"/>
-              </a:rPr>
-              <a:t>dolor</a:t>
-            </a:r>
-            <a:r>
-              <a:rPr lang="nl-NL" sz="1400" dirty="0">
-                <a:solidFill>
-                  <a:schemeClr val="tx1">
-                    <a:lumMod val="75000"/>
-                    <a:lumOff val="25000"/>
-                  </a:schemeClr>
-                </a:solidFill>
-                <a:cs typeface="Segoe UI" panose="020B0502040204020203" pitchFamily="34" charset="0"/>
-              </a:rPr>
-              <a:t> </a:t>
-            </a:r>
-            <a:r>
-              <a:rPr lang="nl-NL" sz="1400" dirty="0" err="1">
-                <a:solidFill>
-                  <a:schemeClr val="tx1">
-                    <a:lumMod val="75000"/>
-                    <a:lumOff val="25000"/>
-                  </a:schemeClr>
-                </a:solidFill>
-                <a:cs typeface="Segoe UI" panose="020B0502040204020203" pitchFamily="34" charset="0"/>
-              </a:rPr>
-              <a:t>sit</a:t>
-            </a:r>
-            <a:r>
-              <a:rPr lang="nl-NL" sz="1400" dirty="0">
-                <a:solidFill>
-                  <a:schemeClr val="tx1">
-                    <a:lumMod val="75000"/>
-                    <a:lumOff val="25000"/>
-                  </a:schemeClr>
-                </a:solidFill>
-                <a:cs typeface="Segoe UI" panose="020B0502040204020203" pitchFamily="34" charset="0"/>
-              </a:rPr>
-              <a:t> </a:t>
-            </a:r>
-            <a:r>
-              <a:rPr lang="nl-NL" sz="1400" dirty="0" err="1">
-                <a:solidFill>
-                  <a:schemeClr val="tx1">
-                    <a:lumMod val="75000"/>
-                    <a:lumOff val="25000"/>
-                  </a:schemeClr>
-                </a:solidFill>
-                <a:cs typeface="Segoe UI" panose="020B0502040204020203" pitchFamily="34" charset="0"/>
-              </a:rPr>
-              <a:t>amet</a:t>
-            </a:r>
-            <a:r>
-              <a:rPr lang="nl-NL" sz="1400" dirty="0">
-                <a:solidFill>
-                  <a:schemeClr val="tx1">
-                    <a:lumMod val="75000"/>
-                    <a:lumOff val="25000"/>
-                  </a:schemeClr>
-                </a:solidFill>
-                <a:cs typeface="Segoe UI" panose="020B0502040204020203" pitchFamily="34" charset="0"/>
-              </a:rPr>
-              <a:t>.</a:t>
-            </a:r>
-          </a:p>
-        </p:txBody>
-      </p:sp>
-      <p:sp>
-        <p:nvSpPr>
-          <p:cNvPr id="89" name="Rechthoek 88">
-            <a:extLst>
-              <a:ext uri="{FF2B5EF4-FFF2-40B4-BE49-F238E27FC236}">
-                <a16:creationId xmlns:a16="http://schemas.microsoft.com/office/drawing/2014/main" id="{AAC2972F-490F-4F2F-8A08-930B8C850374}"/>
-              </a:ext>
-            </a:extLst>
-          </p:cNvPr>
-          <p:cNvSpPr/>
-          <p:nvPr/>
-        </p:nvSpPr>
-        <p:spPr>
-          <a:xfrm>
-            <a:off x="10576718" y="5299888"/>
-            <a:ext cx="1348582" cy="487313"/>
-          </a:xfrm>
-          <a:prstGeom prst="rect">
-            <a:avLst/>
-          </a:prstGeom>
-        </p:spPr>
-        <p:txBody>
-          <a:bodyPr wrap="square" lIns="0" tIns="0" rIns="0" bIns="0" rtlCol="0" anchor="ctr">
-            <a:spAutoFit/>
-          </a:bodyPr>
-          <a:lstStyle/>
-          <a:p>
-            <a:pPr rtl="0">
-              <a:lnSpc>
-                <a:spcPts val="1900"/>
-              </a:lnSpc>
-            </a:pPr>
-            <a:r>
-              <a:rPr lang="nl-NL" sz="1400" dirty="0" err="1">
-                <a:solidFill>
-                  <a:schemeClr val="tx1">
-                    <a:lumMod val="75000"/>
-                    <a:lumOff val="25000"/>
-                  </a:schemeClr>
-                </a:solidFill>
-                <a:cs typeface="Segoe UI" panose="020B0502040204020203" pitchFamily="34" charset="0"/>
-              </a:rPr>
-              <a:t>Lorem</a:t>
-            </a:r>
-            <a:r>
-              <a:rPr lang="nl-NL" sz="1400" dirty="0">
-                <a:solidFill>
-                  <a:schemeClr val="tx1">
-                    <a:lumMod val="75000"/>
-                    <a:lumOff val="25000"/>
-                  </a:schemeClr>
-                </a:solidFill>
-                <a:cs typeface="Segoe UI" panose="020B0502040204020203" pitchFamily="34" charset="0"/>
-              </a:rPr>
-              <a:t> </a:t>
-            </a:r>
-            <a:r>
-              <a:rPr lang="nl-NL" sz="1400" dirty="0" err="1">
-                <a:solidFill>
-                  <a:schemeClr val="tx1">
-                    <a:lumMod val="75000"/>
-                    <a:lumOff val="25000"/>
-                  </a:schemeClr>
-                </a:solidFill>
-                <a:cs typeface="Segoe UI" panose="020B0502040204020203" pitchFamily="34" charset="0"/>
-              </a:rPr>
-              <a:t>ipsum</a:t>
-            </a:r>
-            <a:r>
-              <a:rPr lang="nl-NL" sz="1400" dirty="0">
-                <a:solidFill>
-                  <a:schemeClr val="tx1">
-                    <a:lumMod val="75000"/>
-                    <a:lumOff val="25000"/>
-                  </a:schemeClr>
-                </a:solidFill>
-                <a:cs typeface="Segoe UI" panose="020B0502040204020203" pitchFamily="34" charset="0"/>
-              </a:rPr>
-              <a:t> </a:t>
-            </a:r>
-            <a:r>
-              <a:rPr lang="nl-NL" sz="1400" dirty="0" err="1">
-                <a:solidFill>
-                  <a:schemeClr val="tx1">
-                    <a:lumMod val="75000"/>
-                    <a:lumOff val="25000"/>
-                  </a:schemeClr>
-                </a:solidFill>
-                <a:cs typeface="Segoe UI" panose="020B0502040204020203" pitchFamily="34" charset="0"/>
-              </a:rPr>
-              <a:t>dolor</a:t>
-            </a:r>
-            <a:r>
-              <a:rPr lang="nl-NL" sz="1400" dirty="0">
-                <a:solidFill>
-                  <a:schemeClr val="tx1">
-                    <a:lumMod val="75000"/>
-                    <a:lumOff val="25000"/>
-                  </a:schemeClr>
-                </a:solidFill>
-                <a:cs typeface="Segoe UI" panose="020B0502040204020203" pitchFamily="34" charset="0"/>
-              </a:rPr>
-              <a:t> </a:t>
-            </a:r>
-            <a:r>
-              <a:rPr lang="nl-NL" sz="1400" dirty="0" err="1">
-                <a:solidFill>
-                  <a:schemeClr val="tx1">
-                    <a:lumMod val="75000"/>
-                    <a:lumOff val="25000"/>
-                  </a:schemeClr>
-                </a:solidFill>
-                <a:cs typeface="Segoe UI" panose="020B0502040204020203" pitchFamily="34" charset="0"/>
-              </a:rPr>
-              <a:t>sit</a:t>
-            </a:r>
-            <a:r>
-              <a:rPr lang="nl-NL" sz="1400" dirty="0">
-                <a:solidFill>
-                  <a:schemeClr val="tx1">
-                    <a:lumMod val="75000"/>
-                    <a:lumOff val="25000"/>
-                  </a:schemeClr>
-                </a:solidFill>
-                <a:cs typeface="Segoe UI" panose="020B0502040204020203" pitchFamily="34" charset="0"/>
-              </a:rPr>
-              <a:t> </a:t>
-            </a:r>
-            <a:r>
-              <a:rPr lang="nl-NL" sz="1400" dirty="0" err="1">
-                <a:solidFill>
-                  <a:schemeClr val="tx1">
-                    <a:lumMod val="75000"/>
-                    <a:lumOff val="25000"/>
-                  </a:schemeClr>
-                </a:solidFill>
-                <a:cs typeface="Segoe UI" panose="020B0502040204020203" pitchFamily="34" charset="0"/>
-              </a:rPr>
-              <a:t>amet</a:t>
-            </a:r>
-            <a:r>
-              <a:rPr lang="nl-NL" sz="1400" dirty="0">
-                <a:solidFill>
-                  <a:schemeClr val="tx1">
-                    <a:lumMod val="75000"/>
-                    <a:lumOff val="25000"/>
-                  </a:schemeClr>
-                </a:solidFill>
-                <a:cs typeface="Segoe UI" panose="020B0502040204020203" pitchFamily="34" charset="0"/>
-              </a:rPr>
-              <a:t>.</a:t>
-            </a:r>
-          </a:p>
-        </p:txBody>
-      </p:sp>
-      <p:sp>
-        <p:nvSpPr>
-          <p:cNvPr id="92" name="Rechthoek 91">
-            <a:extLst>
-              <a:ext uri="{FF2B5EF4-FFF2-40B4-BE49-F238E27FC236}">
-                <a16:creationId xmlns:a16="http://schemas.microsoft.com/office/drawing/2014/main" id="{A69BDC62-882D-49FD-B60A-05F493B04723}"/>
-              </a:ext>
-            </a:extLst>
-          </p:cNvPr>
-          <p:cNvSpPr/>
-          <p:nvPr/>
-        </p:nvSpPr>
-        <p:spPr>
-          <a:xfrm>
-            <a:off x="266700" y="2336397"/>
-            <a:ext cx="1348582" cy="487313"/>
-          </a:xfrm>
-          <a:prstGeom prst="rect">
-            <a:avLst/>
-          </a:prstGeom>
-        </p:spPr>
-        <p:txBody>
-          <a:bodyPr wrap="square" lIns="0" tIns="0" rIns="0" bIns="0" rtlCol="0" anchor="ctr">
-            <a:spAutoFit/>
-          </a:bodyPr>
-          <a:lstStyle/>
-          <a:p>
-            <a:pPr algn="r" rtl="0">
-              <a:lnSpc>
-                <a:spcPts val="1900"/>
-              </a:lnSpc>
-            </a:pPr>
-            <a:r>
-              <a:rPr lang="nl-NL" sz="1400" dirty="0" err="1">
-                <a:solidFill>
-                  <a:schemeClr val="tx1">
-                    <a:lumMod val="75000"/>
-                    <a:lumOff val="25000"/>
-                  </a:schemeClr>
-                </a:solidFill>
-                <a:cs typeface="Segoe UI" panose="020B0502040204020203" pitchFamily="34" charset="0"/>
-              </a:rPr>
-              <a:t>Lorem</a:t>
-            </a:r>
-            <a:r>
-              <a:rPr lang="nl-NL" sz="1400" dirty="0">
-                <a:solidFill>
-                  <a:schemeClr val="tx1">
-                    <a:lumMod val="75000"/>
-                    <a:lumOff val="25000"/>
-                  </a:schemeClr>
-                </a:solidFill>
-                <a:cs typeface="Segoe UI" panose="020B0502040204020203" pitchFamily="34" charset="0"/>
-              </a:rPr>
-              <a:t> </a:t>
-            </a:r>
-            <a:r>
-              <a:rPr lang="nl-NL" sz="1400" dirty="0" err="1">
-                <a:solidFill>
-                  <a:schemeClr val="tx1">
-                    <a:lumMod val="75000"/>
-                    <a:lumOff val="25000"/>
-                  </a:schemeClr>
-                </a:solidFill>
-                <a:cs typeface="Segoe UI" panose="020B0502040204020203" pitchFamily="34" charset="0"/>
-              </a:rPr>
-              <a:t>ipsum</a:t>
-            </a:r>
-            <a:r>
-              <a:rPr lang="nl-NL" sz="1400" dirty="0">
-                <a:solidFill>
-                  <a:schemeClr val="tx1">
-                    <a:lumMod val="75000"/>
-                    <a:lumOff val="25000"/>
-                  </a:schemeClr>
-                </a:solidFill>
-                <a:cs typeface="Segoe UI" panose="020B0502040204020203" pitchFamily="34" charset="0"/>
-              </a:rPr>
-              <a:t> </a:t>
-            </a:r>
-            <a:r>
-              <a:rPr lang="nl-NL" sz="1400" dirty="0" err="1">
-                <a:solidFill>
-                  <a:schemeClr val="tx1">
-                    <a:lumMod val="75000"/>
-                    <a:lumOff val="25000"/>
-                  </a:schemeClr>
-                </a:solidFill>
-                <a:cs typeface="Segoe UI" panose="020B0502040204020203" pitchFamily="34" charset="0"/>
-              </a:rPr>
-              <a:t>dolor</a:t>
-            </a:r>
-            <a:r>
-              <a:rPr lang="nl-NL" sz="1400" dirty="0">
-                <a:solidFill>
-                  <a:schemeClr val="tx1">
-                    <a:lumMod val="75000"/>
-                    <a:lumOff val="25000"/>
-                  </a:schemeClr>
-                </a:solidFill>
-                <a:cs typeface="Segoe UI" panose="020B0502040204020203" pitchFamily="34" charset="0"/>
-              </a:rPr>
-              <a:t> </a:t>
-            </a:r>
-            <a:r>
-              <a:rPr lang="nl-NL" sz="1400" dirty="0" err="1">
-                <a:solidFill>
-                  <a:schemeClr val="tx1">
-                    <a:lumMod val="75000"/>
-                    <a:lumOff val="25000"/>
-                  </a:schemeClr>
-                </a:solidFill>
-                <a:cs typeface="Segoe UI" panose="020B0502040204020203" pitchFamily="34" charset="0"/>
-              </a:rPr>
-              <a:t>sit</a:t>
-            </a:r>
-            <a:r>
-              <a:rPr lang="nl-NL" sz="1400" dirty="0">
-                <a:solidFill>
-                  <a:schemeClr val="tx1">
-                    <a:lumMod val="75000"/>
-                    <a:lumOff val="25000"/>
-                  </a:schemeClr>
-                </a:solidFill>
-                <a:cs typeface="Segoe UI" panose="020B0502040204020203" pitchFamily="34" charset="0"/>
-              </a:rPr>
-              <a:t> </a:t>
-            </a:r>
-            <a:r>
-              <a:rPr lang="nl-NL" sz="1400" dirty="0" err="1">
-                <a:solidFill>
-                  <a:schemeClr val="tx1">
-                    <a:lumMod val="75000"/>
-                    <a:lumOff val="25000"/>
-                  </a:schemeClr>
-                </a:solidFill>
-                <a:cs typeface="Segoe UI" panose="020B0502040204020203" pitchFamily="34" charset="0"/>
-              </a:rPr>
-              <a:t>amet</a:t>
-            </a:r>
-            <a:r>
-              <a:rPr lang="nl-NL" sz="1400" dirty="0">
-                <a:solidFill>
-                  <a:schemeClr val="tx1">
-                    <a:lumMod val="75000"/>
-                    <a:lumOff val="25000"/>
-                  </a:schemeClr>
-                </a:solidFill>
-                <a:cs typeface="Segoe UI" panose="020B0502040204020203" pitchFamily="34" charset="0"/>
-              </a:rPr>
-              <a:t>.</a:t>
-            </a:r>
-          </a:p>
-        </p:txBody>
-      </p:sp>
-      <p:sp>
-        <p:nvSpPr>
-          <p:cNvPr id="93" name="Rechthoek 92">
-            <a:extLst>
-              <a:ext uri="{FF2B5EF4-FFF2-40B4-BE49-F238E27FC236}">
-                <a16:creationId xmlns:a16="http://schemas.microsoft.com/office/drawing/2014/main" id="{FC109BEC-95E0-4EA0-B65C-A8353481F394}"/>
-              </a:ext>
-            </a:extLst>
-          </p:cNvPr>
-          <p:cNvSpPr/>
-          <p:nvPr/>
-        </p:nvSpPr>
-        <p:spPr>
-          <a:xfrm>
-            <a:off x="266700" y="4621420"/>
-            <a:ext cx="1348582" cy="487313"/>
-          </a:xfrm>
-          <a:prstGeom prst="rect">
-            <a:avLst/>
-          </a:prstGeom>
-        </p:spPr>
-        <p:txBody>
-          <a:bodyPr wrap="square" lIns="0" tIns="0" rIns="0" bIns="0" rtlCol="0" anchor="ctr">
-            <a:spAutoFit/>
-          </a:bodyPr>
-          <a:lstStyle/>
-          <a:p>
-            <a:pPr algn="r" rtl="0">
-              <a:lnSpc>
-                <a:spcPts val="1900"/>
-              </a:lnSpc>
-            </a:pPr>
-            <a:r>
-              <a:rPr lang="nl-NL" sz="1400" dirty="0" err="1">
-                <a:solidFill>
-                  <a:schemeClr val="tx1">
-                    <a:lumMod val="75000"/>
-                    <a:lumOff val="25000"/>
-                  </a:schemeClr>
-                </a:solidFill>
-                <a:cs typeface="Segoe UI" panose="020B0502040204020203" pitchFamily="34" charset="0"/>
-              </a:rPr>
-              <a:t>Lorem</a:t>
-            </a:r>
-            <a:r>
-              <a:rPr lang="nl-NL" sz="1400" dirty="0">
-                <a:solidFill>
-                  <a:schemeClr val="tx1">
-                    <a:lumMod val="75000"/>
-                    <a:lumOff val="25000"/>
-                  </a:schemeClr>
-                </a:solidFill>
-                <a:cs typeface="Segoe UI" panose="020B0502040204020203" pitchFamily="34" charset="0"/>
-              </a:rPr>
-              <a:t> </a:t>
-            </a:r>
-            <a:r>
-              <a:rPr lang="nl-NL" sz="1400" dirty="0" err="1">
-                <a:solidFill>
-                  <a:schemeClr val="tx1">
-                    <a:lumMod val="75000"/>
-                    <a:lumOff val="25000"/>
-                  </a:schemeClr>
-                </a:solidFill>
-                <a:cs typeface="Segoe UI" panose="020B0502040204020203" pitchFamily="34" charset="0"/>
-              </a:rPr>
-              <a:t>ipsum</a:t>
-            </a:r>
-            <a:r>
-              <a:rPr lang="nl-NL" sz="1400" dirty="0">
-                <a:solidFill>
-                  <a:schemeClr val="tx1">
-                    <a:lumMod val="75000"/>
-                    <a:lumOff val="25000"/>
-                  </a:schemeClr>
-                </a:solidFill>
-                <a:cs typeface="Segoe UI" panose="020B0502040204020203" pitchFamily="34" charset="0"/>
-              </a:rPr>
-              <a:t> </a:t>
-            </a:r>
-            <a:r>
-              <a:rPr lang="nl-NL" sz="1400" dirty="0" err="1">
-                <a:solidFill>
-                  <a:schemeClr val="tx1">
-                    <a:lumMod val="75000"/>
-                    <a:lumOff val="25000"/>
-                  </a:schemeClr>
-                </a:solidFill>
-                <a:cs typeface="Segoe UI" panose="020B0502040204020203" pitchFamily="34" charset="0"/>
-              </a:rPr>
-              <a:t>dolor</a:t>
-            </a:r>
-            <a:r>
-              <a:rPr lang="nl-NL" sz="1400" dirty="0">
-                <a:solidFill>
-                  <a:schemeClr val="tx1">
-                    <a:lumMod val="75000"/>
-                    <a:lumOff val="25000"/>
-                  </a:schemeClr>
-                </a:solidFill>
-                <a:cs typeface="Segoe UI" panose="020B0502040204020203" pitchFamily="34" charset="0"/>
-              </a:rPr>
-              <a:t> </a:t>
-            </a:r>
-            <a:r>
-              <a:rPr lang="nl-NL" sz="1400" dirty="0" err="1">
-                <a:solidFill>
-                  <a:schemeClr val="tx1">
-                    <a:lumMod val="75000"/>
-                    <a:lumOff val="25000"/>
-                  </a:schemeClr>
-                </a:solidFill>
-                <a:cs typeface="Segoe UI" panose="020B0502040204020203" pitchFamily="34" charset="0"/>
-              </a:rPr>
-              <a:t>sit</a:t>
-            </a:r>
-            <a:r>
-              <a:rPr lang="nl-NL" sz="1400" dirty="0">
-                <a:solidFill>
-                  <a:schemeClr val="tx1">
-                    <a:lumMod val="75000"/>
-                    <a:lumOff val="25000"/>
-                  </a:schemeClr>
-                </a:solidFill>
-                <a:cs typeface="Segoe UI" panose="020B0502040204020203" pitchFamily="34" charset="0"/>
-              </a:rPr>
-              <a:t> </a:t>
-            </a:r>
-            <a:r>
-              <a:rPr lang="nl-NL" sz="1400" dirty="0" err="1">
-                <a:solidFill>
-                  <a:schemeClr val="tx1">
-                    <a:lumMod val="75000"/>
-                    <a:lumOff val="25000"/>
-                  </a:schemeClr>
-                </a:solidFill>
-                <a:cs typeface="Segoe UI" panose="020B0502040204020203" pitchFamily="34" charset="0"/>
-              </a:rPr>
-              <a:t>amet</a:t>
-            </a:r>
-            <a:r>
-              <a:rPr lang="nl-NL" sz="1400" dirty="0">
-                <a:solidFill>
-                  <a:schemeClr val="tx1">
-                    <a:lumMod val="75000"/>
-                    <a:lumOff val="25000"/>
-                  </a:schemeClr>
-                </a:solidFill>
-                <a:cs typeface="Segoe UI" panose="020B0502040204020203" pitchFamily="34" charset="0"/>
-              </a:rPr>
-              <a:t>.</a:t>
-            </a:r>
-          </a:p>
-        </p:txBody>
-      </p:sp>
-    </p:spTree>
-    <p:extLst>
-      <p:ext uri="{BB962C8B-B14F-4D97-AF65-F5344CB8AC3E}">
-        <p14:creationId xmlns:p14="http://schemas.microsoft.com/office/powerpoint/2010/main" val="843768125"/>
-      </p:ext>
-    </p:extLst>
-  </p:cSld>
-  <p:clrMapOvr>
-    <a:masterClrMapping/>
-  </p:clrMapOvr>
-</p:sld>
-</file>
-
-<file path=ppt/slides/slide7.xml><?xml version="1.0" encoding="utf-8"?>
-<p:sld xmlns:a="http://schemas.openxmlformats.org/drawingml/2006/main" xmlns:r="http://schemas.openxmlformats.org/officeDocument/2006/relationships" xmlns:p="http://schemas.openxmlformats.org/presentationml/2006/main">
-  <p:cSld>
-    <p:spTree>
-      <p:nvGrpSpPr>
-        <p:cNvPr id="1" name=""/>
-        <p:cNvGrpSpPr/>
-        <p:nvPr/>
-      </p:nvGrpSpPr>
-      <p:grpSpPr>
-        <a:xfrm>
-          <a:off x="0" y="0"/>
-          <a:ext cx="0" cy="0"/>
-          <a:chOff x="0" y="0"/>
-          <a:chExt cx="0" cy="0"/>
-        </a:xfrm>
-      </p:grpSpPr>
       <p:cxnSp>
         <p:nvCxnSpPr>
           <p:cNvPr id="2" name="Rechte verbindingslijn 1">
             <a:extLst>
               <a:ext uri="{FF2B5EF4-FFF2-40B4-BE49-F238E27FC236}">
-                <a16:creationId xmlns:a16="http://schemas.microsoft.com/office/drawing/2014/main" id="{EC4DC471-9963-48ED-AE47-E83D79AF55AF}"/>
+                <a16:creationId xmlns:a16="http://schemas.microsoft.com/office/drawing/2014/main" id="{3BF1103F-B298-4B94-A539-F04FD9F10E9D}"/>
               </a:ext>
               <a:ext uri="{C183D7F6-B498-43B3-948B-1728B52AA6E4}">
                 <adec:decorative xmlns:adec="http://schemas.microsoft.com/office/drawing/2017/decorative" val="1"/>
@@ -21543,7 +22872,7 @@
           <p:cNvPr id="3" name="Titel 1">
             <a:extLst>
               <a:ext uri="{FF2B5EF4-FFF2-40B4-BE49-F238E27FC236}">
-                <a16:creationId xmlns:a16="http://schemas.microsoft.com/office/drawing/2014/main" id="{63843C31-14E5-41E1-8F34-EEA8B10130B4}"/>
+                <a16:creationId xmlns:a16="http://schemas.microsoft.com/office/drawing/2014/main" id="{10263190-1EA0-49B1-8955-F82193F58ECD}"/>
               </a:ext>
             </a:extLst>
           </p:cNvPr>
@@ -21555,7 +22884,7 @@
         <p:spPr>
           <a:xfrm>
             <a:off x="228600" y="190500"/>
-            <a:ext cx="11734800" cy="775597"/>
+            <a:ext cx="11734800" cy="387798"/>
           </a:xfrm>
           <a:prstGeom prst="rect">
             <a:avLst/>
@@ -21587,7 +22916,7 @@
           <a:p>
             <a:pPr algn="ctr" rtl="0"/>
             <a:r>
-              <a:rPr lang="nl-NL" sz="2800" b="1" dirty="0">
+              <a:rPr lang="nl-NL" sz="2800" b="1" dirty="0" err="1">
                 <a:solidFill>
                   <a:schemeClr val="tx1">
                     <a:lumMod val="75000"/>
@@ -21595,10 +22924,10 @@
                   </a:schemeClr>
                 </a:solidFill>
               </a:rPr>
-              <a:t>Project voorbeeld</a:t>
+              <a:t>Creating</a:t>
             </a:r>
-            <a:br>
-              <a:rPr lang="nl-NL" sz="2800" dirty="0">
+            <a:r>
+              <a:rPr lang="nl-NL" sz="2800" b="1" dirty="0">
                 <a:solidFill>
                   <a:schemeClr val="tx1">
                     <a:lumMod val="75000"/>
@@ -21606,7 +22935,30 @@
                   </a:schemeClr>
                 </a:solidFill>
               </a:rPr>
-            </a:br>
+              <a:t> a </a:t>
+            </a:r>
+            <a:r>
+              <a:rPr lang="nl-NL" sz="2800" b="1" dirty="0" err="1">
+                <a:solidFill>
+                  <a:schemeClr val="tx1">
+                    <a:lumMod val="75000"/>
+                    <a:lumOff val="25000"/>
+                  </a:schemeClr>
+                </a:solidFill>
+              </a:rPr>
+              <a:t>Function</a:t>
+            </a:r>
+            <a:r>
+              <a:rPr lang="nl-NL" sz="2800" b="1" dirty="0">
+                <a:solidFill>
+                  <a:schemeClr val="tx1">
+                    <a:lumMod val="75000"/>
+                    <a:lumOff val="25000"/>
+                  </a:schemeClr>
+                </a:solidFill>
+              </a:rPr>
+              <a:t> App</a:t>
+            </a:r>
             <a:endParaRPr lang="nl-NL" sz="2800" dirty="0">
               <a:solidFill>
                 <a:schemeClr val="tx1">
@@ -21623,7 +22975,7 @@
           <p:cNvPr id="4" name="Rechte verbindingslijn 3">
             <a:extLst>
               <a:ext uri="{FF2B5EF4-FFF2-40B4-BE49-F238E27FC236}">
-                <a16:creationId xmlns:a16="http://schemas.microsoft.com/office/drawing/2014/main" id="{5F386A98-83D0-478E-AE68-0F3B33E7F2A4}"/>
+                <a16:creationId xmlns:a16="http://schemas.microsoft.com/office/drawing/2014/main" id="{2696E48B-6AD3-418D-B34E-5A0426F4D006}"/>
               </a:ext>
               <a:ext uri="{C183D7F6-B498-43B3-948B-1728B52AA6E4}">
                 <adec:decorative xmlns:adec="http://schemas.microsoft.com/office/drawing/2017/decorative" val="1"/>
@@ -21669,55 +23021,38 @@
       </p:cxnSp>
       <p:pic>
         <p:nvPicPr>
-          <p:cNvPr id="3074" name="Picture 2" descr="https://lh3.googleusercontent.com/Z_8G_kbZSoBYiB3FLx-lw0aYEeYxDIZkI1yHeb378ni-EXJgmBaYsOegMEfIG0beOdipnSq0bElGfvpoCYQRMUl_bPRZEBp9GSQ3ZbS8nH9QIbFEWG7C9zKrqbBSEpc4FEVBYcd3ihX8vEw4FtYFcA">
+          <p:cNvPr id="6" name="Afbeelding 5">
             <a:extLst>
               <a:ext uri="{FF2B5EF4-FFF2-40B4-BE49-F238E27FC236}">
-                <a16:creationId xmlns:a16="http://schemas.microsoft.com/office/drawing/2014/main" id="{0FD682D5-932F-49AB-A11D-72ADDDBF4F17}"/>
+                <a16:creationId xmlns:a16="http://schemas.microsoft.com/office/drawing/2014/main" id="{AE1897D1-ED88-428C-8C02-015628696B16}"/>
               </a:ext>
             </a:extLst>
           </p:cNvPr>
           <p:cNvPicPr>
-            <a:picLocks noChangeAspect="1" noChangeArrowheads="1"/>
+            <a:picLocks noChangeAspect="1"/>
           </p:cNvPicPr>
           <p:nvPr/>
         </p:nvPicPr>
         <p:blipFill>
-          <a:blip r:embed="rId2">
-            <a:extLst>
-              <a:ext uri="{28A0092B-C50C-407E-A947-70E740481C1C}">
-                <a14:useLocalDpi xmlns:a14="http://schemas.microsoft.com/office/drawing/2010/main" val="0"/>
-              </a:ext>
-            </a:extLst>
-          </a:blip>
-          <a:srcRect/>
+          <a:blip r:embed="rId2"/>
           <a:stretch>
             <a:fillRect/>
           </a:stretch>
         </p:blipFill>
-        <p:spPr bwMode="auto">
+        <p:spPr>
           <a:xfrm>
-            <a:off x="4044379" y="770021"/>
-            <a:ext cx="4103242" cy="5791703"/>
+            <a:off x="3940050" y="910696"/>
+            <a:ext cx="4311899" cy="5654842"/>
           </a:xfrm>
           <a:prstGeom prst="rect">
             <a:avLst/>
           </a:prstGeom>
-          <a:noFill/>
-          <a:extLst>
-            <a:ext uri="{909E8E84-426E-40DD-AFC4-6F175D3DCCD1}">
-              <a14:hiddenFill xmlns:a14="http://schemas.microsoft.com/office/drawing/2010/main">
-                <a:solidFill>
-                  <a:srgbClr val="FFFFFF"/>
-                </a:solidFill>
-              </a14:hiddenFill>
-            </a:ext>
-          </a:extLst>
         </p:spPr>
       </p:pic>
     </p:spTree>
     <p:extLst>
       <p:ext uri="{BB962C8B-B14F-4D97-AF65-F5344CB8AC3E}">
-        <p14:creationId xmlns:p14="http://schemas.microsoft.com/office/powerpoint/2010/main" val="2720305"/>
+        <p14:creationId xmlns:p14="http://schemas.microsoft.com/office/powerpoint/2010/main" val="549569896"/>
       </p:ext>
     </p:extLst>
   </p:cSld>
@@ -21727,26 +23062,9 @@
 </p:sld>
 </file>
 
-<file path=ppt/slides/slide8.xml><?xml version="1.0" encoding="utf-8"?>
+<file path=ppt/slides/slide6.xml><?xml version="1.0" encoding="utf-8"?>
 <p:sld xmlns:a="http://schemas.openxmlformats.org/drawingml/2006/main" xmlns:r="http://schemas.openxmlformats.org/officeDocument/2006/relationships" xmlns:p="http://schemas.openxmlformats.org/presentationml/2006/main">
   <p:cSld>
-    <p:bg>
-      <p:bgPr>
-        <a:pattFill prst="zigZag">
-          <a:fgClr>
-            <a:schemeClr val="accent3">
-              <a:lumMod val="75000"/>
-            </a:schemeClr>
-          </a:fgClr>
-          <a:bgClr>
-            <a:schemeClr val="accent3">
-              <a:lumMod val="50000"/>
-            </a:schemeClr>
-          </a:bgClr>
-        </a:pattFill>
-        <a:effectLst/>
-      </p:bgPr>
-    </p:bg>
     <p:spTree>
       <p:nvGrpSpPr>
         <p:cNvPr id="1" name=""/>
@@ -21761,191 +23079,1282 @@
           <a:chExt cx="0" cy="0"/>
         </a:xfrm>
       </p:grpSpPr>
-      <p:grpSp>
-        <p:nvGrpSpPr>
-          <p:cNvPr id="11" name="Groep 10">
+      <p:pic>
+        <p:nvPicPr>
+          <p:cNvPr id="2" name="Afbeelding 1">
             <a:extLst>
               <a:ext uri="{FF2B5EF4-FFF2-40B4-BE49-F238E27FC236}">
-                <a16:creationId xmlns:a16="http://schemas.microsoft.com/office/drawing/2014/main" id="{62A21665-C64F-4BDA-B2DE-442D70605718}"/>
+                <a16:creationId xmlns:a16="http://schemas.microsoft.com/office/drawing/2014/main" id="{86F69ED8-4B48-489B-93BD-4C762D5B5D72}"/>
+              </a:ext>
+            </a:extLst>
+          </p:cNvPr>
+          <p:cNvPicPr>
+            <a:picLocks noChangeAspect="1"/>
+          </p:cNvPicPr>
+          <p:nvPr/>
+        </p:nvPicPr>
+        <p:blipFill>
+          <a:blip r:embed="rId2"/>
+          <a:stretch>
+            <a:fillRect/>
+          </a:stretch>
+        </p:blipFill>
+        <p:spPr>
+          <a:xfrm>
+            <a:off x="165182" y="1250695"/>
+            <a:ext cx="6105525" cy="2486025"/>
+          </a:xfrm>
+          <a:prstGeom prst="rect">
+            <a:avLst/>
+          </a:prstGeom>
+        </p:spPr>
+      </p:pic>
+      <p:pic>
+        <p:nvPicPr>
+          <p:cNvPr id="3" name="Afbeelding 2">
+            <a:extLst>
+              <a:ext uri="{FF2B5EF4-FFF2-40B4-BE49-F238E27FC236}">
+                <a16:creationId xmlns:a16="http://schemas.microsoft.com/office/drawing/2014/main" id="{080BF8C9-E11D-40C3-A6E2-489C85FB101B}"/>
+              </a:ext>
+            </a:extLst>
+          </p:cNvPr>
+          <p:cNvPicPr>
+            <a:picLocks noChangeAspect="1"/>
+          </p:cNvPicPr>
+          <p:nvPr/>
+        </p:nvPicPr>
+        <p:blipFill>
+          <a:blip r:embed="rId3"/>
+          <a:stretch>
+            <a:fillRect/>
+          </a:stretch>
+        </p:blipFill>
+        <p:spPr>
+          <a:xfrm>
+            <a:off x="6562477" y="1567940"/>
+            <a:ext cx="5464341" cy="1461010"/>
+          </a:xfrm>
+          <a:prstGeom prst="rect">
+            <a:avLst/>
+          </a:prstGeom>
+        </p:spPr>
+      </p:pic>
+      <p:pic>
+        <p:nvPicPr>
+          <p:cNvPr id="5" name="Afbeelding 4">
+            <a:extLst>
+              <a:ext uri="{FF2B5EF4-FFF2-40B4-BE49-F238E27FC236}">
+                <a16:creationId xmlns:a16="http://schemas.microsoft.com/office/drawing/2014/main" id="{7AFE1178-30B7-4EAE-9A5D-BB55C7D2936A}"/>
+              </a:ext>
+            </a:extLst>
+          </p:cNvPr>
+          <p:cNvPicPr>
+            <a:picLocks noChangeAspect="1"/>
+          </p:cNvPicPr>
+          <p:nvPr/>
+        </p:nvPicPr>
+        <p:blipFill>
+          <a:blip r:embed="rId4"/>
+          <a:stretch>
+            <a:fillRect/>
+          </a:stretch>
+        </p:blipFill>
+        <p:spPr>
+          <a:xfrm>
+            <a:off x="3504952" y="4375071"/>
+            <a:ext cx="6115050" cy="2095500"/>
+          </a:xfrm>
+          <a:prstGeom prst="rect">
+            <a:avLst/>
+          </a:prstGeom>
+        </p:spPr>
+      </p:pic>
+      <p:cxnSp>
+        <p:nvCxnSpPr>
+          <p:cNvPr id="6" name="Rechte verbindingslijn 5">
+            <a:extLst>
+              <a:ext uri="{FF2B5EF4-FFF2-40B4-BE49-F238E27FC236}">
+                <a16:creationId xmlns:a16="http://schemas.microsoft.com/office/drawing/2014/main" id="{CCEAC78B-5C6B-4EC1-9EDA-07B0F7DED73B}"/>
               </a:ext>
               <a:ext uri="{C183D7F6-B498-43B3-948B-1728B52AA6E4}">
                 <adec:decorative xmlns:adec="http://schemas.microsoft.com/office/drawing/2017/decorative" val="1"/>
               </a:ext>
             </a:extLst>
           </p:cNvPr>
-          <p:cNvGrpSpPr/>
+          <p:cNvCxnSpPr>
+            <a:cxnSpLocks/>
+          </p:cNvCxnSpPr>
           <p:nvPr/>
-        </p:nvGrpSpPr>
-        <p:grpSpPr>
+        </p:nvCxnSpPr>
+        <p:spPr>
           <a:xfrm>
-            <a:off x="4325258" y="1544068"/>
-            <a:ext cx="3541486" cy="3769865"/>
-            <a:chOff x="4325258" y="1229517"/>
-            <a:chExt cx="3541486" cy="3769865"/>
+            <a:off x="8105775" y="522898"/>
+            <a:ext cx="4086225" cy="0"/>
           </a:xfrm>
-        </p:grpSpPr>
-        <p:sp>
-          <p:nvSpPr>
-            <p:cNvPr id="12" name="Ruitvorm 11">
-              <a:extLst>
-                <a:ext uri="{FF2B5EF4-FFF2-40B4-BE49-F238E27FC236}">
-                  <a16:creationId xmlns:a16="http://schemas.microsoft.com/office/drawing/2014/main" id="{7DC8B409-5FAC-4539-B25A-26BE925A48AF}"/>
-                </a:ext>
-              </a:extLst>
-            </p:cNvPr>
-            <p:cNvSpPr/>
-            <p:nvPr/>
-          </p:nvSpPr>
-          <p:spPr>
-            <a:xfrm>
-              <a:off x="4792319" y="2392018"/>
-              <a:ext cx="2607364" cy="2607364"/>
-            </a:xfrm>
-            <a:prstGeom prst="diamond">
-              <a:avLst/>
-            </a:prstGeom>
-            <a:noFill/>
-            <a:ln>
-              <a:solidFill>
-                <a:schemeClr val="accent3"/>
-              </a:solidFill>
-            </a:ln>
-          </p:spPr>
-          <p:style>
-            <a:lnRef idx="2">
-              <a:schemeClr val="accent1">
-                <a:shade val="50000"/>
+          <a:prstGeom prst="line">
+            <a:avLst/>
+          </a:prstGeom>
+          <a:ln>
+            <a:solidFill>
+              <a:schemeClr val="accent3">
+                <a:lumMod val="50000"/>
               </a:schemeClr>
-            </a:lnRef>
-            <a:fillRef idx="1">
-              <a:schemeClr val="accent1"/>
-            </a:fillRef>
-            <a:effectRef idx="0">
-              <a:schemeClr val="accent1"/>
-            </a:effectRef>
-            <a:fontRef idx="minor">
-              <a:schemeClr val="lt1"/>
-            </a:fontRef>
-          </p:style>
-          <p:txBody>
-            <a:bodyPr rtlCol="0" anchor="ctr"/>
-            <a:lstStyle/>
-            <a:p>
-              <a:pPr algn="ctr" rtl="0"/>
-              <a:endParaRPr lang="nl-NL" dirty="0"/>
-            </a:p>
-          </p:txBody>
-        </p:sp>
-        <p:sp>
-          <p:nvSpPr>
-            <p:cNvPr id="13" name="Ruitvorm 12">
-              <a:extLst>
-                <a:ext uri="{FF2B5EF4-FFF2-40B4-BE49-F238E27FC236}">
-                  <a16:creationId xmlns:a16="http://schemas.microsoft.com/office/drawing/2014/main" id="{91498E2F-539C-46D3-AF7C-BB1DAE76B114}"/>
-                </a:ext>
-              </a:extLst>
-            </p:cNvPr>
-            <p:cNvSpPr/>
-            <p:nvPr/>
-          </p:nvSpPr>
-          <p:spPr>
-            <a:xfrm>
-              <a:off x="4325258" y="1229517"/>
-              <a:ext cx="3541486" cy="3541486"/>
-            </a:xfrm>
-            <a:prstGeom prst="diamond">
-              <a:avLst/>
-            </a:prstGeom>
-            <a:noFill/>
-            <a:ln>
-              <a:solidFill>
-                <a:schemeClr val="accent4"/>
-              </a:solidFill>
-            </a:ln>
-          </p:spPr>
-          <p:style>
-            <a:lnRef idx="2">
-              <a:schemeClr val="accent1">
-                <a:shade val="50000"/>
-              </a:schemeClr>
-            </a:lnRef>
-            <a:fillRef idx="1">
-              <a:schemeClr val="accent1"/>
-            </a:fillRef>
-            <a:effectRef idx="0">
-              <a:schemeClr val="accent1"/>
-            </a:effectRef>
-            <a:fontRef idx="minor">
-              <a:schemeClr val="lt1"/>
-            </a:fontRef>
-          </p:style>
-          <p:txBody>
-            <a:bodyPr rtlCol="0" anchor="ctr"/>
-            <a:lstStyle/>
-            <a:p>
-              <a:pPr algn="ctr" rtl="0"/>
-              <a:endParaRPr lang="nl-NL" dirty="0"/>
-            </a:p>
-          </p:txBody>
-        </p:sp>
-      </p:grpSp>
+            </a:solidFill>
+            <a:headEnd type="oval"/>
+          </a:ln>
+        </p:spPr>
+        <p:style>
+          <a:lnRef idx="1">
+            <a:schemeClr val="accent1"/>
+          </a:lnRef>
+          <a:fillRef idx="0">
+            <a:schemeClr val="accent1"/>
+          </a:fillRef>
+          <a:effectRef idx="0">
+            <a:schemeClr val="accent1"/>
+          </a:effectRef>
+          <a:fontRef idx="minor">
+            <a:schemeClr val="tx1"/>
+          </a:fontRef>
+        </p:style>
+      </p:cxnSp>
       <p:sp>
         <p:nvSpPr>
-          <p:cNvPr id="15" name="Titel 1">
+          <p:cNvPr id="7" name="Titel 1">
             <a:extLst>
               <a:ext uri="{FF2B5EF4-FFF2-40B4-BE49-F238E27FC236}">
-                <a16:creationId xmlns:a16="http://schemas.microsoft.com/office/drawing/2014/main" id="{FA061601-468D-486D-B8EE-42BD1BE3ADCC}"/>
+                <a16:creationId xmlns:a16="http://schemas.microsoft.com/office/drawing/2014/main" id="{F7D20B87-327E-40BD-B0B6-04440BCBB026}"/>
               </a:ext>
             </a:extLst>
           </p:cNvPr>
-          <p:cNvSpPr>
-            <a:spLocks noGrp="1"/>
+          <p:cNvSpPr txBox="1">
+            <a:spLocks/>
           </p:cNvSpPr>
-          <p:nvPr>
-            <p:ph type="ctrTitle"/>
-          </p:nvPr>
+          <p:nvPr/>
         </p:nvSpPr>
         <p:spPr>
           <a:xfrm>
-            <a:off x="1524000" y="316287"/>
-            <a:ext cx="9144000" cy="1107996"/>
+            <a:off x="228600" y="190500"/>
+            <a:ext cx="11734800" cy="387798"/>
           </a:xfrm>
+          <a:prstGeom prst="rect">
+            <a:avLst/>
+          </a:prstGeom>
         </p:spPr>
         <p:txBody>
-          <a:bodyPr lIns="0" tIns="0" rIns="0" bIns="0" rtlCol="0" anchor="ctr">
+          <a:bodyPr vert="horz" wrap="square" lIns="0" tIns="0" rIns="0" bIns="0" rtlCol="0" anchor="t">
+            <a:spAutoFit/>
+          </a:bodyPr>
+          <a:lstStyle>
+            <a:lvl1pPr algn="l" defTabSz="914400" rtl="0" eaLnBrk="1" latinLnBrk="0" hangingPunct="1">
+              <a:lnSpc>
+                <a:spcPct val="90000"/>
+              </a:lnSpc>
+              <a:spcBef>
+                <a:spcPct val="0"/>
+              </a:spcBef>
+              <a:buNone/>
+              <a:defRPr sz="4400" kern="1200">
+                <a:solidFill>
+                  <a:schemeClr val="tx1"/>
+                </a:solidFill>
+                <a:latin typeface="+mj-lt"/>
+                <a:ea typeface="+mj-ea"/>
+                <a:cs typeface="+mj-cs"/>
+              </a:defRPr>
+            </a:lvl1pPr>
+          </a:lstStyle>
+          <a:p>
+            <a:pPr algn="ctr" rtl="0"/>
+            <a:r>
+              <a:rPr lang="nl-NL" sz="2800" b="1" dirty="0" err="1">
+                <a:solidFill>
+                  <a:schemeClr val="tx1">
+                    <a:lumMod val="75000"/>
+                    <a:lumOff val="25000"/>
+                  </a:schemeClr>
+                </a:solidFill>
+              </a:rPr>
+              <a:t>Creating</a:t>
+            </a:r>
+            <a:r>
+              <a:rPr lang="nl-NL" sz="2800" b="1" dirty="0">
+                <a:solidFill>
+                  <a:schemeClr val="tx1">
+                    <a:lumMod val="75000"/>
+                    <a:lumOff val="25000"/>
+                  </a:schemeClr>
+                </a:solidFill>
+              </a:rPr>
+              <a:t> a </a:t>
+            </a:r>
+            <a:r>
+              <a:rPr lang="nl-NL" sz="2800" b="1" dirty="0" err="1">
+                <a:solidFill>
+                  <a:schemeClr val="tx1">
+                    <a:lumMod val="75000"/>
+                    <a:lumOff val="25000"/>
+                  </a:schemeClr>
+                </a:solidFill>
+              </a:rPr>
+              <a:t>Function</a:t>
+            </a:r>
+            <a:r>
+              <a:rPr lang="nl-NL" sz="2800" b="1" dirty="0">
+                <a:solidFill>
+                  <a:schemeClr val="tx1">
+                    <a:lumMod val="75000"/>
+                    <a:lumOff val="25000"/>
+                  </a:schemeClr>
+                </a:solidFill>
+              </a:rPr>
+              <a:t> App</a:t>
+            </a:r>
+            <a:endParaRPr lang="nl-NL" sz="2800" dirty="0">
+              <a:solidFill>
+                <a:schemeClr val="tx1">
+                  <a:lumMod val="75000"/>
+                  <a:lumOff val="25000"/>
+                </a:schemeClr>
+              </a:solidFill>
+            </a:endParaRPr>
+          </a:p>
+        </p:txBody>
+      </p:sp>
+      <p:cxnSp>
+        <p:nvCxnSpPr>
+          <p:cNvPr id="8" name="Rechte verbindingslijn 7">
+            <a:extLst>
+              <a:ext uri="{FF2B5EF4-FFF2-40B4-BE49-F238E27FC236}">
+                <a16:creationId xmlns:a16="http://schemas.microsoft.com/office/drawing/2014/main" id="{97DE54A6-0238-4A7C-BC76-614A5668835A}"/>
+              </a:ext>
+              <a:ext uri="{C183D7F6-B498-43B3-948B-1728B52AA6E4}">
+                <adec:decorative xmlns:adec="http://schemas.microsoft.com/office/drawing/2017/decorative" val="1"/>
+              </a:ext>
+            </a:extLst>
+          </p:cNvPr>
+          <p:cNvCxnSpPr>
+            <a:cxnSpLocks/>
+          </p:cNvCxnSpPr>
+          <p:nvPr/>
+        </p:nvCxnSpPr>
+        <p:spPr>
+          <a:xfrm>
+            <a:off x="0" y="522898"/>
+            <a:ext cx="4086225" cy="0"/>
+          </a:xfrm>
+          <a:prstGeom prst="line">
+            <a:avLst/>
+          </a:prstGeom>
+          <a:ln>
+            <a:solidFill>
+              <a:schemeClr val="accent3">
+                <a:lumMod val="50000"/>
+              </a:schemeClr>
+            </a:solidFill>
+            <a:tailEnd type="oval"/>
+          </a:ln>
+        </p:spPr>
+        <p:style>
+          <a:lnRef idx="1">
+            <a:schemeClr val="accent1"/>
+          </a:lnRef>
+          <a:fillRef idx="0">
+            <a:schemeClr val="accent1"/>
+          </a:fillRef>
+          <a:effectRef idx="0">
+            <a:schemeClr val="accent1"/>
+          </a:effectRef>
+          <a:fontRef idx="minor">
+            <a:schemeClr val="tx1"/>
+          </a:fontRef>
+        </p:style>
+      </p:cxnSp>
+    </p:spTree>
+    <p:extLst>
+      <p:ext uri="{BB962C8B-B14F-4D97-AF65-F5344CB8AC3E}">
+        <p14:creationId xmlns:p14="http://schemas.microsoft.com/office/powerpoint/2010/main" val="1889057891"/>
+      </p:ext>
+    </p:extLst>
+  </p:cSld>
+  <p:clrMapOvr>
+    <a:masterClrMapping/>
+  </p:clrMapOvr>
+</p:sld>
+</file>
+
+<file path=ppt/slides/slide7.xml><?xml version="1.0" encoding="utf-8"?>
+<p:sld xmlns:a="http://schemas.openxmlformats.org/drawingml/2006/main" xmlns:r="http://schemas.openxmlformats.org/officeDocument/2006/relationships" xmlns:p="http://schemas.openxmlformats.org/presentationml/2006/main">
+  <p:cSld>
+    <p:spTree>
+      <p:nvGrpSpPr>
+        <p:cNvPr id="1" name=""/>
+        <p:cNvGrpSpPr/>
+        <p:nvPr/>
+      </p:nvGrpSpPr>
+      <p:grpSpPr>
+        <a:xfrm>
+          <a:off x="0" y="0"/>
+          <a:ext cx="0" cy="0"/>
+          <a:chOff x="0" y="0"/>
+          <a:chExt cx="0" cy="0"/>
+        </a:xfrm>
+      </p:grpSpPr>
+      <p:cxnSp>
+        <p:nvCxnSpPr>
+          <p:cNvPr id="2" name="Rechte verbindingslijn 1">
+            <a:extLst>
+              <a:ext uri="{FF2B5EF4-FFF2-40B4-BE49-F238E27FC236}">
+                <a16:creationId xmlns:a16="http://schemas.microsoft.com/office/drawing/2014/main" id="{30295193-7FE8-484A-A6FC-14C26F88A8C0}"/>
+              </a:ext>
+              <a:ext uri="{C183D7F6-B498-43B3-948B-1728B52AA6E4}">
+                <adec:decorative xmlns:adec="http://schemas.microsoft.com/office/drawing/2017/decorative" val="1"/>
+              </a:ext>
+            </a:extLst>
+          </p:cNvPr>
+          <p:cNvCxnSpPr>
+            <a:cxnSpLocks/>
+          </p:cNvCxnSpPr>
+          <p:nvPr/>
+        </p:nvCxnSpPr>
+        <p:spPr>
+          <a:xfrm>
+            <a:off x="8105775" y="522898"/>
+            <a:ext cx="4086225" cy="0"/>
+          </a:xfrm>
+          <a:prstGeom prst="line">
+            <a:avLst/>
+          </a:prstGeom>
+          <a:ln>
+            <a:solidFill>
+              <a:schemeClr val="accent3">
+                <a:lumMod val="50000"/>
+              </a:schemeClr>
+            </a:solidFill>
+            <a:headEnd type="oval"/>
+          </a:ln>
+        </p:spPr>
+        <p:style>
+          <a:lnRef idx="1">
+            <a:schemeClr val="accent1"/>
+          </a:lnRef>
+          <a:fillRef idx="0">
+            <a:schemeClr val="accent1"/>
+          </a:fillRef>
+          <a:effectRef idx="0">
+            <a:schemeClr val="accent1"/>
+          </a:effectRef>
+          <a:fontRef idx="minor">
+            <a:schemeClr val="tx1"/>
+          </a:fontRef>
+        </p:style>
+      </p:cxnSp>
+      <p:sp>
+        <p:nvSpPr>
+          <p:cNvPr id="3" name="Titel 1">
+            <a:extLst>
+              <a:ext uri="{FF2B5EF4-FFF2-40B4-BE49-F238E27FC236}">
+                <a16:creationId xmlns:a16="http://schemas.microsoft.com/office/drawing/2014/main" id="{00FF0850-19B0-4179-AB48-2864CAE1CD2D}"/>
+              </a:ext>
+            </a:extLst>
+          </p:cNvPr>
+          <p:cNvSpPr txBox="1">
+            <a:spLocks/>
+          </p:cNvSpPr>
+          <p:nvPr/>
+        </p:nvSpPr>
+        <p:spPr>
+          <a:xfrm>
+            <a:off x="228600" y="190500"/>
+            <a:ext cx="11734800" cy="387798"/>
+          </a:xfrm>
+          <a:prstGeom prst="rect">
+            <a:avLst/>
+          </a:prstGeom>
+        </p:spPr>
+        <p:txBody>
+          <a:bodyPr vert="horz" wrap="square" lIns="0" tIns="0" rIns="0" bIns="0" rtlCol="0" anchor="t">
+            <a:spAutoFit/>
+          </a:bodyPr>
+          <a:lstStyle>
+            <a:lvl1pPr algn="l" defTabSz="914400" rtl="0" eaLnBrk="1" latinLnBrk="0" hangingPunct="1">
+              <a:lnSpc>
+                <a:spcPct val="90000"/>
+              </a:lnSpc>
+              <a:spcBef>
+                <a:spcPct val="0"/>
+              </a:spcBef>
+              <a:buNone/>
+              <a:defRPr sz="4400" kern="1200">
+                <a:solidFill>
+                  <a:schemeClr val="tx1"/>
+                </a:solidFill>
+                <a:latin typeface="+mj-lt"/>
+                <a:ea typeface="+mj-ea"/>
+                <a:cs typeface="+mj-cs"/>
+              </a:defRPr>
+            </a:lvl1pPr>
+          </a:lstStyle>
+          <a:p>
+            <a:pPr algn="ctr"/>
+            <a:r>
+              <a:rPr lang="nl-NL" sz="2800" b="1" dirty="0" err="1">
+                <a:solidFill>
+                  <a:schemeClr val="tx1">
+                    <a:lumMod val="75000"/>
+                    <a:lumOff val="25000"/>
+                  </a:schemeClr>
+                </a:solidFill>
+              </a:rPr>
+              <a:t>Creating</a:t>
+            </a:r>
+            <a:r>
+              <a:rPr lang="nl-NL" sz="2800" b="1" dirty="0">
+                <a:solidFill>
+                  <a:schemeClr val="tx1">
+                    <a:lumMod val="75000"/>
+                    <a:lumOff val="25000"/>
+                  </a:schemeClr>
+                </a:solidFill>
+              </a:rPr>
+              <a:t> a </a:t>
+            </a:r>
+            <a:r>
+              <a:rPr lang="nl-NL" sz="2800" b="1" dirty="0" err="1">
+                <a:solidFill>
+                  <a:schemeClr val="tx1">
+                    <a:lumMod val="75000"/>
+                    <a:lumOff val="25000"/>
+                  </a:schemeClr>
+                </a:solidFill>
+              </a:rPr>
+              <a:t>Function</a:t>
+            </a:r>
+            <a:endParaRPr lang="nl-NL" sz="2800" dirty="0">
+              <a:solidFill>
+                <a:schemeClr val="tx1">
+                  <a:lumMod val="75000"/>
+                  <a:lumOff val="25000"/>
+                </a:schemeClr>
+              </a:solidFill>
+            </a:endParaRPr>
+          </a:p>
+        </p:txBody>
+      </p:sp>
+      <p:cxnSp>
+        <p:nvCxnSpPr>
+          <p:cNvPr id="4" name="Rechte verbindingslijn 3">
+            <a:extLst>
+              <a:ext uri="{FF2B5EF4-FFF2-40B4-BE49-F238E27FC236}">
+                <a16:creationId xmlns:a16="http://schemas.microsoft.com/office/drawing/2014/main" id="{8E004AB6-FD9D-4AF8-9957-B88D5E2AEAF5}"/>
+              </a:ext>
+              <a:ext uri="{C183D7F6-B498-43B3-948B-1728B52AA6E4}">
+                <adec:decorative xmlns:adec="http://schemas.microsoft.com/office/drawing/2017/decorative" val="1"/>
+              </a:ext>
+            </a:extLst>
+          </p:cNvPr>
+          <p:cNvCxnSpPr>
+            <a:cxnSpLocks/>
+          </p:cNvCxnSpPr>
+          <p:nvPr/>
+        </p:nvCxnSpPr>
+        <p:spPr>
+          <a:xfrm>
+            <a:off x="0" y="522898"/>
+            <a:ext cx="4086225" cy="0"/>
+          </a:xfrm>
+          <a:prstGeom prst="line">
+            <a:avLst/>
+          </a:prstGeom>
+          <a:ln>
+            <a:solidFill>
+              <a:schemeClr val="accent3">
+                <a:lumMod val="50000"/>
+              </a:schemeClr>
+            </a:solidFill>
+            <a:tailEnd type="oval"/>
+          </a:ln>
+        </p:spPr>
+        <p:style>
+          <a:lnRef idx="1">
+            <a:schemeClr val="accent1"/>
+          </a:lnRef>
+          <a:fillRef idx="0">
+            <a:schemeClr val="accent1"/>
+          </a:fillRef>
+          <a:effectRef idx="0">
+            <a:schemeClr val="accent1"/>
+          </a:effectRef>
+          <a:fontRef idx="minor">
+            <a:schemeClr val="tx1"/>
+          </a:fontRef>
+        </p:style>
+      </p:cxnSp>
+      <p:pic>
+        <p:nvPicPr>
+          <p:cNvPr id="5" name="Afbeelding 4">
+            <a:extLst>
+              <a:ext uri="{FF2B5EF4-FFF2-40B4-BE49-F238E27FC236}">
+                <a16:creationId xmlns:a16="http://schemas.microsoft.com/office/drawing/2014/main" id="{8CED0577-2455-40E3-949E-FA757D219793}"/>
+              </a:ext>
+            </a:extLst>
+          </p:cNvPr>
+          <p:cNvPicPr>
+            <a:picLocks noChangeAspect="1"/>
+          </p:cNvPicPr>
+          <p:nvPr/>
+        </p:nvPicPr>
+        <p:blipFill>
+          <a:blip r:embed="rId2"/>
+          <a:stretch>
+            <a:fillRect/>
+          </a:stretch>
+        </p:blipFill>
+        <p:spPr>
+          <a:xfrm>
+            <a:off x="3462351" y="855297"/>
+            <a:ext cx="5267297" cy="5793316"/>
+          </a:xfrm>
+          <a:prstGeom prst="rect">
+            <a:avLst/>
+          </a:prstGeom>
+        </p:spPr>
+      </p:pic>
+    </p:spTree>
+    <p:extLst>
+      <p:ext uri="{BB962C8B-B14F-4D97-AF65-F5344CB8AC3E}">
+        <p14:creationId xmlns:p14="http://schemas.microsoft.com/office/powerpoint/2010/main" val="436098119"/>
+      </p:ext>
+    </p:extLst>
+  </p:cSld>
+  <p:clrMapOvr>
+    <a:masterClrMapping/>
+  </p:clrMapOvr>
+</p:sld>
+</file>
+
+<file path=ppt/slides/slide8.xml><?xml version="1.0" encoding="utf-8"?>
+<p:sld xmlns:a="http://schemas.openxmlformats.org/drawingml/2006/main" xmlns:r="http://schemas.openxmlformats.org/officeDocument/2006/relationships" xmlns:p="http://schemas.openxmlformats.org/presentationml/2006/main">
+  <p:cSld>
+    <p:spTree>
+      <p:nvGrpSpPr>
+        <p:cNvPr id="1" name=""/>
+        <p:cNvGrpSpPr/>
+        <p:nvPr/>
+      </p:nvGrpSpPr>
+      <p:grpSpPr>
+        <a:xfrm>
+          <a:off x="0" y="0"/>
+          <a:ext cx="0" cy="0"/>
+          <a:chOff x="0" y="0"/>
+          <a:chExt cx="0" cy="0"/>
+        </a:xfrm>
+      </p:grpSpPr>
+      <p:cxnSp>
+        <p:nvCxnSpPr>
+          <p:cNvPr id="2" name="Rechte verbindingslijn 1">
+            <a:extLst>
+              <a:ext uri="{FF2B5EF4-FFF2-40B4-BE49-F238E27FC236}">
+                <a16:creationId xmlns:a16="http://schemas.microsoft.com/office/drawing/2014/main" id="{7948D1D7-9DF4-4E74-AA0C-071869DF87A2}"/>
+              </a:ext>
+              <a:ext uri="{C183D7F6-B498-43B3-948B-1728B52AA6E4}">
+                <adec:decorative xmlns:adec="http://schemas.microsoft.com/office/drawing/2017/decorative" val="1"/>
+              </a:ext>
+            </a:extLst>
+          </p:cNvPr>
+          <p:cNvCxnSpPr>
+            <a:cxnSpLocks/>
+          </p:cNvCxnSpPr>
+          <p:nvPr/>
+        </p:nvCxnSpPr>
+        <p:spPr>
+          <a:xfrm>
+            <a:off x="8105775" y="522898"/>
+            <a:ext cx="4086225" cy="0"/>
+          </a:xfrm>
+          <a:prstGeom prst="line">
+            <a:avLst/>
+          </a:prstGeom>
+          <a:ln>
+            <a:solidFill>
+              <a:schemeClr val="accent3">
+                <a:lumMod val="50000"/>
+              </a:schemeClr>
+            </a:solidFill>
+            <a:headEnd type="oval"/>
+          </a:ln>
+        </p:spPr>
+        <p:style>
+          <a:lnRef idx="1">
+            <a:schemeClr val="accent1"/>
+          </a:lnRef>
+          <a:fillRef idx="0">
+            <a:schemeClr val="accent1"/>
+          </a:fillRef>
+          <a:effectRef idx="0">
+            <a:schemeClr val="accent1"/>
+          </a:effectRef>
+          <a:fontRef idx="minor">
+            <a:schemeClr val="tx1"/>
+          </a:fontRef>
+        </p:style>
+      </p:cxnSp>
+      <p:sp>
+        <p:nvSpPr>
+          <p:cNvPr id="3" name="Titel 1">
+            <a:extLst>
+              <a:ext uri="{FF2B5EF4-FFF2-40B4-BE49-F238E27FC236}">
+                <a16:creationId xmlns:a16="http://schemas.microsoft.com/office/drawing/2014/main" id="{577EC821-4FCD-4491-962C-344B60D1A671}"/>
+              </a:ext>
+            </a:extLst>
+          </p:cNvPr>
+          <p:cNvSpPr txBox="1">
+            <a:spLocks/>
+          </p:cNvSpPr>
+          <p:nvPr/>
+        </p:nvSpPr>
+        <p:spPr>
+          <a:xfrm>
+            <a:off x="228600" y="190500"/>
+            <a:ext cx="11734800" cy="387798"/>
+          </a:xfrm>
+          <a:prstGeom prst="rect">
+            <a:avLst/>
+          </a:prstGeom>
+        </p:spPr>
+        <p:txBody>
+          <a:bodyPr vert="horz" wrap="square" lIns="0" tIns="0" rIns="0" bIns="0" rtlCol="0" anchor="t">
+            <a:spAutoFit/>
+          </a:bodyPr>
+          <a:lstStyle>
+            <a:lvl1pPr algn="l" defTabSz="914400" rtl="0" eaLnBrk="1" latinLnBrk="0" hangingPunct="1">
+              <a:lnSpc>
+                <a:spcPct val="90000"/>
+              </a:lnSpc>
+              <a:spcBef>
+                <a:spcPct val="0"/>
+              </a:spcBef>
+              <a:buNone/>
+              <a:defRPr sz="4400" kern="1200">
+                <a:solidFill>
+                  <a:schemeClr val="tx1"/>
+                </a:solidFill>
+                <a:latin typeface="+mj-lt"/>
+                <a:ea typeface="+mj-ea"/>
+                <a:cs typeface="+mj-cs"/>
+              </a:defRPr>
+            </a:lvl1pPr>
+          </a:lstStyle>
+          <a:p>
+            <a:pPr algn="ctr"/>
+            <a:r>
+              <a:rPr lang="nl-NL" sz="2800" b="1" dirty="0" err="1">
+                <a:solidFill>
+                  <a:schemeClr val="tx1">
+                    <a:lumMod val="75000"/>
+                    <a:lumOff val="25000"/>
+                  </a:schemeClr>
+                </a:solidFill>
+              </a:rPr>
+              <a:t>Creating</a:t>
+            </a:r>
+            <a:r>
+              <a:rPr lang="nl-NL" sz="2800" b="1" dirty="0">
+                <a:solidFill>
+                  <a:schemeClr val="tx1">
+                    <a:lumMod val="75000"/>
+                    <a:lumOff val="25000"/>
+                  </a:schemeClr>
+                </a:solidFill>
+              </a:rPr>
+              <a:t> a </a:t>
+            </a:r>
+            <a:r>
+              <a:rPr lang="nl-NL" sz="2800" b="1" dirty="0" err="1">
+                <a:solidFill>
+                  <a:schemeClr val="tx1">
+                    <a:lumMod val="75000"/>
+                    <a:lumOff val="25000"/>
+                  </a:schemeClr>
+                </a:solidFill>
+              </a:rPr>
+              <a:t>Function</a:t>
+            </a:r>
+            <a:endParaRPr lang="nl-NL" sz="2800" dirty="0">
+              <a:solidFill>
+                <a:schemeClr val="tx1">
+                  <a:lumMod val="75000"/>
+                  <a:lumOff val="25000"/>
+                </a:schemeClr>
+              </a:solidFill>
+            </a:endParaRPr>
+          </a:p>
+        </p:txBody>
+      </p:sp>
+      <p:cxnSp>
+        <p:nvCxnSpPr>
+          <p:cNvPr id="4" name="Rechte verbindingslijn 3">
+            <a:extLst>
+              <a:ext uri="{FF2B5EF4-FFF2-40B4-BE49-F238E27FC236}">
+                <a16:creationId xmlns:a16="http://schemas.microsoft.com/office/drawing/2014/main" id="{AEDFD590-43CE-41DC-92E4-3883CA0D2CD9}"/>
+              </a:ext>
+              <a:ext uri="{C183D7F6-B498-43B3-948B-1728B52AA6E4}">
+                <adec:decorative xmlns:adec="http://schemas.microsoft.com/office/drawing/2017/decorative" val="1"/>
+              </a:ext>
+            </a:extLst>
+          </p:cNvPr>
+          <p:cNvCxnSpPr>
+            <a:cxnSpLocks/>
+          </p:cNvCxnSpPr>
+          <p:nvPr/>
+        </p:nvCxnSpPr>
+        <p:spPr>
+          <a:xfrm>
+            <a:off x="0" y="522898"/>
+            <a:ext cx="4086225" cy="0"/>
+          </a:xfrm>
+          <a:prstGeom prst="line">
+            <a:avLst/>
+          </a:prstGeom>
+          <a:ln>
+            <a:solidFill>
+              <a:schemeClr val="accent3">
+                <a:lumMod val="50000"/>
+              </a:schemeClr>
+            </a:solidFill>
+            <a:tailEnd type="oval"/>
+          </a:ln>
+        </p:spPr>
+        <p:style>
+          <a:lnRef idx="1">
+            <a:schemeClr val="accent1"/>
+          </a:lnRef>
+          <a:fillRef idx="0">
+            <a:schemeClr val="accent1"/>
+          </a:fillRef>
+          <a:effectRef idx="0">
+            <a:schemeClr val="accent1"/>
+          </a:effectRef>
+          <a:fontRef idx="minor">
+            <a:schemeClr val="tx1"/>
+          </a:fontRef>
+        </p:style>
+      </p:cxnSp>
+      <p:pic>
+        <p:nvPicPr>
+          <p:cNvPr id="6" name="Afbeelding 5">
+            <a:extLst>
+              <a:ext uri="{FF2B5EF4-FFF2-40B4-BE49-F238E27FC236}">
+                <a16:creationId xmlns:a16="http://schemas.microsoft.com/office/drawing/2014/main" id="{88377A5C-8C40-4D46-BE78-2E268D822B14}"/>
+              </a:ext>
+            </a:extLst>
+          </p:cNvPr>
+          <p:cNvPicPr>
+            <a:picLocks noChangeAspect="1"/>
+          </p:cNvPicPr>
+          <p:nvPr/>
+        </p:nvPicPr>
+        <p:blipFill>
+          <a:blip r:embed="rId2"/>
+          <a:stretch>
+            <a:fillRect/>
+          </a:stretch>
+        </p:blipFill>
+        <p:spPr>
+          <a:xfrm>
+            <a:off x="4386262" y="1715723"/>
+            <a:ext cx="3419475" cy="4438650"/>
+          </a:xfrm>
+          <a:prstGeom prst="rect">
+            <a:avLst/>
+          </a:prstGeom>
+        </p:spPr>
+      </p:pic>
+      <p:cxnSp>
+        <p:nvCxnSpPr>
+          <p:cNvPr id="8" name="Rechte verbindingslijn met pijl 7">
+            <a:extLst>
+              <a:ext uri="{FF2B5EF4-FFF2-40B4-BE49-F238E27FC236}">
+                <a16:creationId xmlns:a16="http://schemas.microsoft.com/office/drawing/2014/main" id="{8FA34689-EEA5-493A-9F9D-C8D0AA93B186}"/>
+              </a:ext>
+            </a:extLst>
+          </p:cNvPr>
+          <p:cNvCxnSpPr/>
+          <p:nvPr/>
+        </p:nvCxnSpPr>
+        <p:spPr>
+          <a:xfrm flipH="1">
+            <a:off x="6858000" y="1443007"/>
+            <a:ext cx="256674" cy="545431"/>
+          </a:xfrm>
+          <a:prstGeom prst="straightConnector1">
+            <a:avLst/>
+          </a:prstGeom>
+          <a:ln>
+            <a:solidFill>
+              <a:srgbClr val="FF0000"/>
+            </a:solidFill>
+            <a:tailEnd type="triangle"/>
+          </a:ln>
+        </p:spPr>
+        <p:style>
+          <a:lnRef idx="1">
+            <a:schemeClr val="accent1"/>
+          </a:lnRef>
+          <a:fillRef idx="0">
+            <a:schemeClr val="accent1"/>
+          </a:fillRef>
+          <a:effectRef idx="0">
+            <a:schemeClr val="accent1"/>
+          </a:effectRef>
+          <a:fontRef idx="minor">
+            <a:schemeClr val="tx1"/>
+          </a:fontRef>
+        </p:style>
+      </p:cxnSp>
+      <p:cxnSp>
+        <p:nvCxnSpPr>
+          <p:cNvPr id="12" name="Rechte verbindingslijn met pijl 11">
+            <a:extLst>
+              <a:ext uri="{FF2B5EF4-FFF2-40B4-BE49-F238E27FC236}">
+                <a16:creationId xmlns:a16="http://schemas.microsoft.com/office/drawing/2014/main" id="{84237732-A312-445A-A037-B2B27BA043F4}"/>
+              </a:ext>
+            </a:extLst>
+          </p:cNvPr>
+          <p:cNvCxnSpPr/>
+          <p:nvPr/>
+        </p:nvCxnSpPr>
+        <p:spPr>
+          <a:xfrm flipH="1" flipV="1">
+            <a:off x="7154779" y="2173705"/>
+            <a:ext cx="1018674" cy="457200"/>
+          </a:xfrm>
+          <a:prstGeom prst="straightConnector1">
+            <a:avLst/>
+          </a:prstGeom>
+          <a:ln>
+            <a:solidFill>
+              <a:srgbClr val="FF0000"/>
+            </a:solidFill>
+            <a:tailEnd type="triangle"/>
+          </a:ln>
+        </p:spPr>
+        <p:style>
+          <a:lnRef idx="1">
+            <a:schemeClr val="accent1"/>
+          </a:lnRef>
+          <a:fillRef idx="0">
+            <a:schemeClr val="accent1"/>
+          </a:fillRef>
+          <a:effectRef idx="0">
+            <a:schemeClr val="accent1"/>
+          </a:effectRef>
+          <a:fontRef idx="minor">
+            <a:schemeClr val="tx1"/>
+          </a:fontRef>
+        </p:style>
+      </p:cxnSp>
+      <p:cxnSp>
+        <p:nvCxnSpPr>
+          <p:cNvPr id="14" name="Rechte verbindingslijn met pijl 13">
+            <a:extLst>
+              <a:ext uri="{FF2B5EF4-FFF2-40B4-BE49-F238E27FC236}">
+                <a16:creationId xmlns:a16="http://schemas.microsoft.com/office/drawing/2014/main" id="{D49573B3-8045-4616-91CD-A00F2E0C06E7}"/>
+              </a:ext>
+            </a:extLst>
+          </p:cNvPr>
+          <p:cNvCxnSpPr/>
+          <p:nvPr/>
+        </p:nvCxnSpPr>
+        <p:spPr>
+          <a:xfrm>
+            <a:off x="6095999" y="1350765"/>
+            <a:ext cx="473243" cy="637673"/>
+          </a:xfrm>
+          <a:prstGeom prst="straightConnector1">
+            <a:avLst/>
+          </a:prstGeom>
+          <a:ln>
+            <a:solidFill>
+              <a:srgbClr val="FF0000"/>
+            </a:solidFill>
+            <a:tailEnd type="triangle"/>
+          </a:ln>
+        </p:spPr>
+        <p:style>
+          <a:lnRef idx="1">
+            <a:schemeClr val="accent1"/>
+          </a:lnRef>
+          <a:fillRef idx="0">
+            <a:schemeClr val="accent1"/>
+          </a:fillRef>
+          <a:effectRef idx="0">
+            <a:schemeClr val="accent1"/>
+          </a:effectRef>
+          <a:fontRef idx="minor">
+            <a:schemeClr val="tx1"/>
+          </a:fontRef>
+        </p:style>
+      </p:cxnSp>
+      <p:sp>
+        <p:nvSpPr>
+          <p:cNvPr id="15" name="Tekstvak 14">
+            <a:extLst>
+              <a:ext uri="{FF2B5EF4-FFF2-40B4-BE49-F238E27FC236}">
+                <a16:creationId xmlns:a16="http://schemas.microsoft.com/office/drawing/2014/main" id="{19E880BB-96DC-4F75-8B11-B775934B2232}"/>
+              </a:ext>
+            </a:extLst>
+          </p:cNvPr>
+          <p:cNvSpPr txBox="1"/>
+          <p:nvPr/>
+        </p:nvSpPr>
+        <p:spPr>
+          <a:xfrm>
+            <a:off x="6641608" y="1117400"/>
+            <a:ext cx="1637371" cy="369332"/>
+          </a:xfrm>
+          <a:prstGeom prst="rect">
+            <a:avLst/>
+          </a:prstGeom>
+          <a:noFill/>
+        </p:spPr>
+        <p:txBody>
+          <a:bodyPr wrap="none" rtlCol="0">
             <a:spAutoFit/>
           </a:bodyPr>
           <a:lstStyle/>
           <a:p>
-            <a:pPr algn="ctr" rtl="0"/>
             <a:r>
-              <a:rPr lang="nl-NL" sz="7200" b="1" dirty="0">
-                <a:solidFill>
-                  <a:schemeClr val="bg1"/>
-                </a:solidFill>
-              </a:rPr>
-              <a:t>The </a:t>
+              <a:rPr lang="nl-NL" dirty="0" err="1"/>
+              <a:t>Create</a:t>
             </a:r>
             <a:r>
-              <a:rPr lang="nl-NL" sz="7200" b="1" dirty="0" err="1">
-                <a:solidFill>
-                  <a:schemeClr val="bg1"/>
-                </a:solidFill>
-              </a:rPr>
-              <a:t>ENd</a:t>
+              <a:rPr lang="nl-NL" dirty="0"/>
+              <a:t> </a:t>
             </a:r>
-            <a:endParaRPr lang="nl-NL" sz="7200" dirty="0">
-              <a:solidFill>
-                <a:schemeClr val="accent4"/>
-              </a:solidFill>
-            </a:endParaRPr>
+            <a:r>
+              <a:rPr lang="nl-NL" dirty="0" err="1"/>
+              <a:t>function</a:t>
+            </a:r>
+            <a:endParaRPr lang="nl-NL" dirty="0"/>
+          </a:p>
+        </p:txBody>
+      </p:sp>
+      <p:sp>
+        <p:nvSpPr>
+          <p:cNvPr id="17" name="Tekstvak 16">
+            <a:extLst>
+              <a:ext uri="{FF2B5EF4-FFF2-40B4-BE49-F238E27FC236}">
+                <a16:creationId xmlns:a16="http://schemas.microsoft.com/office/drawing/2014/main" id="{58733B99-26DA-40DC-906A-57F9EB8FF6DD}"/>
+              </a:ext>
+            </a:extLst>
+          </p:cNvPr>
+          <p:cNvSpPr txBox="1"/>
+          <p:nvPr/>
+        </p:nvSpPr>
+        <p:spPr>
+          <a:xfrm>
+            <a:off x="4804787" y="988503"/>
+            <a:ext cx="1516634" cy="369332"/>
+          </a:xfrm>
+          <a:prstGeom prst="rect">
+            <a:avLst/>
+          </a:prstGeom>
+          <a:noFill/>
+        </p:spPr>
+        <p:txBody>
+          <a:bodyPr wrap="none" rtlCol="0">
+            <a:spAutoFit/>
+          </a:bodyPr>
+          <a:lstStyle/>
+          <a:p>
+            <a:r>
+              <a:rPr lang="nl-NL" dirty="0" err="1"/>
+              <a:t>Create</a:t>
+            </a:r>
+            <a:r>
+              <a:rPr lang="nl-NL" dirty="0"/>
+              <a:t> project</a:t>
+            </a:r>
+          </a:p>
+        </p:txBody>
+      </p:sp>
+      <p:sp>
+        <p:nvSpPr>
+          <p:cNvPr id="18" name="Tekstvak 17">
+            <a:extLst>
+              <a:ext uri="{FF2B5EF4-FFF2-40B4-BE49-F238E27FC236}">
+                <a16:creationId xmlns:a16="http://schemas.microsoft.com/office/drawing/2014/main" id="{F79EE129-02DF-42F8-851B-320BCFCC2D33}"/>
+              </a:ext>
+            </a:extLst>
+          </p:cNvPr>
+          <p:cNvSpPr txBox="1"/>
+          <p:nvPr/>
+        </p:nvSpPr>
+        <p:spPr>
+          <a:xfrm>
+            <a:off x="7805737" y="2523884"/>
+            <a:ext cx="1659813" cy="369332"/>
+          </a:xfrm>
+          <a:prstGeom prst="rect">
+            <a:avLst/>
+          </a:prstGeom>
+          <a:noFill/>
+        </p:spPr>
+        <p:txBody>
+          <a:bodyPr wrap="none" rtlCol="0">
+            <a:spAutoFit/>
+          </a:bodyPr>
+          <a:lstStyle/>
+          <a:p>
+            <a:r>
+              <a:rPr lang="nl-NL" dirty="0" err="1"/>
+              <a:t>Deploy</a:t>
+            </a:r>
+            <a:r>
+              <a:rPr lang="nl-NL" dirty="0"/>
+              <a:t> </a:t>
+            </a:r>
+            <a:r>
+              <a:rPr lang="nl-NL" dirty="0" err="1"/>
+              <a:t>to</a:t>
+            </a:r>
+            <a:r>
+              <a:rPr lang="nl-NL" dirty="0"/>
+              <a:t> </a:t>
+            </a:r>
+            <a:r>
+              <a:rPr lang="nl-NL" dirty="0" err="1"/>
+              <a:t>azure</a:t>
+            </a:r>
+            <a:endParaRPr lang="nl-NL" dirty="0"/>
           </a:p>
         </p:txBody>
       </p:sp>
     </p:spTree>
     <p:extLst>
       <p:ext uri="{BB962C8B-B14F-4D97-AF65-F5344CB8AC3E}">
-        <p14:creationId xmlns:p14="http://schemas.microsoft.com/office/powerpoint/2010/main" val="1923038163"/>
+        <p14:creationId xmlns:p14="http://schemas.microsoft.com/office/powerpoint/2010/main" val="2738621868"/>
+      </p:ext>
+    </p:extLst>
+  </p:cSld>
+  <p:clrMapOvr>
+    <a:masterClrMapping/>
+  </p:clrMapOvr>
+</p:sld>
+</file>
+
+<file path=ppt/slides/slide9.xml><?xml version="1.0" encoding="utf-8"?>
+<p:sld xmlns:a="http://schemas.openxmlformats.org/drawingml/2006/main" xmlns:r="http://schemas.openxmlformats.org/officeDocument/2006/relationships" xmlns:p="http://schemas.openxmlformats.org/presentationml/2006/main">
+  <p:cSld>
+    <p:spTree>
+      <p:nvGrpSpPr>
+        <p:cNvPr id="1" name=""/>
+        <p:cNvGrpSpPr/>
+        <p:nvPr/>
+      </p:nvGrpSpPr>
+      <p:grpSpPr>
+        <a:xfrm>
+          <a:off x="0" y="0"/>
+          <a:ext cx="0" cy="0"/>
+          <a:chOff x="0" y="0"/>
+          <a:chExt cx="0" cy="0"/>
+        </a:xfrm>
+      </p:grpSpPr>
+      <p:cxnSp>
+        <p:nvCxnSpPr>
+          <p:cNvPr id="2" name="Rechte verbindingslijn 1">
+            <a:extLst>
+              <a:ext uri="{FF2B5EF4-FFF2-40B4-BE49-F238E27FC236}">
+                <a16:creationId xmlns:a16="http://schemas.microsoft.com/office/drawing/2014/main" id="{2B2B391B-CFE2-4B38-BCE2-8BA1200650B7}"/>
+              </a:ext>
+              <a:ext uri="{C183D7F6-B498-43B3-948B-1728B52AA6E4}">
+                <adec:decorative xmlns:adec="http://schemas.microsoft.com/office/drawing/2017/decorative" val="1"/>
+              </a:ext>
+            </a:extLst>
+          </p:cNvPr>
+          <p:cNvCxnSpPr>
+            <a:cxnSpLocks/>
+          </p:cNvCxnSpPr>
+          <p:nvPr/>
+        </p:nvCxnSpPr>
+        <p:spPr>
+          <a:xfrm>
+            <a:off x="8105775" y="522898"/>
+            <a:ext cx="4086225" cy="0"/>
+          </a:xfrm>
+          <a:prstGeom prst="line">
+            <a:avLst/>
+          </a:prstGeom>
+          <a:ln>
+            <a:solidFill>
+              <a:schemeClr val="accent3">
+                <a:lumMod val="50000"/>
+              </a:schemeClr>
+            </a:solidFill>
+            <a:headEnd type="oval"/>
+          </a:ln>
+        </p:spPr>
+        <p:style>
+          <a:lnRef idx="1">
+            <a:schemeClr val="accent1"/>
+          </a:lnRef>
+          <a:fillRef idx="0">
+            <a:schemeClr val="accent1"/>
+          </a:fillRef>
+          <a:effectRef idx="0">
+            <a:schemeClr val="accent1"/>
+          </a:effectRef>
+          <a:fontRef idx="minor">
+            <a:schemeClr val="tx1"/>
+          </a:fontRef>
+        </p:style>
+      </p:cxnSp>
+      <p:sp>
+        <p:nvSpPr>
+          <p:cNvPr id="3" name="Titel 1">
+            <a:extLst>
+              <a:ext uri="{FF2B5EF4-FFF2-40B4-BE49-F238E27FC236}">
+                <a16:creationId xmlns:a16="http://schemas.microsoft.com/office/drawing/2014/main" id="{4573A547-BF23-4375-A95C-6C25175F82A8}"/>
+              </a:ext>
+            </a:extLst>
+          </p:cNvPr>
+          <p:cNvSpPr txBox="1">
+            <a:spLocks/>
+          </p:cNvSpPr>
+          <p:nvPr/>
+        </p:nvSpPr>
+        <p:spPr>
+          <a:xfrm>
+            <a:off x="228600" y="190500"/>
+            <a:ext cx="11734800" cy="387798"/>
+          </a:xfrm>
+          <a:prstGeom prst="rect">
+            <a:avLst/>
+          </a:prstGeom>
+        </p:spPr>
+        <p:txBody>
+          <a:bodyPr vert="horz" wrap="square" lIns="0" tIns="0" rIns="0" bIns="0" rtlCol="0" anchor="t">
+            <a:spAutoFit/>
+          </a:bodyPr>
+          <a:lstStyle>
+            <a:lvl1pPr algn="l" defTabSz="914400" rtl="0" eaLnBrk="1" latinLnBrk="0" hangingPunct="1">
+              <a:lnSpc>
+                <a:spcPct val="90000"/>
+              </a:lnSpc>
+              <a:spcBef>
+                <a:spcPct val="0"/>
+              </a:spcBef>
+              <a:buNone/>
+              <a:defRPr sz="4400" kern="1200">
+                <a:solidFill>
+                  <a:schemeClr val="tx1"/>
+                </a:solidFill>
+                <a:latin typeface="+mj-lt"/>
+                <a:ea typeface="+mj-ea"/>
+                <a:cs typeface="+mj-cs"/>
+              </a:defRPr>
+            </a:lvl1pPr>
+          </a:lstStyle>
+          <a:p>
+            <a:pPr algn="ctr"/>
+            <a:r>
+              <a:rPr lang="nl-NL" sz="2800" b="1" dirty="0" err="1">
+                <a:solidFill>
+                  <a:schemeClr val="tx1">
+                    <a:lumMod val="75000"/>
+                    <a:lumOff val="25000"/>
+                  </a:schemeClr>
+                </a:solidFill>
+              </a:rPr>
+              <a:t>Deploying</a:t>
+            </a:r>
+            <a:r>
+              <a:rPr lang="nl-NL" sz="2800" b="1" dirty="0">
+                <a:solidFill>
+                  <a:schemeClr val="tx1">
+                    <a:lumMod val="75000"/>
+                    <a:lumOff val="25000"/>
+                  </a:schemeClr>
+                </a:solidFill>
+              </a:rPr>
+              <a:t> a </a:t>
+            </a:r>
+            <a:r>
+              <a:rPr lang="nl-NL" sz="2800" b="1" dirty="0" err="1">
+                <a:solidFill>
+                  <a:schemeClr val="tx1">
+                    <a:lumMod val="75000"/>
+                    <a:lumOff val="25000"/>
+                  </a:schemeClr>
+                </a:solidFill>
+              </a:rPr>
+              <a:t>Function</a:t>
+            </a:r>
+            <a:endParaRPr lang="nl-NL" sz="2800" dirty="0">
+              <a:solidFill>
+                <a:schemeClr val="tx1">
+                  <a:lumMod val="75000"/>
+                  <a:lumOff val="25000"/>
+                </a:schemeClr>
+              </a:solidFill>
+            </a:endParaRPr>
+          </a:p>
+        </p:txBody>
+      </p:sp>
+      <p:cxnSp>
+        <p:nvCxnSpPr>
+          <p:cNvPr id="4" name="Rechte verbindingslijn 3">
+            <a:extLst>
+              <a:ext uri="{FF2B5EF4-FFF2-40B4-BE49-F238E27FC236}">
+                <a16:creationId xmlns:a16="http://schemas.microsoft.com/office/drawing/2014/main" id="{0222A4F2-64F6-45F5-A563-430167CB951B}"/>
+              </a:ext>
+              <a:ext uri="{C183D7F6-B498-43B3-948B-1728B52AA6E4}">
+                <adec:decorative xmlns:adec="http://schemas.microsoft.com/office/drawing/2017/decorative" val="1"/>
+              </a:ext>
+            </a:extLst>
+          </p:cNvPr>
+          <p:cNvCxnSpPr>
+            <a:cxnSpLocks/>
+          </p:cNvCxnSpPr>
+          <p:nvPr/>
+        </p:nvCxnSpPr>
+        <p:spPr>
+          <a:xfrm>
+            <a:off x="0" y="522898"/>
+            <a:ext cx="4086225" cy="0"/>
+          </a:xfrm>
+          <a:prstGeom prst="line">
+            <a:avLst/>
+          </a:prstGeom>
+          <a:ln>
+            <a:solidFill>
+              <a:schemeClr val="accent3">
+                <a:lumMod val="50000"/>
+              </a:schemeClr>
+            </a:solidFill>
+            <a:tailEnd type="oval"/>
+          </a:ln>
+        </p:spPr>
+        <p:style>
+          <a:lnRef idx="1">
+            <a:schemeClr val="accent1"/>
+          </a:lnRef>
+          <a:fillRef idx="0">
+            <a:schemeClr val="accent1"/>
+          </a:fillRef>
+          <a:effectRef idx="0">
+            <a:schemeClr val="accent1"/>
+          </a:effectRef>
+          <a:fontRef idx="minor">
+            <a:schemeClr val="tx1"/>
+          </a:fontRef>
+        </p:style>
+      </p:cxnSp>
+    </p:spTree>
+    <p:extLst>
+      <p:ext uri="{BB962C8B-B14F-4D97-AF65-F5344CB8AC3E}">
+        <p14:creationId xmlns:p14="http://schemas.microsoft.com/office/powerpoint/2010/main" val="2399830556"/>
       </p:ext>
     </p:extLst>
   </p:cSld>
